--- a/Submissions/Final Project PPT.pptx
+++ b/Submissions/Final Project PPT.pptx
@@ -10,11 +10,14 @@
     <p:sldId id="264" r:id="rId4"/>
     <p:sldId id="258" r:id="rId5"/>
     <p:sldId id="259" r:id="rId6"/>
-    <p:sldId id="260" r:id="rId7"/>
-    <p:sldId id="263" r:id="rId8"/>
-    <p:sldId id="261" r:id="rId9"/>
-    <p:sldId id="262" r:id="rId10"/>
-    <p:sldId id="265" r:id="rId11"/>
+    <p:sldId id="269" r:id="rId7"/>
+    <p:sldId id="260" r:id="rId8"/>
+    <p:sldId id="266" r:id="rId9"/>
+    <p:sldId id="267" r:id="rId10"/>
+    <p:sldId id="268" r:id="rId11"/>
+    <p:sldId id="263" r:id="rId12"/>
+    <p:sldId id="262" r:id="rId13"/>
+    <p:sldId id="265" r:id="rId14"/>
   </p:sldIdLst>
   <p:sldSz cx="12192000" cy="6858000"/>
   <p:notesSz cx="6858000" cy="9144000"/>
@@ -121,6 +124,3281 @@
 </p:presentation>
 </file>
 
+<file path=ppt/diagrams/colors1.xml><?xml version="1.0" encoding="utf-8"?>
+<dgm:colorsDef xmlns:dgm="http://schemas.openxmlformats.org/drawingml/2006/diagram" xmlns:a="http://schemas.openxmlformats.org/drawingml/2006/main" uniqueId="urn:microsoft.com/office/officeart/2005/8/colors/accent0_3">
+  <dgm:title val=""/>
+  <dgm:desc val=""/>
+  <dgm:catLst>
+    <dgm:cat type="mainScheme" pri="10300"/>
+  </dgm:catLst>
+  <dgm:styleLbl name="node0">
+    <dgm:fillClrLst meth="repeat">
+      <a:schemeClr val="dk2"/>
+    </dgm:fillClrLst>
+    <dgm:linClrLst meth="repeat">
+      <a:schemeClr val="lt2"/>
+    </dgm:linClrLst>
+    <dgm:effectClrLst/>
+    <dgm:txLinClrLst/>
+    <dgm:txFillClrLst/>
+    <dgm:txEffectClrLst/>
+  </dgm:styleLbl>
+  <dgm:styleLbl name="alignNode1">
+    <dgm:fillClrLst meth="repeat">
+      <a:schemeClr val="dk2"/>
+    </dgm:fillClrLst>
+    <dgm:linClrLst meth="repeat">
+      <a:schemeClr val="dk2"/>
+    </dgm:linClrLst>
+    <dgm:effectClrLst/>
+    <dgm:txLinClrLst/>
+    <dgm:txFillClrLst/>
+    <dgm:txEffectClrLst/>
+  </dgm:styleLbl>
+  <dgm:styleLbl name="node1">
+    <dgm:fillClrLst meth="repeat">
+      <a:schemeClr val="dk2"/>
+    </dgm:fillClrLst>
+    <dgm:linClrLst meth="repeat">
+      <a:schemeClr val="lt2"/>
+    </dgm:linClrLst>
+    <dgm:effectClrLst/>
+    <dgm:txLinClrLst/>
+    <dgm:txFillClrLst/>
+    <dgm:txEffectClrLst/>
+  </dgm:styleLbl>
+  <dgm:styleLbl name="lnNode1">
+    <dgm:fillClrLst meth="repeat">
+      <a:schemeClr val="dk2"/>
+    </dgm:fillClrLst>
+    <dgm:linClrLst meth="repeat">
+      <a:schemeClr val="lt2"/>
+    </dgm:linClrLst>
+    <dgm:effectClrLst/>
+    <dgm:txLinClrLst/>
+    <dgm:txFillClrLst/>
+    <dgm:txEffectClrLst/>
+  </dgm:styleLbl>
+  <dgm:styleLbl name="vennNode1">
+    <dgm:fillClrLst meth="repeat">
+      <a:schemeClr val="dk2">
+        <a:alpha val="50000"/>
+      </a:schemeClr>
+    </dgm:fillClrLst>
+    <dgm:linClrLst meth="repeat">
+      <a:schemeClr val="lt2"/>
+    </dgm:linClrLst>
+    <dgm:effectClrLst/>
+    <dgm:txLinClrLst/>
+    <dgm:txFillClrLst/>
+    <dgm:txEffectClrLst/>
+  </dgm:styleLbl>
+  <dgm:styleLbl name="node2">
+    <dgm:fillClrLst meth="repeat">
+      <a:schemeClr val="dk2"/>
+    </dgm:fillClrLst>
+    <dgm:linClrLst meth="repeat">
+      <a:schemeClr val="lt2"/>
+    </dgm:linClrLst>
+    <dgm:effectClrLst/>
+    <dgm:txLinClrLst/>
+    <dgm:txFillClrLst/>
+    <dgm:txEffectClrLst/>
+  </dgm:styleLbl>
+  <dgm:styleLbl name="node3">
+    <dgm:fillClrLst meth="repeat">
+      <a:schemeClr val="dk2"/>
+    </dgm:fillClrLst>
+    <dgm:linClrLst meth="repeat">
+      <a:schemeClr val="lt2"/>
+    </dgm:linClrLst>
+    <dgm:effectClrLst/>
+    <dgm:txLinClrLst/>
+    <dgm:txFillClrLst/>
+    <dgm:txEffectClrLst/>
+  </dgm:styleLbl>
+  <dgm:styleLbl name="node4">
+    <dgm:fillClrLst meth="repeat">
+      <a:schemeClr val="dk2"/>
+    </dgm:fillClrLst>
+    <dgm:linClrLst meth="repeat">
+      <a:schemeClr val="lt2"/>
+    </dgm:linClrLst>
+    <dgm:effectClrLst/>
+    <dgm:txLinClrLst/>
+    <dgm:txFillClrLst/>
+    <dgm:txEffectClrLst/>
+  </dgm:styleLbl>
+  <dgm:styleLbl name="fgImgPlace1">
+    <dgm:fillClrLst meth="repeat">
+      <a:schemeClr val="dk2">
+        <a:tint val="50000"/>
+      </a:schemeClr>
+    </dgm:fillClrLst>
+    <dgm:linClrLst meth="repeat">
+      <a:schemeClr val="lt2"/>
+    </dgm:linClrLst>
+    <dgm:effectClrLst/>
+    <dgm:txLinClrLst/>
+    <dgm:txFillClrLst meth="repeat">
+      <a:schemeClr val="lt2"/>
+    </dgm:txFillClrLst>
+    <dgm:txEffectClrLst/>
+  </dgm:styleLbl>
+  <dgm:styleLbl name="alignImgPlace1">
+    <dgm:fillClrLst meth="repeat">
+      <a:schemeClr val="dk2">
+        <a:tint val="50000"/>
+      </a:schemeClr>
+    </dgm:fillClrLst>
+    <dgm:linClrLst meth="repeat">
+      <a:schemeClr val="dk2">
+        <a:shade val="80000"/>
+      </a:schemeClr>
+    </dgm:linClrLst>
+    <dgm:effectClrLst/>
+    <dgm:txLinClrLst/>
+    <dgm:txFillClrLst meth="repeat">
+      <a:schemeClr val="lt2"/>
+    </dgm:txFillClrLst>
+    <dgm:txEffectClrLst/>
+  </dgm:styleLbl>
+  <dgm:styleLbl name="bgImgPlace1">
+    <dgm:fillClrLst meth="repeat">
+      <a:schemeClr val="dk2">
+        <a:tint val="50000"/>
+      </a:schemeClr>
+    </dgm:fillClrLst>
+    <dgm:linClrLst meth="repeat">
+      <a:schemeClr val="dk2">
+        <a:shade val="80000"/>
+      </a:schemeClr>
+    </dgm:linClrLst>
+    <dgm:effectClrLst/>
+    <dgm:txLinClrLst/>
+    <dgm:txFillClrLst meth="repeat">
+      <a:schemeClr val="lt2"/>
+    </dgm:txFillClrLst>
+    <dgm:txEffectClrLst/>
+  </dgm:styleLbl>
+  <dgm:styleLbl name="sibTrans2D1">
+    <dgm:fillClrLst meth="repeat">
+      <a:schemeClr val="dk2">
+        <a:tint val="60000"/>
+      </a:schemeClr>
+    </dgm:fillClrLst>
+    <dgm:linClrLst meth="repeat">
+      <a:schemeClr val="dk2">
+        <a:tint val="60000"/>
+      </a:schemeClr>
+    </dgm:linClrLst>
+    <dgm:effectClrLst/>
+    <dgm:txLinClrLst/>
+    <dgm:txFillClrLst/>
+    <dgm:txEffectClrLst/>
+  </dgm:styleLbl>
+  <dgm:styleLbl name="fgSibTrans2D1">
+    <dgm:fillClrLst meth="repeat">
+      <a:schemeClr val="dk2">
+        <a:tint val="60000"/>
+      </a:schemeClr>
+    </dgm:fillClrLst>
+    <dgm:linClrLst meth="repeat">
+      <a:schemeClr val="dk2">
+        <a:tint val="60000"/>
+      </a:schemeClr>
+    </dgm:linClrLst>
+    <dgm:effectClrLst/>
+    <dgm:txLinClrLst/>
+    <dgm:txFillClrLst/>
+    <dgm:txEffectClrLst/>
+  </dgm:styleLbl>
+  <dgm:styleLbl name="bgSibTrans2D1">
+    <dgm:fillClrLst meth="repeat">
+      <a:schemeClr val="dk2">
+        <a:tint val="60000"/>
+      </a:schemeClr>
+    </dgm:fillClrLst>
+    <dgm:linClrLst meth="repeat">
+      <a:schemeClr val="dk2">
+        <a:tint val="60000"/>
+      </a:schemeClr>
+    </dgm:linClrLst>
+    <dgm:effectClrLst/>
+    <dgm:txLinClrLst/>
+    <dgm:txFillClrLst/>
+    <dgm:txEffectClrLst/>
+  </dgm:styleLbl>
+  <dgm:styleLbl name="sibTrans1D1">
+    <dgm:fillClrLst meth="repeat">
+      <a:schemeClr val="dk2"/>
+    </dgm:fillClrLst>
+    <dgm:linClrLst meth="repeat">
+      <a:schemeClr val="dk2"/>
+    </dgm:linClrLst>
+    <dgm:effectClrLst/>
+    <dgm:txLinClrLst/>
+    <dgm:txFillClrLst meth="repeat">
+      <a:schemeClr val="lt2"/>
+    </dgm:txFillClrLst>
+    <dgm:txEffectClrLst/>
+  </dgm:styleLbl>
+  <dgm:styleLbl name="callout">
+    <dgm:fillClrLst meth="repeat">
+      <a:schemeClr val="dk2"/>
+    </dgm:fillClrLst>
+    <dgm:linClrLst meth="repeat">
+      <a:schemeClr val="dk2">
+        <a:tint val="50000"/>
+      </a:schemeClr>
+    </dgm:linClrLst>
+    <dgm:effectClrLst/>
+    <dgm:txLinClrLst/>
+    <dgm:txFillClrLst meth="repeat">
+      <a:schemeClr val="lt2"/>
+    </dgm:txFillClrLst>
+    <dgm:txEffectClrLst/>
+  </dgm:styleLbl>
+  <dgm:styleLbl name="asst0">
+    <dgm:fillClrLst meth="repeat">
+      <a:schemeClr val="dk2"/>
+    </dgm:fillClrLst>
+    <dgm:linClrLst meth="repeat">
+      <a:schemeClr val="lt2"/>
+    </dgm:linClrLst>
+    <dgm:effectClrLst/>
+    <dgm:txLinClrLst/>
+    <dgm:txFillClrLst/>
+    <dgm:txEffectClrLst/>
+  </dgm:styleLbl>
+  <dgm:styleLbl name="asst1">
+    <dgm:fillClrLst meth="repeat">
+      <a:schemeClr val="dk2"/>
+    </dgm:fillClrLst>
+    <dgm:linClrLst meth="repeat">
+      <a:schemeClr val="lt2"/>
+    </dgm:linClrLst>
+    <dgm:effectClrLst/>
+    <dgm:txLinClrLst/>
+    <dgm:txFillClrLst/>
+    <dgm:txEffectClrLst/>
+  </dgm:styleLbl>
+  <dgm:styleLbl name="asst2">
+    <dgm:fillClrLst meth="repeat">
+      <a:schemeClr val="dk2"/>
+    </dgm:fillClrLst>
+    <dgm:linClrLst meth="repeat">
+      <a:schemeClr val="lt2"/>
+    </dgm:linClrLst>
+    <dgm:effectClrLst/>
+    <dgm:txLinClrLst/>
+    <dgm:txFillClrLst/>
+    <dgm:txEffectClrLst/>
+  </dgm:styleLbl>
+  <dgm:styleLbl name="asst3">
+    <dgm:fillClrLst meth="repeat">
+      <a:schemeClr val="dk2"/>
+    </dgm:fillClrLst>
+    <dgm:linClrLst meth="repeat">
+      <a:schemeClr val="lt2"/>
+    </dgm:linClrLst>
+    <dgm:effectClrLst/>
+    <dgm:txLinClrLst/>
+    <dgm:txFillClrLst/>
+    <dgm:txEffectClrLst/>
+  </dgm:styleLbl>
+  <dgm:styleLbl name="asst4">
+    <dgm:fillClrLst meth="repeat">
+      <a:schemeClr val="dk2"/>
+    </dgm:fillClrLst>
+    <dgm:linClrLst meth="repeat">
+      <a:schemeClr val="lt2"/>
+    </dgm:linClrLst>
+    <dgm:effectClrLst/>
+    <dgm:txLinClrLst/>
+    <dgm:txFillClrLst/>
+    <dgm:txEffectClrLst/>
+  </dgm:styleLbl>
+  <dgm:styleLbl name="parChTrans2D1">
+    <dgm:fillClrLst meth="repeat">
+      <a:schemeClr val="dk2">
+        <a:tint val="60000"/>
+      </a:schemeClr>
+    </dgm:fillClrLst>
+    <dgm:linClrLst meth="repeat">
+      <a:schemeClr val="dk2">
+        <a:tint val="60000"/>
+      </a:schemeClr>
+    </dgm:linClrLst>
+    <dgm:effectClrLst/>
+    <dgm:txLinClrLst/>
+    <dgm:txFillClrLst meth="repeat">
+      <a:schemeClr val="lt2"/>
+    </dgm:txFillClrLst>
+    <dgm:txEffectClrLst/>
+  </dgm:styleLbl>
+  <dgm:styleLbl name="parChTrans2D2">
+    <dgm:fillClrLst meth="repeat">
+      <a:schemeClr val="dk2"/>
+    </dgm:fillClrLst>
+    <dgm:linClrLst meth="repeat">
+      <a:schemeClr val="dk2"/>
+    </dgm:linClrLst>
+    <dgm:effectClrLst/>
+    <dgm:txLinClrLst/>
+    <dgm:txFillClrLst meth="repeat">
+      <a:schemeClr val="lt2"/>
+    </dgm:txFillClrLst>
+    <dgm:txEffectClrLst/>
+  </dgm:styleLbl>
+  <dgm:styleLbl name="parChTrans2D3">
+    <dgm:fillClrLst meth="repeat">
+      <a:schemeClr val="dk2"/>
+    </dgm:fillClrLst>
+    <dgm:linClrLst meth="repeat">
+      <a:schemeClr val="dk2"/>
+    </dgm:linClrLst>
+    <dgm:effectClrLst/>
+    <dgm:txLinClrLst/>
+    <dgm:txFillClrLst meth="repeat">
+      <a:schemeClr val="lt2"/>
+    </dgm:txFillClrLst>
+    <dgm:txEffectClrLst/>
+  </dgm:styleLbl>
+  <dgm:styleLbl name="parChTrans2D4">
+    <dgm:fillClrLst meth="repeat">
+      <a:schemeClr val="dk2"/>
+    </dgm:fillClrLst>
+    <dgm:linClrLst meth="repeat">
+      <a:schemeClr val="dk2"/>
+    </dgm:linClrLst>
+    <dgm:effectClrLst/>
+    <dgm:txLinClrLst/>
+    <dgm:txFillClrLst meth="repeat">
+      <a:schemeClr val="lt2"/>
+    </dgm:txFillClrLst>
+    <dgm:txEffectClrLst/>
+  </dgm:styleLbl>
+  <dgm:styleLbl name="parChTrans1D1">
+    <dgm:fillClrLst meth="repeat">
+      <a:schemeClr val="dk2"/>
+    </dgm:fillClrLst>
+    <dgm:linClrLst meth="repeat">
+      <a:schemeClr val="dk2">
+        <a:shade val="60000"/>
+      </a:schemeClr>
+    </dgm:linClrLst>
+    <dgm:effectClrLst/>
+    <dgm:txLinClrLst/>
+    <dgm:txFillClrLst meth="repeat">
+      <a:schemeClr val="tx1"/>
+    </dgm:txFillClrLst>
+    <dgm:txEffectClrLst/>
+  </dgm:styleLbl>
+  <dgm:styleLbl name="parChTrans1D2">
+    <dgm:fillClrLst meth="repeat">
+      <a:schemeClr val="dk2"/>
+    </dgm:fillClrLst>
+    <dgm:linClrLst meth="repeat">
+      <a:schemeClr val="dk2">
+        <a:shade val="60000"/>
+      </a:schemeClr>
+    </dgm:linClrLst>
+    <dgm:effectClrLst/>
+    <dgm:txLinClrLst/>
+    <dgm:txFillClrLst meth="repeat">
+      <a:schemeClr val="tx1"/>
+    </dgm:txFillClrLst>
+    <dgm:txEffectClrLst/>
+  </dgm:styleLbl>
+  <dgm:styleLbl name="parChTrans1D3">
+    <dgm:fillClrLst meth="repeat">
+      <a:schemeClr val="dk2"/>
+    </dgm:fillClrLst>
+    <dgm:linClrLst meth="repeat">
+      <a:schemeClr val="dk2">
+        <a:shade val="80000"/>
+      </a:schemeClr>
+    </dgm:linClrLst>
+    <dgm:effectClrLst/>
+    <dgm:txLinClrLst/>
+    <dgm:txFillClrLst meth="repeat">
+      <a:schemeClr val="tx1"/>
+    </dgm:txFillClrLst>
+    <dgm:txEffectClrLst/>
+  </dgm:styleLbl>
+  <dgm:styleLbl name="parChTrans1D4">
+    <dgm:fillClrLst meth="repeat">
+      <a:schemeClr val="dk2"/>
+    </dgm:fillClrLst>
+    <dgm:linClrLst meth="repeat">
+      <a:schemeClr val="dk2">
+        <a:shade val="80000"/>
+      </a:schemeClr>
+    </dgm:linClrLst>
+    <dgm:effectClrLst/>
+    <dgm:txLinClrLst/>
+    <dgm:txFillClrLst meth="repeat">
+      <a:schemeClr val="tx1"/>
+    </dgm:txFillClrLst>
+    <dgm:txEffectClrLst/>
+  </dgm:styleLbl>
+  <dgm:styleLbl name="fgAcc1">
+    <dgm:fillClrLst meth="repeat">
+      <a:schemeClr val="lt2">
+        <a:alpha val="90000"/>
+      </a:schemeClr>
+    </dgm:fillClrLst>
+    <dgm:linClrLst meth="repeat">
+      <a:schemeClr val="dk2"/>
+    </dgm:linClrLst>
+    <dgm:effectClrLst/>
+    <dgm:txLinClrLst/>
+    <dgm:txFillClrLst meth="repeat">
+      <a:schemeClr val="dk1"/>
+    </dgm:txFillClrLst>
+    <dgm:txEffectClrLst/>
+  </dgm:styleLbl>
+  <dgm:styleLbl name="conFgAcc1">
+    <dgm:fillClrLst meth="repeat">
+      <a:schemeClr val="lt2">
+        <a:alpha val="90000"/>
+      </a:schemeClr>
+    </dgm:fillClrLst>
+    <dgm:linClrLst meth="repeat">
+      <a:schemeClr val="dk2"/>
+    </dgm:linClrLst>
+    <dgm:effectClrLst/>
+    <dgm:txLinClrLst/>
+    <dgm:txFillClrLst meth="repeat">
+      <a:schemeClr val="dk1"/>
+    </dgm:txFillClrLst>
+    <dgm:txEffectClrLst/>
+  </dgm:styleLbl>
+  <dgm:styleLbl name="alignAcc1">
+    <dgm:fillClrLst meth="repeat">
+      <a:schemeClr val="lt2">
+        <a:alpha val="90000"/>
+      </a:schemeClr>
+    </dgm:fillClrLst>
+    <dgm:linClrLst meth="repeat">
+      <a:schemeClr val="dk2"/>
+    </dgm:linClrLst>
+    <dgm:effectClrLst/>
+    <dgm:txLinClrLst/>
+    <dgm:txFillClrLst meth="repeat">
+      <a:schemeClr val="dk1"/>
+    </dgm:txFillClrLst>
+    <dgm:txEffectClrLst/>
+  </dgm:styleLbl>
+  <dgm:styleLbl name="trAlignAcc1">
+    <dgm:fillClrLst meth="repeat">
+      <a:schemeClr val="lt2">
+        <a:alpha val="40000"/>
+      </a:schemeClr>
+    </dgm:fillClrLst>
+    <dgm:linClrLst meth="repeat">
+      <a:schemeClr val="dk2"/>
+    </dgm:linClrLst>
+    <dgm:effectClrLst/>
+    <dgm:txLinClrLst/>
+    <dgm:txFillClrLst meth="repeat">
+      <a:schemeClr val="dk1"/>
+    </dgm:txFillClrLst>
+    <dgm:txEffectClrLst/>
+  </dgm:styleLbl>
+  <dgm:styleLbl name="bgAcc1">
+    <dgm:fillClrLst meth="repeat">
+      <a:schemeClr val="lt2">
+        <a:alpha val="90000"/>
+      </a:schemeClr>
+    </dgm:fillClrLst>
+    <dgm:linClrLst meth="repeat">
+      <a:schemeClr val="dk2"/>
+    </dgm:linClrLst>
+    <dgm:effectClrLst/>
+    <dgm:txLinClrLst/>
+    <dgm:txFillClrLst meth="repeat">
+      <a:schemeClr val="dk1"/>
+    </dgm:txFillClrLst>
+    <dgm:txEffectClrLst/>
+  </dgm:styleLbl>
+  <dgm:styleLbl name="solidFgAcc1">
+    <dgm:fillClrLst meth="repeat">
+      <a:schemeClr val="lt2"/>
+    </dgm:fillClrLst>
+    <dgm:linClrLst meth="repeat">
+      <a:schemeClr val="dk2"/>
+    </dgm:linClrLst>
+    <dgm:effectClrLst/>
+    <dgm:txLinClrLst/>
+    <dgm:txFillClrLst meth="repeat">
+      <a:schemeClr val="dk1"/>
+    </dgm:txFillClrLst>
+    <dgm:txEffectClrLst/>
+  </dgm:styleLbl>
+  <dgm:styleLbl name="solidAlignAcc1">
+    <dgm:fillClrLst meth="repeat">
+      <a:schemeClr val="lt2"/>
+    </dgm:fillClrLst>
+    <dgm:linClrLst meth="repeat">
+      <a:schemeClr val="dk2"/>
+    </dgm:linClrLst>
+    <dgm:effectClrLst/>
+    <dgm:txLinClrLst/>
+    <dgm:txFillClrLst meth="repeat">
+      <a:schemeClr val="dk1"/>
+    </dgm:txFillClrLst>
+    <dgm:txEffectClrLst/>
+  </dgm:styleLbl>
+  <dgm:styleLbl name="solidBgAcc1">
+    <dgm:fillClrLst meth="repeat">
+      <a:schemeClr val="lt2"/>
+    </dgm:fillClrLst>
+    <dgm:linClrLst meth="repeat">
+      <a:schemeClr val="dk2"/>
+    </dgm:linClrLst>
+    <dgm:effectClrLst/>
+    <dgm:txLinClrLst/>
+    <dgm:txFillClrLst meth="repeat">
+      <a:schemeClr val="dk1"/>
+    </dgm:txFillClrLst>
+    <dgm:txEffectClrLst/>
+  </dgm:styleLbl>
+  <dgm:styleLbl name="fgAccFollowNode1">
+    <dgm:fillClrLst meth="repeat">
+      <a:schemeClr val="dk2">
+        <a:alpha val="90000"/>
+        <a:tint val="40000"/>
+      </a:schemeClr>
+    </dgm:fillClrLst>
+    <dgm:linClrLst meth="repeat">
+      <a:schemeClr val="dk2">
+        <a:alpha val="90000"/>
+        <a:tint val="40000"/>
+      </a:schemeClr>
+    </dgm:linClrLst>
+    <dgm:effectClrLst/>
+    <dgm:txLinClrLst/>
+    <dgm:txFillClrLst meth="repeat">
+      <a:schemeClr val="dk1"/>
+    </dgm:txFillClrLst>
+    <dgm:txEffectClrLst/>
+  </dgm:styleLbl>
+  <dgm:styleLbl name="alignAccFollowNode1">
+    <dgm:fillClrLst meth="repeat">
+      <a:schemeClr val="dk2">
+        <a:alpha val="90000"/>
+        <a:tint val="40000"/>
+      </a:schemeClr>
+    </dgm:fillClrLst>
+    <dgm:linClrLst meth="repeat">
+      <a:schemeClr val="dk2">
+        <a:alpha val="90000"/>
+        <a:tint val="40000"/>
+      </a:schemeClr>
+    </dgm:linClrLst>
+    <dgm:effectClrLst/>
+    <dgm:txLinClrLst/>
+    <dgm:txFillClrLst meth="repeat">
+      <a:schemeClr val="dk1"/>
+    </dgm:txFillClrLst>
+    <dgm:txEffectClrLst/>
+  </dgm:styleLbl>
+  <dgm:styleLbl name="bgAccFollowNode1">
+    <dgm:fillClrLst meth="repeat">
+      <a:schemeClr val="dk2">
+        <a:alpha val="90000"/>
+        <a:tint val="40000"/>
+      </a:schemeClr>
+    </dgm:fillClrLst>
+    <dgm:linClrLst meth="repeat">
+      <a:schemeClr val="dk2">
+        <a:alpha val="90000"/>
+        <a:tint val="40000"/>
+      </a:schemeClr>
+    </dgm:linClrLst>
+    <dgm:effectClrLst/>
+    <dgm:txLinClrLst/>
+    <dgm:txFillClrLst meth="repeat">
+      <a:schemeClr val="dk1"/>
+    </dgm:txFillClrLst>
+    <dgm:txEffectClrLst/>
+  </dgm:styleLbl>
+  <dgm:styleLbl name="fgAcc0">
+    <dgm:fillClrLst meth="repeat">
+      <a:schemeClr val="lt2">
+        <a:alpha val="90000"/>
+      </a:schemeClr>
+    </dgm:fillClrLst>
+    <dgm:linClrLst meth="repeat">
+      <a:schemeClr val="dk2"/>
+    </dgm:linClrLst>
+    <dgm:effectClrLst/>
+    <dgm:txLinClrLst/>
+    <dgm:txFillClrLst meth="repeat">
+      <a:schemeClr val="dk1"/>
+    </dgm:txFillClrLst>
+    <dgm:txEffectClrLst/>
+  </dgm:styleLbl>
+  <dgm:styleLbl name="fgAcc2">
+    <dgm:fillClrLst meth="repeat">
+      <a:schemeClr val="lt2">
+        <a:alpha val="90000"/>
+      </a:schemeClr>
+    </dgm:fillClrLst>
+    <dgm:linClrLst meth="repeat">
+      <a:schemeClr val="dk2"/>
+    </dgm:linClrLst>
+    <dgm:effectClrLst/>
+    <dgm:txLinClrLst/>
+    <dgm:txFillClrLst meth="repeat">
+      <a:schemeClr val="dk1"/>
+    </dgm:txFillClrLst>
+    <dgm:txEffectClrLst/>
+  </dgm:styleLbl>
+  <dgm:styleLbl name="fgAcc3">
+    <dgm:fillClrLst meth="repeat">
+      <a:schemeClr val="lt2">
+        <a:alpha val="90000"/>
+      </a:schemeClr>
+    </dgm:fillClrLst>
+    <dgm:linClrLst meth="repeat">
+      <a:schemeClr val="dk2"/>
+    </dgm:linClrLst>
+    <dgm:effectClrLst/>
+    <dgm:txLinClrLst/>
+    <dgm:txFillClrLst meth="repeat">
+      <a:schemeClr val="dk1"/>
+    </dgm:txFillClrLst>
+    <dgm:txEffectClrLst/>
+  </dgm:styleLbl>
+  <dgm:styleLbl name="fgAcc4">
+    <dgm:fillClrLst meth="repeat">
+      <a:schemeClr val="lt2">
+        <a:alpha val="90000"/>
+      </a:schemeClr>
+    </dgm:fillClrLst>
+    <dgm:linClrLst meth="repeat">
+      <a:schemeClr val="dk2"/>
+    </dgm:linClrLst>
+    <dgm:effectClrLst/>
+    <dgm:txLinClrLst/>
+    <dgm:txFillClrLst meth="repeat">
+      <a:schemeClr val="dk1"/>
+    </dgm:txFillClrLst>
+    <dgm:txEffectClrLst/>
+  </dgm:styleLbl>
+  <dgm:styleLbl name="bgShp">
+    <dgm:fillClrLst meth="repeat">
+      <a:schemeClr val="dk2">
+        <a:tint val="40000"/>
+      </a:schemeClr>
+    </dgm:fillClrLst>
+    <dgm:linClrLst meth="repeat">
+      <a:schemeClr val="dk2"/>
+    </dgm:linClrLst>
+    <dgm:effectClrLst/>
+    <dgm:txLinClrLst/>
+    <dgm:txFillClrLst meth="repeat">
+      <a:schemeClr val="dk1"/>
+    </dgm:txFillClrLst>
+    <dgm:txEffectClrLst/>
+  </dgm:styleLbl>
+  <dgm:styleLbl name="dkBgShp">
+    <dgm:fillClrLst meth="repeat">
+      <a:schemeClr val="dk2">
+        <a:shade val="80000"/>
+      </a:schemeClr>
+    </dgm:fillClrLst>
+    <dgm:linClrLst meth="repeat">
+      <a:schemeClr val="dk2"/>
+    </dgm:linClrLst>
+    <dgm:effectClrLst/>
+    <dgm:txLinClrLst/>
+    <dgm:txFillClrLst meth="repeat">
+      <a:schemeClr val="lt1"/>
+    </dgm:txFillClrLst>
+    <dgm:txEffectClrLst/>
+  </dgm:styleLbl>
+  <dgm:styleLbl name="trBgShp">
+    <dgm:fillClrLst meth="repeat">
+      <a:schemeClr val="dk2">
+        <a:tint val="50000"/>
+        <a:alpha val="40000"/>
+      </a:schemeClr>
+    </dgm:fillClrLst>
+    <dgm:linClrLst meth="repeat">
+      <a:schemeClr val="dk2"/>
+    </dgm:linClrLst>
+    <dgm:effectClrLst/>
+    <dgm:txLinClrLst/>
+    <dgm:txFillClrLst meth="repeat">
+      <a:schemeClr val="lt1"/>
+    </dgm:txFillClrLst>
+    <dgm:txEffectClrLst/>
+  </dgm:styleLbl>
+  <dgm:styleLbl name="fgShp">
+    <dgm:fillClrLst meth="repeat">
+      <a:schemeClr val="dk2">
+        <a:tint val="60000"/>
+      </a:schemeClr>
+    </dgm:fillClrLst>
+    <dgm:linClrLst meth="repeat">
+      <a:schemeClr val="lt2"/>
+    </dgm:linClrLst>
+    <dgm:effectClrLst/>
+    <dgm:txLinClrLst/>
+    <dgm:txFillClrLst meth="repeat">
+      <a:schemeClr val="dk1"/>
+    </dgm:txFillClrLst>
+    <dgm:txEffectClrLst/>
+  </dgm:styleLbl>
+  <dgm:styleLbl name="revTx">
+    <dgm:fillClrLst meth="repeat">
+      <a:schemeClr val="lt2">
+        <a:alpha val="0"/>
+      </a:schemeClr>
+    </dgm:fillClrLst>
+    <dgm:linClrLst meth="repeat">
+      <a:schemeClr val="dk1">
+        <a:alpha val="0"/>
+      </a:schemeClr>
+    </dgm:linClrLst>
+    <dgm:effectClrLst/>
+    <dgm:txLinClrLst/>
+    <dgm:txFillClrLst meth="repeat">
+      <a:schemeClr val="tx1"/>
+    </dgm:txFillClrLst>
+    <dgm:txEffectClrLst/>
+  </dgm:styleLbl>
+</dgm:colorsDef>
+</file>
+
+<file path=ppt/diagrams/data1.xml><?xml version="1.0" encoding="utf-8"?>
+<dgm:dataModel xmlns:dgm="http://schemas.openxmlformats.org/drawingml/2006/diagram" xmlns:a="http://schemas.openxmlformats.org/drawingml/2006/main">
+  <dgm:ptLst>
+    <dgm:pt modelId="{9F8873B5-0A23-4B7F-AD20-589AF1D0E1D0}" type="doc">
+      <dgm:prSet loTypeId="urn:microsoft.com/office/officeart/2005/8/layout/StepDownProcess" loCatId="process" qsTypeId="urn:microsoft.com/office/officeart/2005/8/quickstyle/simple1" qsCatId="simple" csTypeId="urn:microsoft.com/office/officeart/2005/8/colors/accent0_3" csCatId="mainScheme" phldr="1"/>
+      <dgm:spPr/>
+      <dgm:t>
+        <a:bodyPr/>
+        <a:lstStyle/>
+        <a:p>
+          <a:endParaRPr lang="en-US"/>
+        </a:p>
+      </dgm:t>
+    </dgm:pt>
+    <dgm:pt modelId="{255701DD-190C-4807-8C49-23DB2C24B451}">
+      <dgm:prSet phldrT="[Text]"/>
+      <dgm:spPr/>
+      <dgm:t>
+        <a:bodyPr/>
+        <a:lstStyle/>
+        <a:p>
+          <a:r>
+            <a:rPr lang="en-US" b="1" dirty="0">
+              <a:latin typeface="Times New Roman" panose="02020603050405020304" pitchFamily="18" charset="0"/>
+              <a:cs typeface="Times New Roman" panose="02020603050405020304" pitchFamily="18" charset="0"/>
+            </a:rPr>
+            <a:t>Data Collection</a:t>
+          </a:r>
+        </a:p>
+      </dgm:t>
+    </dgm:pt>
+    <dgm:pt modelId="{4C1C00DC-DC86-4B37-AAFE-ACE5E40FE3EE}" type="sibTrans" cxnId="{CDE8BB8B-4CF0-4D78-9500-1043FFF07C93}">
+      <dgm:prSet/>
+      <dgm:spPr/>
+      <dgm:t>
+        <a:bodyPr/>
+        <a:lstStyle/>
+        <a:p>
+          <a:endParaRPr lang="en-US"/>
+        </a:p>
+      </dgm:t>
+    </dgm:pt>
+    <dgm:pt modelId="{217D6156-F42F-4ED4-91D9-62415E09DC5D}" type="parTrans" cxnId="{CDE8BB8B-4CF0-4D78-9500-1043FFF07C93}">
+      <dgm:prSet/>
+      <dgm:spPr/>
+      <dgm:t>
+        <a:bodyPr/>
+        <a:lstStyle/>
+        <a:p>
+          <a:endParaRPr lang="en-US"/>
+        </a:p>
+      </dgm:t>
+    </dgm:pt>
+    <dgm:pt modelId="{11D69242-F13E-4AC9-BB97-62DBF16A882E}">
+      <dgm:prSet phldrT="[Text]"/>
+      <dgm:spPr/>
+      <dgm:t>
+        <a:bodyPr/>
+        <a:lstStyle/>
+        <a:p>
+          <a:r>
+            <a:rPr lang="en-US" b="1" dirty="0">
+              <a:latin typeface="Times New Roman" panose="02020603050405020304" pitchFamily="18" charset="0"/>
+              <a:cs typeface="Times New Roman" panose="02020603050405020304" pitchFamily="18" charset="0"/>
+            </a:rPr>
+            <a:t>Data Exploration</a:t>
+          </a:r>
+        </a:p>
+      </dgm:t>
+    </dgm:pt>
+    <dgm:pt modelId="{E5212824-C409-48BB-842A-534ABCC6DB27}" type="sibTrans" cxnId="{003D6E91-666E-41BF-94F7-E18F057A9401}">
+      <dgm:prSet/>
+      <dgm:spPr/>
+      <dgm:t>
+        <a:bodyPr/>
+        <a:lstStyle/>
+        <a:p>
+          <a:endParaRPr lang="en-US"/>
+        </a:p>
+      </dgm:t>
+    </dgm:pt>
+    <dgm:pt modelId="{5DAB1BBD-E78B-403B-8AAC-149D0A17B490}" type="parTrans" cxnId="{003D6E91-666E-41BF-94F7-E18F057A9401}">
+      <dgm:prSet/>
+      <dgm:spPr/>
+      <dgm:t>
+        <a:bodyPr/>
+        <a:lstStyle/>
+        <a:p>
+          <a:endParaRPr lang="en-US"/>
+        </a:p>
+      </dgm:t>
+    </dgm:pt>
+    <dgm:pt modelId="{FB8A2BD4-06E9-4601-A365-CB61697B617F}">
+      <dgm:prSet/>
+      <dgm:spPr/>
+      <dgm:t>
+        <a:bodyPr/>
+        <a:lstStyle/>
+        <a:p>
+          <a:r>
+            <a:rPr lang="en-US" b="1" dirty="0">
+              <a:latin typeface="Times New Roman" panose="02020603050405020304" pitchFamily="18" charset="0"/>
+              <a:cs typeface="Times New Roman" panose="02020603050405020304" pitchFamily="18" charset="0"/>
+            </a:rPr>
+            <a:t>Feature Selection</a:t>
+          </a:r>
+          <a:endParaRPr lang="en-US" dirty="0"/>
+        </a:p>
+      </dgm:t>
+    </dgm:pt>
+    <dgm:pt modelId="{BFE94AA1-325C-4600-BB5A-DD0457B0A466}" type="sibTrans" cxnId="{9DDA9F11-704F-4596-861F-B703C6AD502B}">
+      <dgm:prSet/>
+      <dgm:spPr/>
+      <dgm:t>
+        <a:bodyPr/>
+        <a:lstStyle/>
+        <a:p>
+          <a:endParaRPr lang="en-US"/>
+        </a:p>
+      </dgm:t>
+    </dgm:pt>
+    <dgm:pt modelId="{DB08C0A1-2915-4BC0-901B-1C35A3C452BB}" type="parTrans" cxnId="{9DDA9F11-704F-4596-861F-B703C6AD502B}">
+      <dgm:prSet/>
+      <dgm:spPr/>
+      <dgm:t>
+        <a:bodyPr/>
+        <a:lstStyle/>
+        <a:p>
+          <a:endParaRPr lang="en-US"/>
+        </a:p>
+      </dgm:t>
+    </dgm:pt>
+    <dgm:pt modelId="{C65880DF-E9E6-4A25-BB7B-1A3A72006CAE}">
+      <dgm:prSet/>
+      <dgm:spPr/>
+      <dgm:t>
+        <a:bodyPr/>
+        <a:lstStyle/>
+        <a:p>
+          <a:r>
+            <a:rPr lang="en-US" b="1">
+              <a:latin typeface="Times New Roman" panose="02020603050405020304" pitchFamily="18" charset="0"/>
+              <a:cs typeface="Times New Roman" panose="02020603050405020304" pitchFamily="18" charset="0"/>
+            </a:rPr>
+            <a:t>Build Models</a:t>
+          </a:r>
+        </a:p>
+      </dgm:t>
+    </dgm:pt>
+    <dgm:pt modelId="{DEEB75F7-D03A-4D43-BD85-B0ABA359128A}" type="sibTrans" cxnId="{642C53D6-B9E1-42F2-9AC0-D7254C7B61CA}">
+      <dgm:prSet/>
+      <dgm:spPr/>
+      <dgm:t>
+        <a:bodyPr/>
+        <a:lstStyle/>
+        <a:p>
+          <a:endParaRPr lang="en-US"/>
+        </a:p>
+      </dgm:t>
+    </dgm:pt>
+    <dgm:pt modelId="{6FF5DE1D-CA34-4898-AE74-FEC8FCAA78C5}" type="parTrans" cxnId="{642C53D6-B9E1-42F2-9AC0-D7254C7B61CA}">
+      <dgm:prSet/>
+      <dgm:spPr/>
+      <dgm:t>
+        <a:bodyPr/>
+        <a:lstStyle/>
+        <a:p>
+          <a:endParaRPr lang="en-US"/>
+        </a:p>
+      </dgm:t>
+    </dgm:pt>
+    <dgm:pt modelId="{3F4DA455-5E91-48E4-BB23-EBB3C8425F6F}">
+      <dgm:prSet/>
+      <dgm:spPr/>
+      <dgm:t>
+        <a:bodyPr/>
+        <a:lstStyle/>
+        <a:p>
+          <a:r>
+            <a:rPr lang="en-US" b="1">
+              <a:latin typeface="Times New Roman" panose="02020603050405020304" pitchFamily="18" charset="0"/>
+              <a:cs typeface="Times New Roman" panose="02020603050405020304" pitchFamily="18" charset="0"/>
+            </a:rPr>
+            <a:t>Summary and Conclusion</a:t>
+          </a:r>
+        </a:p>
+      </dgm:t>
+    </dgm:pt>
+    <dgm:pt modelId="{F0F52B71-F6A1-4CCA-BAF7-152741D8F3D8}" type="sibTrans" cxnId="{21D94889-2690-45B2-BA0F-98AFF7CDA793}">
+      <dgm:prSet/>
+      <dgm:spPr/>
+      <dgm:t>
+        <a:bodyPr/>
+        <a:lstStyle/>
+        <a:p>
+          <a:endParaRPr lang="en-US"/>
+        </a:p>
+      </dgm:t>
+    </dgm:pt>
+    <dgm:pt modelId="{E7E73ECE-F6A6-43E3-86B2-8E721E009B93}" type="parTrans" cxnId="{21D94889-2690-45B2-BA0F-98AFF7CDA793}">
+      <dgm:prSet/>
+      <dgm:spPr/>
+      <dgm:t>
+        <a:bodyPr/>
+        <a:lstStyle/>
+        <a:p>
+          <a:endParaRPr lang="en-US"/>
+        </a:p>
+      </dgm:t>
+    </dgm:pt>
+    <dgm:pt modelId="{03FB40C2-4D41-4C71-8B93-C8D17C430D6F}" type="pres">
+      <dgm:prSet presAssocID="{9F8873B5-0A23-4B7F-AD20-589AF1D0E1D0}" presName="rootnode" presStyleCnt="0">
+        <dgm:presLayoutVars>
+          <dgm:chMax/>
+          <dgm:chPref/>
+          <dgm:dir/>
+          <dgm:animLvl val="lvl"/>
+        </dgm:presLayoutVars>
+      </dgm:prSet>
+      <dgm:spPr/>
+    </dgm:pt>
+    <dgm:pt modelId="{22A98AC7-8FFC-42CA-8402-4ED9D8C861CF}" type="pres">
+      <dgm:prSet presAssocID="{255701DD-190C-4807-8C49-23DB2C24B451}" presName="composite" presStyleCnt="0"/>
+      <dgm:spPr/>
+    </dgm:pt>
+    <dgm:pt modelId="{8CA56804-B6DA-43F0-A672-6C77C6D57DCF}" type="pres">
+      <dgm:prSet presAssocID="{255701DD-190C-4807-8C49-23DB2C24B451}" presName="bentUpArrow1" presStyleLbl="alignImgPlace1" presStyleIdx="0" presStyleCnt="4"/>
+      <dgm:spPr/>
+    </dgm:pt>
+    <dgm:pt modelId="{D3F875C7-8AA1-4902-AD46-EED740B1AA12}" type="pres">
+      <dgm:prSet presAssocID="{255701DD-190C-4807-8C49-23DB2C24B451}" presName="ParentText" presStyleLbl="node1" presStyleIdx="0" presStyleCnt="5" custScaleY="90909">
+        <dgm:presLayoutVars>
+          <dgm:chMax val="1"/>
+          <dgm:chPref val="1"/>
+          <dgm:bulletEnabled val="1"/>
+        </dgm:presLayoutVars>
+      </dgm:prSet>
+      <dgm:spPr/>
+    </dgm:pt>
+    <dgm:pt modelId="{937ECD73-E654-4A2D-B8D1-5AE950EF6D6E}" type="pres">
+      <dgm:prSet presAssocID="{255701DD-190C-4807-8C49-23DB2C24B451}" presName="ChildText" presStyleLbl="revTx" presStyleIdx="0" presStyleCnt="4">
+        <dgm:presLayoutVars>
+          <dgm:chMax val="0"/>
+          <dgm:chPref val="0"/>
+          <dgm:bulletEnabled val="1"/>
+        </dgm:presLayoutVars>
+      </dgm:prSet>
+      <dgm:spPr/>
+    </dgm:pt>
+    <dgm:pt modelId="{3FD97A50-2FEB-48B9-A369-CAC90BE64381}" type="pres">
+      <dgm:prSet presAssocID="{4C1C00DC-DC86-4B37-AAFE-ACE5E40FE3EE}" presName="sibTrans" presStyleCnt="0"/>
+      <dgm:spPr/>
+    </dgm:pt>
+    <dgm:pt modelId="{0742305C-A82F-4031-9BB1-7FFB67BC89E1}" type="pres">
+      <dgm:prSet presAssocID="{11D69242-F13E-4AC9-BB97-62DBF16A882E}" presName="composite" presStyleCnt="0"/>
+      <dgm:spPr/>
+    </dgm:pt>
+    <dgm:pt modelId="{D19402A1-A1EF-4CAB-A3F2-FBEEA5705BEB}" type="pres">
+      <dgm:prSet presAssocID="{11D69242-F13E-4AC9-BB97-62DBF16A882E}" presName="bentUpArrow1" presStyleLbl="alignImgPlace1" presStyleIdx="1" presStyleCnt="4"/>
+      <dgm:spPr/>
+    </dgm:pt>
+    <dgm:pt modelId="{AFF02091-28F7-4E5C-A73E-123FE33E5C78}" type="pres">
+      <dgm:prSet presAssocID="{11D69242-F13E-4AC9-BB97-62DBF16A882E}" presName="ParentText" presStyleLbl="node1" presStyleIdx="1" presStyleCnt="5">
+        <dgm:presLayoutVars>
+          <dgm:chMax val="1"/>
+          <dgm:chPref val="1"/>
+          <dgm:bulletEnabled val="1"/>
+        </dgm:presLayoutVars>
+      </dgm:prSet>
+      <dgm:spPr/>
+    </dgm:pt>
+    <dgm:pt modelId="{C77CCF29-B027-46B9-BB6C-F3C915F5642F}" type="pres">
+      <dgm:prSet presAssocID="{11D69242-F13E-4AC9-BB97-62DBF16A882E}" presName="ChildText" presStyleLbl="revTx" presStyleIdx="1" presStyleCnt="4">
+        <dgm:presLayoutVars>
+          <dgm:chMax val="0"/>
+          <dgm:chPref val="0"/>
+          <dgm:bulletEnabled val="1"/>
+        </dgm:presLayoutVars>
+      </dgm:prSet>
+      <dgm:spPr/>
+    </dgm:pt>
+    <dgm:pt modelId="{A1F5AB6C-2970-4516-912A-CE5A15AA0D12}" type="pres">
+      <dgm:prSet presAssocID="{E5212824-C409-48BB-842A-534ABCC6DB27}" presName="sibTrans" presStyleCnt="0"/>
+      <dgm:spPr/>
+    </dgm:pt>
+    <dgm:pt modelId="{7BFD1C2D-632E-48EF-992D-58CA85C0ACC5}" type="pres">
+      <dgm:prSet presAssocID="{FB8A2BD4-06E9-4601-A365-CB61697B617F}" presName="composite" presStyleCnt="0"/>
+      <dgm:spPr/>
+    </dgm:pt>
+    <dgm:pt modelId="{CFCA29A9-3ADC-43DB-B141-849CF2E992B3}" type="pres">
+      <dgm:prSet presAssocID="{FB8A2BD4-06E9-4601-A365-CB61697B617F}" presName="bentUpArrow1" presStyleLbl="alignImgPlace1" presStyleIdx="2" presStyleCnt="4"/>
+      <dgm:spPr/>
+    </dgm:pt>
+    <dgm:pt modelId="{6974623A-D22C-4C41-A732-5827EC5C858A}" type="pres">
+      <dgm:prSet presAssocID="{FB8A2BD4-06E9-4601-A365-CB61697B617F}" presName="ParentText" presStyleLbl="node1" presStyleIdx="2" presStyleCnt="5">
+        <dgm:presLayoutVars>
+          <dgm:chMax val="1"/>
+          <dgm:chPref val="1"/>
+          <dgm:bulletEnabled val="1"/>
+        </dgm:presLayoutVars>
+      </dgm:prSet>
+      <dgm:spPr/>
+    </dgm:pt>
+    <dgm:pt modelId="{0C98D373-A26E-4A8B-8F6D-79858C4D7152}" type="pres">
+      <dgm:prSet presAssocID="{FB8A2BD4-06E9-4601-A365-CB61697B617F}" presName="ChildText" presStyleLbl="revTx" presStyleIdx="2" presStyleCnt="4">
+        <dgm:presLayoutVars>
+          <dgm:chMax val="0"/>
+          <dgm:chPref val="0"/>
+          <dgm:bulletEnabled val="1"/>
+        </dgm:presLayoutVars>
+      </dgm:prSet>
+      <dgm:spPr/>
+    </dgm:pt>
+    <dgm:pt modelId="{ABB83396-AC95-4951-B861-A3305E0013DB}" type="pres">
+      <dgm:prSet presAssocID="{BFE94AA1-325C-4600-BB5A-DD0457B0A466}" presName="sibTrans" presStyleCnt="0"/>
+      <dgm:spPr/>
+    </dgm:pt>
+    <dgm:pt modelId="{D106F078-169A-4FE3-913C-7D1CF89D33E9}" type="pres">
+      <dgm:prSet presAssocID="{C65880DF-E9E6-4A25-BB7B-1A3A72006CAE}" presName="composite" presStyleCnt="0"/>
+      <dgm:spPr/>
+    </dgm:pt>
+    <dgm:pt modelId="{F562B145-2B26-4C7F-9AD0-1F4646CD7BAB}" type="pres">
+      <dgm:prSet presAssocID="{C65880DF-E9E6-4A25-BB7B-1A3A72006CAE}" presName="bentUpArrow1" presStyleLbl="alignImgPlace1" presStyleIdx="3" presStyleCnt="4"/>
+      <dgm:spPr/>
+    </dgm:pt>
+    <dgm:pt modelId="{2FD28367-58F4-44A8-84EC-E60C4090087B}" type="pres">
+      <dgm:prSet presAssocID="{C65880DF-E9E6-4A25-BB7B-1A3A72006CAE}" presName="ParentText" presStyleLbl="node1" presStyleIdx="3" presStyleCnt="5">
+        <dgm:presLayoutVars>
+          <dgm:chMax val="1"/>
+          <dgm:chPref val="1"/>
+          <dgm:bulletEnabled val="1"/>
+        </dgm:presLayoutVars>
+      </dgm:prSet>
+      <dgm:spPr/>
+    </dgm:pt>
+    <dgm:pt modelId="{FBD77733-989B-4E2B-A4DC-808929B9FFEE}" type="pres">
+      <dgm:prSet presAssocID="{C65880DF-E9E6-4A25-BB7B-1A3A72006CAE}" presName="ChildText" presStyleLbl="revTx" presStyleIdx="3" presStyleCnt="4">
+        <dgm:presLayoutVars>
+          <dgm:chMax val="0"/>
+          <dgm:chPref val="0"/>
+          <dgm:bulletEnabled val="1"/>
+        </dgm:presLayoutVars>
+      </dgm:prSet>
+      <dgm:spPr/>
+    </dgm:pt>
+    <dgm:pt modelId="{2B84A5E8-CF93-4EDA-AF77-DECB37661A55}" type="pres">
+      <dgm:prSet presAssocID="{DEEB75F7-D03A-4D43-BD85-B0ABA359128A}" presName="sibTrans" presStyleCnt="0"/>
+      <dgm:spPr/>
+    </dgm:pt>
+    <dgm:pt modelId="{1C6E3184-48D0-426E-8DBA-45082A1482C1}" type="pres">
+      <dgm:prSet presAssocID="{3F4DA455-5E91-48E4-BB23-EBB3C8425F6F}" presName="composite" presStyleCnt="0"/>
+      <dgm:spPr/>
+    </dgm:pt>
+    <dgm:pt modelId="{211E78BC-26DF-4421-A27E-A80E6A309606}" type="pres">
+      <dgm:prSet presAssocID="{3F4DA455-5E91-48E4-BB23-EBB3C8425F6F}" presName="ParentText" presStyleLbl="node1" presStyleIdx="4" presStyleCnt="5">
+        <dgm:presLayoutVars>
+          <dgm:chMax val="1"/>
+          <dgm:chPref val="1"/>
+          <dgm:bulletEnabled val="1"/>
+        </dgm:presLayoutVars>
+      </dgm:prSet>
+      <dgm:spPr/>
+    </dgm:pt>
+  </dgm:ptLst>
+  <dgm:cxnLst>
+    <dgm:cxn modelId="{9DDA9F11-704F-4596-861F-B703C6AD502B}" srcId="{9F8873B5-0A23-4B7F-AD20-589AF1D0E1D0}" destId="{FB8A2BD4-06E9-4601-A365-CB61697B617F}" srcOrd="2" destOrd="0" parTransId="{DB08C0A1-2915-4BC0-901B-1C35A3C452BB}" sibTransId="{BFE94AA1-325C-4600-BB5A-DD0457B0A466}"/>
+    <dgm:cxn modelId="{D13E6162-7FF1-4317-ADDE-F2BC63209609}" type="presOf" srcId="{255701DD-190C-4807-8C49-23DB2C24B451}" destId="{D3F875C7-8AA1-4902-AD46-EED740B1AA12}" srcOrd="0" destOrd="0" presId="urn:microsoft.com/office/officeart/2005/8/layout/StepDownProcess"/>
+    <dgm:cxn modelId="{21D94889-2690-45B2-BA0F-98AFF7CDA793}" srcId="{9F8873B5-0A23-4B7F-AD20-589AF1D0E1D0}" destId="{3F4DA455-5E91-48E4-BB23-EBB3C8425F6F}" srcOrd="4" destOrd="0" parTransId="{E7E73ECE-F6A6-43E3-86B2-8E721E009B93}" sibTransId="{F0F52B71-F6A1-4CCA-BAF7-152741D8F3D8}"/>
+    <dgm:cxn modelId="{CDE8BB8B-4CF0-4D78-9500-1043FFF07C93}" srcId="{9F8873B5-0A23-4B7F-AD20-589AF1D0E1D0}" destId="{255701DD-190C-4807-8C49-23DB2C24B451}" srcOrd="0" destOrd="0" parTransId="{217D6156-F42F-4ED4-91D9-62415E09DC5D}" sibTransId="{4C1C00DC-DC86-4B37-AAFE-ACE5E40FE3EE}"/>
+    <dgm:cxn modelId="{003D6E91-666E-41BF-94F7-E18F057A9401}" srcId="{9F8873B5-0A23-4B7F-AD20-589AF1D0E1D0}" destId="{11D69242-F13E-4AC9-BB97-62DBF16A882E}" srcOrd="1" destOrd="0" parTransId="{5DAB1BBD-E78B-403B-8AAC-149D0A17B490}" sibTransId="{E5212824-C409-48BB-842A-534ABCC6DB27}"/>
+    <dgm:cxn modelId="{DF05719F-01FE-4759-BA6F-2D0301192701}" type="presOf" srcId="{C65880DF-E9E6-4A25-BB7B-1A3A72006CAE}" destId="{2FD28367-58F4-44A8-84EC-E60C4090087B}" srcOrd="0" destOrd="0" presId="urn:microsoft.com/office/officeart/2005/8/layout/StepDownProcess"/>
+    <dgm:cxn modelId="{48E171AB-7B7D-45E9-A1D7-2C49637135CD}" type="presOf" srcId="{9F8873B5-0A23-4B7F-AD20-589AF1D0E1D0}" destId="{03FB40C2-4D41-4C71-8B93-C8D17C430D6F}" srcOrd="0" destOrd="0" presId="urn:microsoft.com/office/officeart/2005/8/layout/StepDownProcess"/>
+    <dgm:cxn modelId="{642C53D6-B9E1-42F2-9AC0-D7254C7B61CA}" srcId="{9F8873B5-0A23-4B7F-AD20-589AF1D0E1D0}" destId="{C65880DF-E9E6-4A25-BB7B-1A3A72006CAE}" srcOrd="3" destOrd="0" parTransId="{6FF5DE1D-CA34-4898-AE74-FEC8FCAA78C5}" sibTransId="{DEEB75F7-D03A-4D43-BD85-B0ABA359128A}"/>
+    <dgm:cxn modelId="{FC9998F5-471C-451B-A867-68A18A27F44A}" type="presOf" srcId="{3F4DA455-5E91-48E4-BB23-EBB3C8425F6F}" destId="{211E78BC-26DF-4421-A27E-A80E6A309606}" srcOrd="0" destOrd="0" presId="urn:microsoft.com/office/officeart/2005/8/layout/StepDownProcess"/>
+    <dgm:cxn modelId="{0325AFF5-CC04-4A97-BE3A-69F893A4040F}" type="presOf" srcId="{FB8A2BD4-06E9-4601-A365-CB61697B617F}" destId="{6974623A-D22C-4C41-A732-5827EC5C858A}" srcOrd="0" destOrd="0" presId="urn:microsoft.com/office/officeart/2005/8/layout/StepDownProcess"/>
+    <dgm:cxn modelId="{D5896AFF-C879-4455-8567-41EB0F939463}" type="presOf" srcId="{11D69242-F13E-4AC9-BB97-62DBF16A882E}" destId="{AFF02091-28F7-4E5C-A73E-123FE33E5C78}" srcOrd="0" destOrd="0" presId="urn:microsoft.com/office/officeart/2005/8/layout/StepDownProcess"/>
+    <dgm:cxn modelId="{CC9E0C70-B9EB-49C3-B59A-A4F3059FE4C3}" type="presParOf" srcId="{03FB40C2-4D41-4C71-8B93-C8D17C430D6F}" destId="{22A98AC7-8FFC-42CA-8402-4ED9D8C861CF}" srcOrd="0" destOrd="0" presId="urn:microsoft.com/office/officeart/2005/8/layout/StepDownProcess"/>
+    <dgm:cxn modelId="{D04705D1-7DDB-4889-96A8-21B5ABC9B703}" type="presParOf" srcId="{22A98AC7-8FFC-42CA-8402-4ED9D8C861CF}" destId="{8CA56804-B6DA-43F0-A672-6C77C6D57DCF}" srcOrd="0" destOrd="0" presId="urn:microsoft.com/office/officeart/2005/8/layout/StepDownProcess"/>
+    <dgm:cxn modelId="{113FC2AA-0A3C-4166-A7D4-CFA4BB7164D6}" type="presParOf" srcId="{22A98AC7-8FFC-42CA-8402-4ED9D8C861CF}" destId="{D3F875C7-8AA1-4902-AD46-EED740B1AA12}" srcOrd="1" destOrd="0" presId="urn:microsoft.com/office/officeart/2005/8/layout/StepDownProcess"/>
+    <dgm:cxn modelId="{47D29977-CF6A-4123-896B-F2860A89C7CB}" type="presParOf" srcId="{22A98AC7-8FFC-42CA-8402-4ED9D8C861CF}" destId="{937ECD73-E654-4A2D-B8D1-5AE950EF6D6E}" srcOrd="2" destOrd="0" presId="urn:microsoft.com/office/officeart/2005/8/layout/StepDownProcess"/>
+    <dgm:cxn modelId="{EF10A9E3-93DC-4E65-8AE1-B4BF0777FC65}" type="presParOf" srcId="{03FB40C2-4D41-4C71-8B93-C8D17C430D6F}" destId="{3FD97A50-2FEB-48B9-A369-CAC90BE64381}" srcOrd="1" destOrd="0" presId="urn:microsoft.com/office/officeart/2005/8/layout/StepDownProcess"/>
+    <dgm:cxn modelId="{98C60932-9E19-4FAD-BE06-4803E68BFA8B}" type="presParOf" srcId="{03FB40C2-4D41-4C71-8B93-C8D17C430D6F}" destId="{0742305C-A82F-4031-9BB1-7FFB67BC89E1}" srcOrd="2" destOrd="0" presId="urn:microsoft.com/office/officeart/2005/8/layout/StepDownProcess"/>
+    <dgm:cxn modelId="{44BB0A0A-9786-4E61-A66B-443D253CD524}" type="presParOf" srcId="{0742305C-A82F-4031-9BB1-7FFB67BC89E1}" destId="{D19402A1-A1EF-4CAB-A3F2-FBEEA5705BEB}" srcOrd="0" destOrd="0" presId="urn:microsoft.com/office/officeart/2005/8/layout/StepDownProcess"/>
+    <dgm:cxn modelId="{9419ABDF-E6F4-4113-9F59-067E48D07E72}" type="presParOf" srcId="{0742305C-A82F-4031-9BB1-7FFB67BC89E1}" destId="{AFF02091-28F7-4E5C-A73E-123FE33E5C78}" srcOrd="1" destOrd="0" presId="urn:microsoft.com/office/officeart/2005/8/layout/StepDownProcess"/>
+    <dgm:cxn modelId="{3D7D4D10-7C9C-4A1A-839A-1508F4531D19}" type="presParOf" srcId="{0742305C-A82F-4031-9BB1-7FFB67BC89E1}" destId="{C77CCF29-B027-46B9-BB6C-F3C915F5642F}" srcOrd="2" destOrd="0" presId="urn:microsoft.com/office/officeart/2005/8/layout/StepDownProcess"/>
+    <dgm:cxn modelId="{F3C7A6D6-6FE9-4C43-9619-3758B0D99B6D}" type="presParOf" srcId="{03FB40C2-4D41-4C71-8B93-C8D17C430D6F}" destId="{A1F5AB6C-2970-4516-912A-CE5A15AA0D12}" srcOrd="3" destOrd="0" presId="urn:microsoft.com/office/officeart/2005/8/layout/StepDownProcess"/>
+    <dgm:cxn modelId="{5AB2021D-F946-4D6B-AF59-5AA09AA5EB7A}" type="presParOf" srcId="{03FB40C2-4D41-4C71-8B93-C8D17C430D6F}" destId="{7BFD1C2D-632E-48EF-992D-58CA85C0ACC5}" srcOrd="4" destOrd="0" presId="urn:microsoft.com/office/officeart/2005/8/layout/StepDownProcess"/>
+    <dgm:cxn modelId="{35C4072A-CC0A-463C-937E-B7B6FBFEFA8C}" type="presParOf" srcId="{7BFD1C2D-632E-48EF-992D-58CA85C0ACC5}" destId="{CFCA29A9-3ADC-43DB-B141-849CF2E992B3}" srcOrd="0" destOrd="0" presId="urn:microsoft.com/office/officeart/2005/8/layout/StepDownProcess"/>
+    <dgm:cxn modelId="{1974A370-E334-4473-83C9-48304DA1F0DD}" type="presParOf" srcId="{7BFD1C2D-632E-48EF-992D-58CA85C0ACC5}" destId="{6974623A-D22C-4C41-A732-5827EC5C858A}" srcOrd="1" destOrd="0" presId="urn:microsoft.com/office/officeart/2005/8/layout/StepDownProcess"/>
+    <dgm:cxn modelId="{88953A07-29CE-4CBA-A1FB-E002EB8FD7EC}" type="presParOf" srcId="{7BFD1C2D-632E-48EF-992D-58CA85C0ACC5}" destId="{0C98D373-A26E-4A8B-8F6D-79858C4D7152}" srcOrd="2" destOrd="0" presId="urn:microsoft.com/office/officeart/2005/8/layout/StepDownProcess"/>
+    <dgm:cxn modelId="{D95592F7-8257-4141-8594-382C1FA7313D}" type="presParOf" srcId="{03FB40C2-4D41-4C71-8B93-C8D17C430D6F}" destId="{ABB83396-AC95-4951-B861-A3305E0013DB}" srcOrd="5" destOrd="0" presId="urn:microsoft.com/office/officeart/2005/8/layout/StepDownProcess"/>
+    <dgm:cxn modelId="{E797460F-81ED-48DA-88D2-4775CB30718B}" type="presParOf" srcId="{03FB40C2-4D41-4C71-8B93-C8D17C430D6F}" destId="{D106F078-169A-4FE3-913C-7D1CF89D33E9}" srcOrd="6" destOrd="0" presId="urn:microsoft.com/office/officeart/2005/8/layout/StepDownProcess"/>
+    <dgm:cxn modelId="{302BA76A-1F76-4A30-B457-21602A41D26F}" type="presParOf" srcId="{D106F078-169A-4FE3-913C-7D1CF89D33E9}" destId="{F562B145-2B26-4C7F-9AD0-1F4646CD7BAB}" srcOrd="0" destOrd="0" presId="urn:microsoft.com/office/officeart/2005/8/layout/StepDownProcess"/>
+    <dgm:cxn modelId="{3C99D4EA-358A-4241-BBD9-8DD4C30150BC}" type="presParOf" srcId="{D106F078-169A-4FE3-913C-7D1CF89D33E9}" destId="{2FD28367-58F4-44A8-84EC-E60C4090087B}" srcOrd="1" destOrd="0" presId="urn:microsoft.com/office/officeart/2005/8/layout/StepDownProcess"/>
+    <dgm:cxn modelId="{20B1CD19-0DCD-46D8-8FC4-2D1536A1ACC1}" type="presParOf" srcId="{D106F078-169A-4FE3-913C-7D1CF89D33E9}" destId="{FBD77733-989B-4E2B-A4DC-808929B9FFEE}" srcOrd="2" destOrd="0" presId="urn:microsoft.com/office/officeart/2005/8/layout/StepDownProcess"/>
+    <dgm:cxn modelId="{ECCB7753-FC92-4004-93F6-EB849BFDCBC4}" type="presParOf" srcId="{03FB40C2-4D41-4C71-8B93-C8D17C430D6F}" destId="{2B84A5E8-CF93-4EDA-AF77-DECB37661A55}" srcOrd="7" destOrd="0" presId="urn:microsoft.com/office/officeart/2005/8/layout/StepDownProcess"/>
+    <dgm:cxn modelId="{FD743700-85B3-41A4-83D1-BE6086B09DF3}" type="presParOf" srcId="{03FB40C2-4D41-4C71-8B93-C8D17C430D6F}" destId="{1C6E3184-48D0-426E-8DBA-45082A1482C1}" srcOrd="8" destOrd="0" presId="urn:microsoft.com/office/officeart/2005/8/layout/StepDownProcess"/>
+    <dgm:cxn modelId="{737F33F6-F136-42F9-8137-3EA6C3E1ED6C}" type="presParOf" srcId="{1C6E3184-48D0-426E-8DBA-45082A1482C1}" destId="{211E78BC-26DF-4421-A27E-A80E6A309606}" srcOrd="0" destOrd="0" presId="urn:microsoft.com/office/officeart/2005/8/layout/StepDownProcess"/>
+  </dgm:cxnLst>
+  <dgm:bg/>
+  <dgm:whole/>
+  <dgm:extLst>
+    <a:ext uri="http://schemas.microsoft.com/office/drawing/2008/diagram">
+      <dsp:dataModelExt xmlns:dsp="http://schemas.microsoft.com/office/drawing/2008/diagram" relId="rId6" minVer="http://schemas.openxmlformats.org/drawingml/2006/diagram"/>
+    </a:ext>
+  </dgm:extLst>
+</dgm:dataModel>
+</file>
+
+<file path=ppt/diagrams/drawing1.xml><?xml version="1.0" encoding="utf-8"?>
+<dsp:drawing xmlns:dgm="http://schemas.openxmlformats.org/drawingml/2006/diagram" xmlns:dsp="http://schemas.microsoft.com/office/drawing/2008/diagram" xmlns:a="http://schemas.openxmlformats.org/drawingml/2006/main">
+  <dsp:spTree>
+    <dsp:nvGrpSpPr>
+      <dsp:cNvPr id="0" name=""/>
+      <dsp:cNvGrpSpPr/>
+    </dsp:nvGrpSpPr>
+    <dsp:grpSpPr/>
+    <dsp:sp modelId="{8CA56804-B6DA-43F0-A672-6C77C6D57DCF}">
+      <dsp:nvSpPr>
+        <dsp:cNvPr id="0" name=""/>
+        <dsp:cNvSpPr/>
+      </dsp:nvSpPr>
+      <dsp:spPr>
+        <a:xfrm rot="5400000">
+          <a:off x="1544989" y="774251"/>
+          <a:ext cx="706399" cy="804211"/>
+        </a:xfrm>
+        <a:prstGeom prst="bentUpArrow">
+          <a:avLst>
+            <a:gd name="adj1" fmla="val 32840"/>
+            <a:gd name="adj2" fmla="val 25000"/>
+            <a:gd name="adj3" fmla="val 35780"/>
+          </a:avLst>
+        </a:prstGeom>
+        <a:solidFill>
+          <a:schemeClr val="dk2">
+            <a:tint val="50000"/>
+            <a:hueOff val="0"/>
+            <a:satOff val="0"/>
+            <a:lumOff val="0"/>
+            <a:alphaOff val="0"/>
+          </a:schemeClr>
+        </a:solidFill>
+        <a:ln w="34925" cap="flat" cmpd="sng" algn="in">
+          <a:solidFill>
+            <a:schemeClr val="dk2">
+              <a:shade val="80000"/>
+              <a:hueOff val="0"/>
+              <a:satOff val="0"/>
+              <a:lumOff val="0"/>
+              <a:alphaOff val="0"/>
+            </a:schemeClr>
+          </a:solidFill>
+          <a:prstDash val="solid"/>
+        </a:ln>
+        <a:effectLst/>
+      </dsp:spPr>
+      <dsp:style>
+        <a:lnRef idx="2">
+          <a:scrgbClr r="0" g="0" b="0"/>
+        </a:lnRef>
+        <a:fillRef idx="1">
+          <a:scrgbClr r="0" g="0" b="0"/>
+        </a:fillRef>
+        <a:effectRef idx="0">
+          <a:scrgbClr r="0" g="0" b="0"/>
+        </a:effectRef>
+        <a:fontRef idx="minor"/>
+      </dsp:style>
+    </dsp:sp>
+    <dsp:sp modelId="{D3F875C7-8AA1-4902-AD46-EED740B1AA12}">
+      <dsp:nvSpPr>
+        <dsp:cNvPr id="0" name=""/>
+        <dsp:cNvSpPr/>
+      </dsp:nvSpPr>
+      <dsp:spPr>
+        <a:xfrm>
+          <a:off x="1357836" y="29028"/>
+          <a:ext cx="1189161" cy="756703"/>
+        </a:xfrm>
+        <a:prstGeom prst="roundRect">
+          <a:avLst>
+            <a:gd name="adj" fmla="val 16670"/>
+          </a:avLst>
+        </a:prstGeom>
+        <a:solidFill>
+          <a:schemeClr val="dk2">
+            <a:hueOff val="0"/>
+            <a:satOff val="0"/>
+            <a:lumOff val="0"/>
+            <a:alphaOff val="0"/>
+          </a:schemeClr>
+        </a:solidFill>
+        <a:ln w="34925" cap="flat" cmpd="sng" algn="in">
+          <a:solidFill>
+            <a:schemeClr val="lt2">
+              <a:hueOff val="0"/>
+              <a:satOff val="0"/>
+              <a:lumOff val="0"/>
+              <a:alphaOff val="0"/>
+            </a:schemeClr>
+          </a:solidFill>
+          <a:prstDash val="solid"/>
+        </a:ln>
+        <a:effectLst/>
+      </dsp:spPr>
+      <dsp:style>
+        <a:lnRef idx="2">
+          <a:scrgbClr r="0" g="0" b="0"/>
+        </a:lnRef>
+        <a:fillRef idx="1">
+          <a:scrgbClr r="0" g="0" b="0"/>
+        </a:fillRef>
+        <a:effectRef idx="0">
+          <a:scrgbClr r="0" g="0" b="0"/>
+        </a:effectRef>
+        <a:fontRef idx="minor">
+          <a:schemeClr val="lt1"/>
+        </a:fontRef>
+      </dsp:style>
+      <dsp:txBody>
+        <a:bodyPr spcFirstLastPara="0" vert="horz" wrap="square" lIns="57150" tIns="57150" rIns="57150" bIns="57150" numCol="1" spcCol="1270" anchor="ctr" anchorCtr="0">
+          <a:noAutofit/>
+        </a:bodyPr>
+        <a:lstStyle/>
+        <a:p>
+          <a:pPr marL="0" lvl="0" indent="0" algn="ctr" defTabSz="666750">
+            <a:lnSpc>
+              <a:spcPct val="90000"/>
+            </a:lnSpc>
+            <a:spcBef>
+              <a:spcPct val="0"/>
+            </a:spcBef>
+            <a:spcAft>
+              <a:spcPct val="35000"/>
+            </a:spcAft>
+            <a:buNone/>
+          </a:pPr>
+          <a:r>
+            <a:rPr lang="en-US" sz="1500" b="1" kern="1200" dirty="0">
+              <a:latin typeface="Times New Roman" panose="02020603050405020304" pitchFamily="18" charset="0"/>
+              <a:cs typeface="Times New Roman" panose="02020603050405020304" pitchFamily="18" charset="0"/>
+            </a:rPr>
+            <a:t>Data Collection</a:t>
+          </a:r>
+        </a:p>
+      </dsp:txBody>
+      <dsp:txXfrm>
+        <a:off x="1394782" y="65974"/>
+        <a:ext cx="1115269" cy="682811"/>
+      </dsp:txXfrm>
+    </dsp:sp>
+    <dsp:sp modelId="{937ECD73-E654-4A2D-B8D1-5AE950EF6D6E}">
+      <dsp:nvSpPr>
+        <dsp:cNvPr id="0" name=""/>
+        <dsp:cNvSpPr/>
+      </dsp:nvSpPr>
+      <dsp:spPr>
+        <a:xfrm>
+          <a:off x="2546998" y="70578"/>
+          <a:ext cx="864882" cy="672761"/>
+        </a:xfrm>
+        <a:prstGeom prst="rect">
+          <a:avLst/>
+        </a:prstGeom>
+        <a:noFill/>
+        <a:ln>
+          <a:noFill/>
+        </a:ln>
+        <a:effectLst/>
+      </dsp:spPr>
+      <dsp:style>
+        <a:lnRef idx="0">
+          <a:scrgbClr r="0" g="0" b="0"/>
+        </a:lnRef>
+        <a:fillRef idx="0">
+          <a:scrgbClr r="0" g="0" b="0"/>
+        </a:fillRef>
+        <a:effectRef idx="0">
+          <a:scrgbClr r="0" g="0" b="0"/>
+        </a:effectRef>
+        <a:fontRef idx="minor"/>
+      </dsp:style>
+    </dsp:sp>
+    <dsp:sp modelId="{D19402A1-A1EF-4CAB-A3F2-FBEEA5705BEB}">
+      <dsp:nvSpPr>
+        <dsp:cNvPr id="0" name=""/>
+        <dsp:cNvSpPr/>
+      </dsp:nvSpPr>
+      <dsp:spPr>
+        <a:xfrm rot="5400000">
+          <a:off x="2530930" y="1709282"/>
+          <a:ext cx="706399" cy="804211"/>
+        </a:xfrm>
+        <a:prstGeom prst="bentUpArrow">
+          <a:avLst>
+            <a:gd name="adj1" fmla="val 32840"/>
+            <a:gd name="adj2" fmla="val 25000"/>
+            <a:gd name="adj3" fmla="val 35780"/>
+          </a:avLst>
+        </a:prstGeom>
+        <a:solidFill>
+          <a:schemeClr val="dk2">
+            <a:tint val="50000"/>
+            <a:hueOff val="0"/>
+            <a:satOff val="0"/>
+            <a:lumOff val="0"/>
+            <a:alphaOff val="0"/>
+          </a:schemeClr>
+        </a:solidFill>
+        <a:ln w="34925" cap="flat" cmpd="sng" algn="in">
+          <a:solidFill>
+            <a:schemeClr val="dk2">
+              <a:shade val="80000"/>
+              <a:hueOff val="0"/>
+              <a:satOff val="0"/>
+              <a:lumOff val="0"/>
+              <a:alphaOff val="0"/>
+            </a:schemeClr>
+          </a:solidFill>
+          <a:prstDash val="solid"/>
+        </a:ln>
+        <a:effectLst/>
+      </dsp:spPr>
+      <dsp:style>
+        <a:lnRef idx="2">
+          <a:scrgbClr r="0" g="0" b="0"/>
+        </a:lnRef>
+        <a:fillRef idx="1">
+          <a:scrgbClr r="0" g="0" b="0"/>
+        </a:fillRef>
+        <a:effectRef idx="0">
+          <a:scrgbClr r="0" g="0" b="0"/>
+        </a:effectRef>
+        <a:fontRef idx="minor"/>
+      </dsp:style>
+    </dsp:sp>
+    <dsp:sp modelId="{AFF02091-28F7-4E5C-A73E-123FE33E5C78}">
+      <dsp:nvSpPr>
+        <dsp:cNvPr id="0" name=""/>
+        <dsp:cNvSpPr/>
+      </dsp:nvSpPr>
+      <dsp:spPr>
+        <a:xfrm>
+          <a:off x="2343777" y="926224"/>
+          <a:ext cx="1189161" cy="832374"/>
+        </a:xfrm>
+        <a:prstGeom prst="roundRect">
+          <a:avLst>
+            <a:gd name="adj" fmla="val 16670"/>
+          </a:avLst>
+        </a:prstGeom>
+        <a:solidFill>
+          <a:schemeClr val="dk2">
+            <a:hueOff val="0"/>
+            <a:satOff val="0"/>
+            <a:lumOff val="0"/>
+            <a:alphaOff val="0"/>
+          </a:schemeClr>
+        </a:solidFill>
+        <a:ln w="34925" cap="flat" cmpd="sng" algn="in">
+          <a:solidFill>
+            <a:schemeClr val="lt2">
+              <a:hueOff val="0"/>
+              <a:satOff val="0"/>
+              <a:lumOff val="0"/>
+              <a:alphaOff val="0"/>
+            </a:schemeClr>
+          </a:solidFill>
+          <a:prstDash val="solid"/>
+        </a:ln>
+        <a:effectLst/>
+      </dsp:spPr>
+      <dsp:style>
+        <a:lnRef idx="2">
+          <a:scrgbClr r="0" g="0" b="0"/>
+        </a:lnRef>
+        <a:fillRef idx="1">
+          <a:scrgbClr r="0" g="0" b="0"/>
+        </a:fillRef>
+        <a:effectRef idx="0">
+          <a:scrgbClr r="0" g="0" b="0"/>
+        </a:effectRef>
+        <a:fontRef idx="minor">
+          <a:schemeClr val="lt1"/>
+        </a:fontRef>
+      </dsp:style>
+      <dsp:txBody>
+        <a:bodyPr spcFirstLastPara="0" vert="horz" wrap="square" lIns="57150" tIns="57150" rIns="57150" bIns="57150" numCol="1" spcCol="1270" anchor="ctr" anchorCtr="0">
+          <a:noAutofit/>
+        </a:bodyPr>
+        <a:lstStyle/>
+        <a:p>
+          <a:pPr marL="0" lvl="0" indent="0" algn="ctr" defTabSz="666750">
+            <a:lnSpc>
+              <a:spcPct val="90000"/>
+            </a:lnSpc>
+            <a:spcBef>
+              <a:spcPct val="0"/>
+            </a:spcBef>
+            <a:spcAft>
+              <a:spcPct val="35000"/>
+            </a:spcAft>
+            <a:buNone/>
+          </a:pPr>
+          <a:r>
+            <a:rPr lang="en-US" sz="1500" b="1" kern="1200" dirty="0">
+              <a:latin typeface="Times New Roman" panose="02020603050405020304" pitchFamily="18" charset="0"/>
+              <a:cs typeface="Times New Roman" panose="02020603050405020304" pitchFamily="18" charset="0"/>
+            </a:rPr>
+            <a:t>Data Exploration</a:t>
+          </a:r>
+        </a:p>
+      </dsp:txBody>
+      <dsp:txXfrm>
+        <a:off x="2384417" y="966864"/>
+        <a:ext cx="1107881" cy="751094"/>
+      </dsp:txXfrm>
+    </dsp:sp>
+    <dsp:sp modelId="{C77CCF29-B027-46B9-BB6C-F3C915F5642F}">
+      <dsp:nvSpPr>
+        <dsp:cNvPr id="0" name=""/>
+        <dsp:cNvSpPr/>
+      </dsp:nvSpPr>
+      <dsp:spPr>
+        <a:xfrm>
+          <a:off x="3532939" y="1005609"/>
+          <a:ext cx="864882" cy="672761"/>
+        </a:xfrm>
+        <a:prstGeom prst="rect">
+          <a:avLst/>
+        </a:prstGeom>
+        <a:noFill/>
+        <a:ln>
+          <a:noFill/>
+        </a:ln>
+        <a:effectLst/>
+      </dsp:spPr>
+      <dsp:style>
+        <a:lnRef idx="0">
+          <a:scrgbClr r="0" g="0" b="0"/>
+        </a:lnRef>
+        <a:fillRef idx="0">
+          <a:scrgbClr r="0" g="0" b="0"/>
+        </a:fillRef>
+        <a:effectRef idx="0">
+          <a:scrgbClr r="0" g="0" b="0"/>
+        </a:effectRef>
+        <a:fontRef idx="minor"/>
+      </dsp:style>
+    </dsp:sp>
+    <dsp:sp modelId="{CFCA29A9-3ADC-43DB-B141-849CF2E992B3}">
+      <dsp:nvSpPr>
+        <dsp:cNvPr id="0" name=""/>
+        <dsp:cNvSpPr/>
+      </dsp:nvSpPr>
+      <dsp:spPr>
+        <a:xfrm rot="5400000">
+          <a:off x="3516872" y="2644313"/>
+          <a:ext cx="706399" cy="804211"/>
+        </a:xfrm>
+        <a:prstGeom prst="bentUpArrow">
+          <a:avLst>
+            <a:gd name="adj1" fmla="val 32840"/>
+            <a:gd name="adj2" fmla="val 25000"/>
+            <a:gd name="adj3" fmla="val 35780"/>
+          </a:avLst>
+        </a:prstGeom>
+        <a:solidFill>
+          <a:schemeClr val="dk2">
+            <a:tint val="50000"/>
+            <a:hueOff val="0"/>
+            <a:satOff val="0"/>
+            <a:lumOff val="0"/>
+            <a:alphaOff val="0"/>
+          </a:schemeClr>
+        </a:solidFill>
+        <a:ln w="34925" cap="flat" cmpd="sng" algn="in">
+          <a:solidFill>
+            <a:schemeClr val="dk2">
+              <a:shade val="80000"/>
+              <a:hueOff val="0"/>
+              <a:satOff val="0"/>
+              <a:lumOff val="0"/>
+              <a:alphaOff val="0"/>
+            </a:schemeClr>
+          </a:solidFill>
+          <a:prstDash val="solid"/>
+        </a:ln>
+        <a:effectLst/>
+      </dsp:spPr>
+      <dsp:style>
+        <a:lnRef idx="2">
+          <a:scrgbClr r="0" g="0" b="0"/>
+        </a:lnRef>
+        <a:fillRef idx="1">
+          <a:scrgbClr r="0" g="0" b="0"/>
+        </a:fillRef>
+        <a:effectRef idx="0">
+          <a:scrgbClr r="0" g="0" b="0"/>
+        </a:effectRef>
+        <a:fontRef idx="minor"/>
+      </dsp:style>
+    </dsp:sp>
+    <dsp:sp modelId="{6974623A-D22C-4C41-A732-5827EC5C858A}">
+      <dsp:nvSpPr>
+        <dsp:cNvPr id="0" name=""/>
+        <dsp:cNvSpPr/>
+      </dsp:nvSpPr>
+      <dsp:spPr>
+        <a:xfrm>
+          <a:off x="3329719" y="1861255"/>
+          <a:ext cx="1189161" cy="832374"/>
+        </a:xfrm>
+        <a:prstGeom prst="roundRect">
+          <a:avLst>
+            <a:gd name="adj" fmla="val 16670"/>
+          </a:avLst>
+        </a:prstGeom>
+        <a:solidFill>
+          <a:schemeClr val="dk2">
+            <a:hueOff val="0"/>
+            <a:satOff val="0"/>
+            <a:lumOff val="0"/>
+            <a:alphaOff val="0"/>
+          </a:schemeClr>
+        </a:solidFill>
+        <a:ln w="34925" cap="flat" cmpd="sng" algn="in">
+          <a:solidFill>
+            <a:schemeClr val="lt2">
+              <a:hueOff val="0"/>
+              <a:satOff val="0"/>
+              <a:lumOff val="0"/>
+              <a:alphaOff val="0"/>
+            </a:schemeClr>
+          </a:solidFill>
+          <a:prstDash val="solid"/>
+        </a:ln>
+        <a:effectLst/>
+      </dsp:spPr>
+      <dsp:style>
+        <a:lnRef idx="2">
+          <a:scrgbClr r="0" g="0" b="0"/>
+        </a:lnRef>
+        <a:fillRef idx="1">
+          <a:scrgbClr r="0" g="0" b="0"/>
+        </a:fillRef>
+        <a:effectRef idx="0">
+          <a:scrgbClr r="0" g="0" b="0"/>
+        </a:effectRef>
+        <a:fontRef idx="minor">
+          <a:schemeClr val="lt1"/>
+        </a:fontRef>
+      </dsp:style>
+      <dsp:txBody>
+        <a:bodyPr spcFirstLastPara="0" vert="horz" wrap="square" lIns="57150" tIns="57150" rIns="57150" bIns="57150" numCol="1" spcCol="1270" anchor="ctr" anchorCtr="0">
+          <a:noAutofit/>
+        </a:bodyPr>
+        <a:lstStyle/>
+        <a:p>
+          <a:pPr marL="0" lvl="0" indent="0" algn="ctr" defTabSz="666750">
+            <a:lnSpc>
+              <a:spcPct val="90000"/>
+            </a:lnSpc>
+            <a:spcBef>
+              <a:spcPct val="0"/>
+            </a:spcBef>
+            <a:spcAft>
+              <a:spcPct val="35000"/>
+            </a:spcAft>
+            <a:buNone/>
+          </a:pPr>
+          <a:r>
+            <a:rPr lang="en-US" sz="1500" b="1" kern="1200" dirty="0">
+              <a:latin typeface="Times New Roman" panose="02020603050405020304" pitchFamily="18" charset="0"/>
+              <a:cs typeface="Times New Roman" panose="02020603050405020304" pitchFamily="18" charset="0"/>
+            </a:rPr>
+            <a:t>Feature Selection</a:t>
+          </a:r>
+          <a:endParaRPr lang="en-US" sz="1500" kern="1200" dirty="0"/>
+        </a:p>
+      </dsp:txBody>
+      <dsp:txXfrm>
+        <a:off x="3370359" y="1901895"/>
+        <a:ext cx="1107881" cy="751094"/>
+      </dsp:txXfrm>
+    </dsp:sp>
+    <dsp:sp modelId="{0C98D373-A26E-4A8B-8F6D-79858C4D7152}">
+      <dsp:nvSpPr>
+        <dsp:cNvPr id="0" name=""/>
+        <dsp:cNvSpPr/>
+      </dsp:nvSpPr>
+      <dsp:spPr>
+        <a:xfrm>
+          <a:off x="4518880" y="1940641"/>
+          <a:ext cx="864882" cy="672761"/>
+        </a:xfrm>
+        <a:prstGeom prst="rect">
+          <a:avLst/>
+        </a:prstGeom>
+        <a:noFill/>
+        <a:ln>
+          <a:noFill/>
+        </a:ln>
+        <a:effectLst/>
+      </dsp:spPr>
+      <dsp:style>
+        <a:lnRef idx="0">
+          <a:scrgbClr r="0" g="0" b="0"/>
+        </a:lnRef>
+        <a:fillRef idx="0">
+          <a:scrgbClr r="0" g="0" b="0"/>
+        </a:fillRef>
+        <a:effectRef idx="0">
+          <a:scrgbClr r="0" g="0" b="0"/>
+        </a:effectRef>
+        <a:fontRef idx="minor"/>
+      </dsp:style>
+    </dsp:sp>
+    <dsp:sp modelId="{F562B145-2B26-4C7F-9AD0-1F4646CD7BAB}">
+      <dsp:nvSpPr>
+        <dsp:cNvPr id="0" name=""/>
+        <dsp:cNvSpPr/>
+      </dsp:nvSpPr>
+      <dsp:spPr>
+        <a:xfrm rot="5400000">
+          <a:off x="4502813" y="3579345"/>
+          <a:ext cx="706399" cy="804211"/>
+        </a:xfrm>
+        <a:prstGeom prst="bentUpArrow">
+          <a:avLst>
+            <a:gd name="adj1" fmla="val 32840"/>
+            <a:gd name="adj2" fmla="val 25000"/>
+            <a:gd name="adj3" fmla="val 35780"/>
+          </a:avLst>
+        </a:prstGeom>
+        <a:solidFill>
+          <a:schemeClr val="dk2">
+            <a:tint val="50000"/>
+            <a:hueOff val="0"/>
+            <a:satOff val="0"/>
+            <a:lumOff val="0"/>
+            <a:alphaOff val="0"/>
+          </a:schemeClr>
+        </a:solidFill>
+        <a:ln w="34925" cap="flat" cmpd="sng" algn="in">
+          <a:solidFill>
+            <a:schemeClr val="dk2">
+              <a:shade val="80000"/>
+              <a:hueOff val="0"/>
+              <a:satOff val="0"/>
+              <a:lumOff val="0"/>
+              <a:alphaOff val="0"/>
+            </a:schemeClr>
+          </a:solidFill>
+          <a:prstDash val="solid"/>
+        </a:ln>
+        <a:effectLst/>
+      </dsp:spPr>
+      <dsp:style>
+        <a:lnRef idx="2">
+          <a:scrgbClr r="0" g="0" b="0"/>
+        </a:lnRef>
+        <a:fillRef idx="1">
+          <a:scrgbClr r="0" g="0" b="0"/>
+        </a:fillRef>
+        <a:effectRef idx="0">
+          <a:scrgbClr r="0" g="0" b="0"/>
+        </a:effectRef>
+        <a:fontRef idx="minor"/>
+      </dsp:style>
+    </dsp:sp>
+    <dsp:sp modelId="{2FD28367-58F4-44A8-84EC-E60C4090087B}">
+      <dsp:nvSpPr>
+        <dsp:cNvPr id="0" name=""/>
+        <dsp:cNvSpPr/>
+      </dsp:nvSpPr>
+      <dsp:spPr>
+        <a:xfrm>
+          <a:off x="4315660" y="2796286"/>
+          <a:ext cx="1189161" cy="832374"/>
+        </a:xfrm>
+        <a:prstGeom prst="roundRect">
+          <a:avLst>
+            <a:gd name="adj" fmla="val 16670"/>
+          </a:avLst>
+        </a:prstGeom>
+        <a:solidFill>
+          <a:schemeClr val="dk2">
+            <a:hueOff val="0"/>
+            <a:satOff val="0"/>
+            <a:lumOff val="0"/>
+            <a:alphaOff val="0"/>
+          </a:schemeClr>
+        </a:solidFill>
+        <a:ln w="34925" cap="flat" cmpd="sng" algn="in">
+          <a:solidFill>
+            <a:schemeClr val="lt2">
+              <a:hueOff val="0"/>
+              <a:satOff val="0"/>
+              <a:lumOff val="0"/>
+              <a:alphaOff val="0"/>
+            </a:schemeClr>
+          </a:solidFill>
+          <a:prstDash val="solid"/>
+        </a:ln>
+        <a:effectLst/>
+      </dsp:spPr>
+      <dsp:style>
+        <a:lnRef idx="2">
+          <a:scrgbClr r="0" g="0" b="0"/>
+        </a:lnRef>
+        <a:fillRef idx="1">
+          <a:scrgbClr r="0" g="0" b="0"/>
+        </a:fillRef>
+        <a:effectRef idx="0">
+          <a:scrgbClr r="0" g="0" b="0"/>
+        </a:effectRef>
+        <a:fontRef idx="minor">
+          <a:schemeClr val="lt1"/>
+        </a:fontRef>
+      </dsp:style>
+      <dsp:txBody>
+        <a:bodyPr spcFirstLastPara="0" vert="horz" wrap="square" lIns="57150" tIns="57150" rIns="57150" bIns="57150" numCol="1" spcCol="1270" anchor="ctr" anchorCtr="0">
+          <a:noAutofit/>
+        </a:bodyPr>
+        <a:lstStyle/>
+        <a:p>
+          <a:pPr marL="0" lvl="0" indent="0" algn="ctr" defTabSz="666750">
+            <a:lnSpc>
+              <a:spcPct val="90000"/>
+            </a:lnSpc>
+            <a:spcBef>
+              <a:spcPct val="0"/>
+            </a:spcBef>
+            <a:spcAft>
+              <a:spcPct val="35000"/>
+            </a:spcAft>
+            <a:buNone/>
+          </a:pPr>
+          <a:r>
+            <a:rPr lang="en-US" sz="1500" b="1" kern="1200">
+              <a:latin typeface="Times New Roman" panose="02020603050405020304" pitchFamily="18" charset="0"/>
+              <a:cs typeface="Times New Roman" panose="02020603050405020304" pitchFamily="18" charset="0"/>
+            </a:rPr>
+            <a:t>Build Models</a:t>
+          </a:r>
+        </a:p>
+      </dsp:txBody>
+      <dsp:txXfrm>
+        <a:off x="4356300" y="2836926"/>
+        <a:ext cx="1107881" cy="751094"/>
+      </dsp:txXfrm>
+    </dsp:sp>
+    <dsp:sp modelId="{FBD77733-989B-4E2B-A4DC-808929B9FFEE}">
+      <dsp:nvSpPr>
+        <dsp:cNvPr id="0" name=""/>
+        <dsp:cNvSpPr/>
+      </dsp:nvSpPr>
+      <dsp:spPr>
+        <a:xfrm>
+          <a:off x="5504822" y="2875672"/>
+          <a:ext cx="864882" cy="672761"/>
+        </a:xfrm>
+        <a:prstGeom prst="rect">
+          <a:avLst/>
+        </a:prstGeom>
+        <a:noFill/>
+        <a:ln>
+          <a:noFill/>
+        </a:ln>
+        <a:effectLst/>
+      </dsp:spPr>
+      <dsp:style>
+        <a:lnRef idx="0">
+          <a:scrgbClr r="0" g="0" b="0"/>
+        </a:lnRef>
+        <a:fillRef idx="0">
+          <a:scrgbClr r="0" g="0" b="0"/>
+        </a:fillRef>
+        <a:effectRef idx="0">
+          <a:scrgbClr r="0" g="0" b="0"/>
+        </a:effectRef>
+        <a:fontRef idx="minor"/>
+      </dsp:style>
+    </dsp:sp>
+    <dsp:sp modelId="{211E78BC-26DF-4421-A27E-A80E6A309606}">
+      <dsp:nvSpPr>
+        <dsp:cNvPr id="0" name=""/>
+        <dsp:cNvSpPr/>
+      </dsp:nvSpPr>
+      <dsp:spPr>
+        <a:xfrm>
+          <a:off x="5301601" y="3731318"/>
+          <a:ext cx="1189161" cy="832374"/>
+        </a:xfrm>
+        <a:prstGeom prst="roundRect">
+          <a:avLst>
+            <a:gd name="adj" fmla="val 16670"/>
+          </a:avLst>
+        </a:prstGeom>
+        <a:solidFill>
+          <a:schemeClr val="dk2">
+            <a:hueOff val="0"/>
+            <a:satOff val="0"/>
+            <a:lumOff val="0"/>
+            <a:alphaOff val="0"/>
+          </a:schemeClr>
+        </a:solidFill>
+        <a:ln w="34925" cap="flat" cmpd="sng" algn="in">
+          <a:solidFill>
+            <a:schemeClr val="lt2">
+              <a:hueOff val="0"/>
+              <a:satOff val="0"/>
+              <a:lumOff val="0"/>
+              <a:alphaOff val="0"/>
+            </a:schemeClr>
+          </a:solidFill>
+          <a:prstDash val="solid"/>
+        </a:ln>
+        <a:effectLst/>
+      </dsp:spPr>
+      <dsp:style>
+        <a:lnRef idx="2">
+          <a:scrgbClr r="0" g="0" b="0"/>
+        </a:lnRef>
+        <a:fillRef idx="1">
+          <a:scrgbClr r="0" g="0" b="0"/>
+        </a:fillRef>
+        <a:effectRef idx="0">
+          <a:scrgbClr r="0" g="0" b="0"/>
+        </a:effectRef>
+        <a:fontRef idx="minor">
+          <a:schemeClr val="lt1"/>
+        </a:fontRef>
+      </dsp:style>
+      <dsp:txBody>
+        <a:bodyPr spcFirstLastPara="0" vert="horz" wrap="square" lIns="57150" tIns="57150" rIns="57150" bIns="57150" numCol="1" spcCol="1270" anchor="ctr" anchorCtr="0">
+          <a:noAutofit/>
+        </a:bodyPr>
+        <a:lstStyle/>
+        <a:p>
+          <a:pPr marL="0" lvl="0" indent="0" algn="ctr" defTabSz="666750">
+            <a:lnSpc>
+              <a:spcPct val="90000"/>
+            </a:lnSpc>
+            <a:spcBef>
+              <a:spcPct val="0"/>
+            </a:spcBef>
+            <a:spcAft>
+              <a:spcPct val="35000"/>
+            </a:spcAft>
+            <a:buNone/>
+          </a:pPr>
+          <a:r>
+            <a:rPr lang="en-US" sz="1500" b="1" kern="1200">
+              <a:latin typeface="Times New Roman" panose="02020603050405020304" pitchFamily="18" charset="0"/>
+              <a:cs typeface="Times New Roman" panose="02020603050405020304" pitchFamily="18" charset="0"/>
+            </a:rPr>
+            <a:t>Summary and Conclusion</a:t>
+          </a:r>
+        </a:p>
+      </dsp:txBody>
+      <dsp:txXfrm>
+        <a:off x="5342241" y="3771958"/>
+        <a:ext cx="1107881" cy="751094"/>
+      </dsp:txXfrm>
+    </dsp:sp>
+  </dsp:spTree>
+</dsp:drawing>
+</file>
+
+<file path=ppt/diagrams/layout1.xml><?xml version="1.0" encoding="utf-8"?>
+<dgm:layoutDef xmlns:dgm="http://schemas.openxmlformats.org/drawingml/2006/diagram" xmlns:a="http://schemas.openxmlformats.org/drawingml/2006/main" uniqueId="urn:microsoft.com/office/officeart/2005/8/layout/StepDownProcess">
+  <dgm:title val=""/>
+  <dgm:desc val=""/>
+  <dgm:catLst>
+    <dgm:cat type="process" pri="1600"/>
+  </dgm:catLst>
+  <dgm:sampData>
+    <dgm:dataModel>
+      <dgm:ptLst>
+        <dgm:pt modelId="0" type="doc"/>
+        <dgm:pt modelId="10">
+          <dgm:prSet phldr="1"/>
+        </dgm:pt>
+        <dgm:pt modelId="11">
+          <dgm:prSet phldr="1"/>
+        </dgm:pt>
+        <dgm:pt modelId="20">
+          <dgm:prSet phldr="1"/>
+        </dgm:pt>
+        <dgm:pt modelId="21">
+          <dgm:prSet phldr="1"/>
+        </dgm:pt>
+        <dgm:pt modelId="30">
+          <dgm:prSet phldr="1"/>
+        </dgm:pt>
+        <dgm:pt modelId="31">
+          <dgm:prSet phldr="1"/>
+        </dgm:pt>
+      </dgm:ptLst>
+      <dgm:cxnLst>
+        <dgm:cxn modelId="60" srcId="0" destId="10" srcOrd="0" destOrd="0"/>
+        <dgm:cxn modelId="12" srcId="10" destId="11" srcOrd="0" destOrd="0"/>
+        <dgm:cxn modelId="70" srcId="0" destId="20" srcOrd="1" destOrd="0"/>
+        <dgm:cxn modelId="22" srcId="20" destId="21" srcOrd="0" destOrd="0"/>
+        <dgm:cxn modelId="80" srcId="0" destId="30" srcOrd="2" destOrd="0"/>
+        <dgm:cxn modelId="32" srcId="30" destId="31" srcOrd="0" destOrd="0"/>
+      </dgm:cxnLst>
+      <dgm:bg/>
+      <dgm:whole/>
+    </dgm:dataModel>
+  </dgm:sampData>
+  <dgm:styleData>
+    <dgm:dataModel>
+      <dgm:ptLst>
+        <dgm:pt modelId="0" type="doc"/>
+        <dgm:pt modelId="10">
+          <dgm:prSet phldr="1"/>
+        </dgm:pt>
+        <dgm:pt modelId="20">
+          <dgm:prSet phldr="1"/>
+        </dgm:pt>
+      </dgm:ptLst>
+      <dgm:cxnLst>
+        <dgm:cxn modelId="60" srcId="0" destId="10" srcOrd="0" destOrd="0"/>
+        <dgm:cxn modelId="70" srcId="0" destId="20" srcOrd="1" destOrd="0"/>
+      </dgm:cxnLst>
+      <dgm:bg/>
+      <dgm:whole/>
+    </dgm:dataModel>
+  </dgm:styleData>
+  <dgm:clrData>
+    <dgm:dataModel>
+      <dgm:ptLst>
+        <dgm:pt modelId="0" type="doc"/>
+        <dgm:pt modelId="10">
+          <dgm:prSet phldr="1"/>
+        </dgm:pt>
+        <dgm:pt modelId="20">
+          <dgm:prSet phldr="1"/>
+        </dgm:pt>
+        <dgm:pt modelId="30">
+          <dgm:prSet phldr="1"/>
+        </dgm:pt>
+        <dgm:pt modelId="40">
+          <dgm:prSet phldr="1"/>
+        </dgm:pt>
+      </dgm:ptLst>
+      <dgm:cxnLst>
+        <dgm:cxn modelId="60" srcId="0" destId="10" srcOrd="0" destOrd="0"/>
+        <dgm:cxn modelId="70" srcId="0" destId="20" srcOrd="1" destOrd="0"/>
+        <dgm:cxn modelId="80" srcId="0" destId="30" srcOrd="2" destOrd="0"/>
+        <dgm:cxn modelId="90" srcId="0" destId="40" srcOrd="3" destOrd="0"/>
+      </dgm:cxnLst>
+      <dgm:bg/>
+      <dgm:whole/>
+    </dgm:dataModel>
+  </dgm:clrData>
+  <dgm:layoutNode name="rootnode">
+    <dgm:varLst>
+      <dgm:chMax/>
+      <dgm:chPref/>
+      <dgm:dir/>
+      <dgm:animLvl val="lvl"/>
+    </dgm:varLst>
+    <dgm:choose name="Name0">
+      <dgm:if name="Name1" func="var" arg="dir" op="equ" val="norm">
+        <dgm:alg type="snake">
+          <dgm:param type="grDir" val="tL"/>
+          <dgm:param type="flowDir" val="row"/>
+          <dgm:param type="off" val="off"/>
+          <dgm:param type="bkpt" val="fixed"/>
+          <dgm:param type="bkPtFixedVal" val="1"/>
+        </dgm:alg>
+      </dgm:if>
+      <dgm:else name="Name2">
+        <dgm:alg type="snake">
+          <dgm:param type="grDir" val="tR"/>
+          <dgm:param type="flowDir" val="row"/>
+          <dgm:param type="off" val="off"/>
+          <dgm:param type="bkpt" val="fixed"/>
+          <dgm:param type="bkPtFixedVal" val="1"/>
+        </dgm:alg>
+      </dgm:else>
+    </dgm:choose>
+    <dgm:shape xmlns:r="http://schemas.openxmlformats.org/officeDocument/2006/relationships" r:blip="">
+      <dgm:adjLst/>
+    </dgm:shape>
+    <dgm:choose name="Name3">
+      <dgm:if name="Name4" func="var" arg="dir" op="equ" val="norm">
+        <dgm:constrLst>
+          <dgm:constr type="alignOff" forName="rootnode" val="0.48"/>
+          <dgm:constr type="primFontSz" for="des" forName="ParentText" val="65"/>
+          <dgm:constr type="primFontSz" for="des" forName="ChildText" refType="primFontSz" refFor="des" refForName="ParentText" op="lte"/>
+          <dgm:constr type="w" for="ch" forName="composite" refType="w"/>
+          <dgm:constr type="h" for="ch" forName="composite" refType="h"/>
+          <dgm:constr type="sp" refType="h" refFor="ch" refForName="composite" op="equ" fact="-0.38"/>
+        </dgm:constrLst>
+      </dgm:if>
+      <dgm:else name="Name5">
+        <dgm:constrLst>
+          <dgm:constr type="alignOff" forName="rootnode" val="0.48"/>
+          <dgm:constr type="primFontSz" for="des" forName="ParentText" val="65"/>
+          <dgm:constr type="primFontSz" for="des" forName="ChildText" refType="primFontSz" refFor="des" refForName="ParentText" op="lte"/>
+          <dgm:constr type="w" for="ch" forName="composite" refType="w"/>
+          <dgm:constr type="h" for="ch" forName="composite" refType="h"/>
+          <dgm:constr type="sp" refType="h" refFor="ch" refForName="composite" op="equ" fact="-0.38"/>
+        </dgm:constrLst>
+      </dgm:else>
+    </dgm:choose>
+    <dgm:forEach name="nodesForEach" axis="ch" ptType="node">
+      <dgm:layoutNode name="composite">
+        <dgm:alg type="composite">
+          <dgm:param type="ar" val="1.2439"/>
+        </dgm:alg>
+        <dgm:shape xmlns:r="http://schemas.openxmlformats.org/officeDocument/2006/relationships" r:blip="">
+          <dgm:adjLst/>
+        </dgm:shape>
+        <dgm:choose name="Name6">
+          <dgm:if name="Name7" func="var" arg="dir" op="equ" val="norm">
+            <dgm:constrLst>
+              <dgm:constr type="l" for="ch" forName="bentUpArrow1" refType="w" fact="0.07"/>
+              <dgm:constr type="t" for="ch" forName="bentUpArrow1" refType="h" fact="0.524"/>
+              <dgm:constr type="w" for="ch" forName="bentUpArrow1" refType="w" fact="0.3844"/>
+              <dgm:constr type="h" for="ch" forName="bentUpArrow1" refType="h" fact="0.42"/>
+              <dgm:constr type="l" for="ch" forName="ParentText" refType="w" fact="0"/>
+              <dgm:constr type="t" for="ch" forName="ParentText" refType="h" fact="0"/>
+              <dgm:constr type="w" for="ch" forName="ParentText" refType="w" fact="0.5684"/>
+              <dgm:constr type="h" for="ch" forName="ParentText" refType="h" fact="0.4949"/>
+              <dgm:constr type="l" for="ch" forName="ChildText" refType="w" refFor="ch" refForName="ParentText"/>
+              <dgm:constr type="t" for="ch" forName="ChildText" refType="h" fact="0.05"/>
+              <dgm:constr type="w" for="ch" forName="ChildText" refType="w" fact="0.4134"/>
+              <dgm:constr type="h" for="ch" forName="ChildText" refType="h" fact="0.4"/>
+              <dgm:constr type="l" for="ch" forName="FinalChildText" refType="w" refFor="ch" refForName="ParentText"/>
+              <dgm:constr type="t" for="ch" forName="FinalChildText" refType="h" fact="0.05"/>
+              <dgm:constr type="w" for="ch" forName="FinalChildText" refType="w" fact="0.4134"/>
+              <dgm:constr type="h" for="ch" forName="FinalChildText" refType="h" fact="0.4"/>
+            </dgm:constrLst>
+          </dgm:if>
+          <dgm:else name="Name8">
+            <dgm:constrLst>
+              <dgm:constr type="r" for="ch" forName="bentUpArrow1" refType="w" fact="0.97"/>
+              <dgm:constr type="t" for="ch" forName="bentUpArrow1" refType="h" fact="0.524"/>
+              <dgm:constr type="w" for="ch" forName="bentUpArrow1" refType="w" fact="0.3844"/>
+              <dgm:constr type="h" for="ch" forName="bentUpArrow1" refType="h" fact="0.42"/>
+              <dgm:constr type="l" for="ch" forName="ParentText" refType="w" fact="0.4316"/>
+              <dgm:constr type="t" for="ch" forName="ParentText" refType="h" fact="0"/>
+              <dgm:constr type="w" for="ch" forName="ParentText" refType="w" fact="0.5684"/>
+              <dgm:constr type="h" for="ch" forName="ParentText" refType="h" fact="0.4949"/>
+              <dgm:constr type="l" for="ch" forName="ChildText" refType="w" fact="0"/>
+              <dgm:constr type="t" for="ch" forName="ChildText" refType="h" fact="0.05"/>
+              <dgm:constr type="w" for="ch" forName="ChildText" refType="w" fact="0.4134"/>
+              <dgm:constr type="h" for="ch" forName="ChildText" refType="h" fact="0.4"/>
+              <dgm:constr type="l" for="ch" forName="FinalChildText" refType="w" fact="0"/>
+              <dgm:constr type="t" for="ch" forName="FinalChildText" refType="h" fact="0.05"/>
+              <dgm:constr type="w" for="ch" forName="FinalChildText" refType="w" fact="0.4134"/>
+              <dgm:constr type="h" for="ch" forName="FinalChildText" refType="h" fact="0.4"/>
+            </dgm:constrLst>
+          </dgm:else>
+        </dgm:choose>
+        <dgm:choose name="Name9">
+          <dgm:if name="Name10" axis="followSib" ptType="node" func="cnt" op="gte" val="1">
+            <dgm:layoutNode name="bentUpArrow1" styleLbl="alignImgPlace1">
+              <dgm:alg type="sp"/>
+              <dgm:choose name="Name11">
+                <dgm:if name="Name12" func="var" arg="dir" op="equ" val="norm">
+                  <dgm:shape xmlns:r="http://schemas.openxmlformats.org/officeDocument/2006/relationships" rot="90" type="bentUpArrow" r:blip="">
+                    <dgm:adjLst>
+                      <dgm:adj idx="1" val="0.3284"/>
+                      <dgm:adj idx="2" val="0.25"/>
+                      <dgm:adj idx="3" val="0.3578"/>
+                    </dgm:adjLst>
+                  </dgm:shape>
+                </dgm:if>
+                <dgm:else name="Name13">
+                  <dgm:shape xmlns:r="http://schemas.openxmlformats.org/officeDocument/2006/relationships" rot="180" type="bentArrow" r:blip="">
+                    <dgm:adjLst>
+                      <dgm:adj idx="1" val="0.3284"/>
+                      <dgm:adj idx="2" val="0.25"/>
+                      <dgm:adj idx="3" val="0.3578"/>
+                      <dgm:adj idx="4" val="0"/>
+                    </dgm:adjLst>
+                  </dgm:shape>
+                </dgm:else>
+              </dgm:choose>
+              <dgm:presOf/>
+            </dgm:layoutNode>
+          </dgm:if>
+          <dgm:else name="Name14"/>
+        </dgm:choose>
+        <dgm:layoutNode name="ParentText" styleLbl="node1">
+          <dgm:varLst>
+            <dgm:chMax val="1"/>
+            <dgm:chPref val="1"/>
+            <dgm:bulletEnabled val="1"/>
+          </dgm:varLst>
+          <dgm:alg type="tx"/>
+          <dgm:shape xmlns:r="http://schemas.openxmlformats.org/officeDocument/2006/relationships" type="roundRect" r:blip="">
+            <dgm:adjLst>
+              <dgm:adj idx="1" val="0.1667"/>
+            </dgm:adjLst>
+          </dgm:shape>
+          <dgm:presOf axis="self" ptType="node"/>
+          <dgm:constrLst>
+            <dgm:constr type="lMarg" refType="primFontSz" fact="0.3"/>
+            <dgm:constr type="rMarg" refType="primFontSz" fact="0.3"/>
+            <dgm:constr type="tMarg" refType="primFontSz" fact="0.3"/>
+            <dgm:constr type="bMarg" refType="primFontSz" fact="0.3"/>
+          </dgm:constrLst>
+          <dgm:ruleLst>
+            <dgm:rule type="primFontSz" val="5" fact="NaN" max="NaN"/>
+          </dgm:ruleLst>
+        </dgm:layoutNode>
+        <dgm:choose name="Name15">
+          <dgm:if name="Name16" axis="followSib" ptType="node" func="cnt" op="equ" val="0">
+            <dgm:choose name="Name17">
+              <dgm:if name="Name18" axis="ch" ptType="node" func="cnt" op="gte" val="1">
+                <dgm:layoutNode name="FinalChildText" styleLbl="revTx">
+                  <dgm:varLst>
+                    <dgm:chMax val="0"/>
+                    <dgm:chPref val="0"/>
+                    <dgm:bulletEnabled val="1"/>
+                  </dgm:varLst>
+                  <dgm:alg type="tx">
+                    <dgm:param type="stBulletLvl" val="1"/>
+                    <dgm:param type="txAnchorVertCh" val="mid"/>
+                    <dgm:param type="parTxLTRAlign" val="l"/>
+                  </dgm:alg>
+                  <dgm:shape xmlns:r="http://schemas.openxmlformats.org/officeDocument/2006/relationships" type="rect" r:blip="">
+                    <dgm:adjLst/>
+                  </dgm:shape>
+                  <dgm:presOf axis="des" ptType="node"/>
+                  <dgm:constrLst>
+                    <dgm:constr type="lMarg" refType="primFontSz" fact="0.3"/>
+                    <dgm:constr type="rMarg" refType="primFontSz" fact="0.3"/>
+                    <dgm:constr type="tMarg" refType="primFontSz" fact="0.3"/>
+                    <dgm:constr type="bMarg" refType="primFontSz" fact="0.3"/>
+                  </dgm:constrLst>
+                  <dgm:ruleLst>
+                    <dgm:rule type="primFontSz" val="5" fact="NaN" max="NaN"/>
+                  </dgm:ruleLst>
+                </dgm:layoutNode>
+              </dgm:if>
+              <dgm:else name="Name19"/>
+            </dgm:choose>
+          </dgm:if>
+          <dgm:else name="Name20">
+            <dgm:layoutNode name="ChildText" styleLbl="revTx">
+              <dgm:varLst>
+                <dgm:chMax val="0"/>
+                <dgm:chPref val="0"/>
+                <dgm:bulletEnabled val="1"/>
+              </dgm:varLst>
+              <dgm:alg type="tx">
+                <dgm:param type="stBulletLvl" val="1"/>
+                <dgm:param type="txAnchorVertCh" val="mid"/>
+                <dgm:param type="parTxLTRAlign" val="l"/>
+              </dgm:alg>
+              <dgm:shape xmlns:r="http://schemas.openxmlformats.org/officeDocument/2006/relationships" type="rect" r:blip="">
+                <dgm:adjLst/>
+              </dgm:shape>
+              <dgm:presOf axis="des" ptType="node"/>
+              <dgm:constrLst>
+                <dgm:constr type="lMarg" refType="primFontSz" fact="0.3"/>
+                <dgm:constr type="rMarg" refType="primFontSz" fact="0.3"/>
+                <dgm:constr type="tMarg" refType="primFontSz" fact="0.3"/>
+                <dgm:constr type="bMarg" refType="primFontSz" fact="0.3"/>
+              </dgm:constrLst>
+              <dgm:ruleLst>
+                <dgm:rule type="primFontSz" val="5" fact="NaN" max="NaN"/>
+              </dgm:ruleLst>
+            </dgm:layoutNode>
+          </dgm:else>
+        </dgm:choose>
+      </dgm:layoutNode>
+      <dgm:forEach name="sibTransForEach" axis="followSib" ptType="sibTrans" cnt="1">
+        <dgm:layoutNode name="sibTrans">
+          <dgm:alg type="sp"/>
+          <dgm:shape xmlns:r="http://schemas.openxmlformats.org/officeDocument/2006/relationships" r:blip="">
+            <dgm:adjLst/>
+          </dgm:shape>
+        </dgm:layoutNode>
+      </dgm:forEach>
+    </dgm:forEach>
+  </dgm:layoutNode>
+</dgm:layoutDef>
+</file>
+
+<file path=ppt/diagrams/quickStyle1.xml><?xml version="1.0" encoding="utf-8"?>
+<dgm:styleDef xmlns:dgm="http://schemas.openxmlformats.org/drawingml/2006/diagram" xmlns:a="http://schemas.openxmlformats.org/drawingml/2006/main" uniqueId="urn:microsoft.com/office/officeart/2005/8/quickstyle/simple1">
+  <dgm:title val=""/>
+  <dgm:desc val=""/>
+  <dgm:catLst>
+    <dgm:cat type="simple" pri="10100"/>
+  </dgm:catLst>
+  <dgm:scene3d>
+    <a:camera prst="orthographicFront"/>
+    <a:lightRig rig="threePt" dir="t"/>
+  </dgm:scene3d>
+  <dgm:styleLbl name="node0">
+    <dgm:scene3d>
+      <a:camera prst="orthographicFront"/>
+      <a:lightRig rig="threePt" dir="t"/>
+    </dgm:scene3d>
+    <dgm:sp3d/>
+    <dgm:txPr/>
+    <dgm:style>
+      <a:lnRef idx="2">
+        <a:scrgbClr r="0" g="0" b="0"/>
+      </a:lnRef>
+      <a:fillRef idx="1">
+        <a:scrgbClr r="0" g="0" b="0"/>
+      </a:fillRef>
+      <a:effectRef idx="0">
+        <a:scrgbClr r="0" g="0" b="0"/>
+      </a:effectRef>
+      <a:fontRef idx="minor">
+        <a:schemeClr val="lt1"/>
+      </a:fontRef>
+    </dgm:style>
+  </dgm:styleLbl>
+  <dgm:styleLbl name="lnNode1">
+    <dgm:scene3d>
+      <a:camera prst="orthographicFront"/>
+      <a:lightRig rig="threePt" dir="t"/>
+    </dgm:scene3d>
+    <dgm:sp3d/>
+    <dgm:txPr/>
+    <dgm:style>
+      <a:lnRef idx="2">
+        <a:scrgbClr r="0" g="0" b="0"/>
+      </a:lnRef>
+      <a:fillRef idx="1">
+        <a:scrgbClr r="0" g="0" b="0"/>
+      </a:fillRef>
+      <a:effectRef idx="0">
+        <a:scrgbClr r="0" g="0" b="0"/>
+      </a:effectRef>
+      <a:fontRef idx="minor">
+        <a:schemeClr val="lt1"/>
+      </a:fontRef>
+    </dgm:style>
+  </dgm:styleLbl>
+  <dgm:styleLbl name="vennNode1">
+    <dgm:scene3d>
+      <a:camera prst="orthographicFront"/>
+      <a:lightRig rig="threePt" dir="t"/>
+    </dgm:scene3d>
+    <dgm:sp3d/>
+    <dgm:txPr/>
+    <dgm:style>
+      <a:lnRef idx="2">
+        <a:scrgbClr r="0" g="0" b="0"/>
+      </a:lnRef>
+      <a:fillRef idx="1">
+        <a:scrgbClr r="0" g="0" b="0"/>
+      </a:fillRef>
+      <a:effectRef idx="0">
+        <a:scrgbClr r="0" g="0" b="0"/>
+      </a:effectRef>
+      <a:fontRef idx="minor">
+        <a:schemeClr val="tx1"/>
+      </a:fontRef>
+    </dgm:style>
+  </dgm:styleLbl>
+  <dgm:styleLbl name="alignNode1">
+    <dgm:scene3d>
+      <a:camera prst="orthographicFront"/>
+      <a:lightRig rig="threePt" dir="t"/>
+    </dgm:scene3d>
+    <dgm:sp3d/>
+    <dgm:txPr/>
+    <dgm:style>
+      <a:lnRef idx="2">
+        <a:scrgbClr r="0" g="0" b="0"/>
+      </a:lnRef>
+      <a:fillRef idx="1">
+        <a:scrgbClr r="0" g="0" b="0"/>
+      </a:fillRef>
+      <a:effectRef idx="0">
+        <a:scrgbClr r="0" g="0" b="0"/>
+      </a:effectRef>
+      <a:fontRef idx="minor">
+        <a:schemeClr val="lt1"/>
+      </a:fontRef>
+    </dgm:style>
+  </dgm:styleLbl>
+  <dgm:styleLbl name="node1">
+    <dgm:scene3d>
+      <a:camera prst="orthographicFront"/>
+      <a:lightRig rig="threePt" dir="t"/>
+    </dgm:scene3d>
+    <dgm:sp3d/>
+    <dgm:txPr/>
+    <dgm:style>
+      <a:lnRef idx="2">
+        <a:scrgbClr r="0" g="0" b="0"/>
+      </a:lnRef>
+      <a:fillRef idx="1">
+        <a:scrgbClr r="0" g="0" b="0"/>
+      </a:fillRef>
+      <a:effectRef idx="0">
+        <a:scrgbClr r="0" g="0" b="0"/>
+      </a:effectRef>
+      <a:fontRef idx="minor">
+        <a:schemeClr val="lt1"/>
+      </a:fontRef>
+    </dgm:style>
+  </dgm:styleLbl>
+  <dgm:styleLbl name="node2">
+    <dgm:scene3d>
+      <a:camera prst="orthographicFront"/>
+      <a:lightRig rig="threePt" dir="t"/>
+    </dgm:scene3d>
+    <dgm:sp3d/>
+    <dgm:txPr/>
+    <dgm:style>
+      <a:lnRef idx="2">
+        <a:scrgbClr r="0" g="0" b="0"/>
+      </a:lnRef>
+      <a:fillRef idx="1">
+        <a:scrgbClr r="0" g="0" b="0"/>
+      </a:fillRef>
+      <a:effectRef idx="0">
+        <a:scrgbClr r="0" g="0" b="0"/>
+      </a:effectRef>
+      <a:fontRef idx="minor">
+        <a:schemeClr val="lt1"/>
+      </a:fontRef>
+    </dgm:style>
+  </dgm:styleLbl>
+  <dgm:styleLbl name="node3">
+    <dgm:scene3d>
+      <a:camera prst="orthographicFront"/>
+      <a:lightRig rig="threePt" dir="t"/>
+    </dgm:scene3d>
+    <dgm:sp3d/>
+    <dgm:txPr/>
+    <dgm:style>
+      <a:lnRef idx="2">
+        <a:scrgbClr r="0" g="0" b="0"/>
+      </a:lnRef>
+      <a:fillRef idx="1">
+        <a:scrgbClr r="0" g="0" b="0"/>
+      </a:fillRef>
+      <a:effectRef idx="0">
+        <a:scrgbClr r="0" g="0" b="0"/>
+      </a:effectRef>
+      <a:fontRef idx="minor">
+        <a:schemeClr val="lt1"/>
+      </a:fontRef>
+    </dgm:style>
+  </dgm:styleLbl>
+  <dgm:styleLbl name="node4">
+    <dgm:scene3d>
+      <a:camera prst="orthographicFront"/>
+      <a:lightRig rig="threePt" dir="t"/>
+    </dgm:scene3d>
+    <dgm:sp3d/>
+    <dgm:txPr/>
+    <dgm:style>
+      <a:lnRef idx="2">
+        <a:scrgbClr r="0" g="0" b="0"/>
+      </a:lnRef>
+      <a:fillRef idx="1">
+        <a:scrgbClr r="0" g="0" b="0"/>
+      </a:fillRef>
+      <a:effectRef idx="0">
+        <a:scrgbClr r="0" g="0" b="0"/>
+      </a:effectRef>
+      <a:fontRef idx="minor">
+        <a:schemeClr val="lt1"/>
+      </a:fontRef>
+    </dgm:style>
+  </dgm:styleLbl>
+  <dgm:styleLbl name="fgImgPlace1">
+    <dgm:scene3d>
+      <a:camera prst="orthographicFront"/>
+      <a:lightRig rig="threePt" dir="t"/>
+    </dgm:scene3d>
+    <dgm:sp3d/>
+    <dgm:txPr/>
+    <dgm:style>
+      <a:lnRef idx="2">
+        <a:scrgbClr r="0" g="0" b="0"/>
+      </a:lnRef>
+      <a:fillRef idx="1">
+        <a:scrgbClr r="0" g="0" b="0"/>
+      </a:fillRef>
+      <a:effectRef idx="0">
+        <a:scrgbClr r="0" g="0" b="0"/>
+      </a:effectRef>
+      <a:fontRef idx="minor"/>
+    </dgm:style>
+  </dgm:styleLbl>
+  <dgm:styleLbl name="alignImgPlace1">
+    <dgm:scene3d>
+      <a:camera prst="orthographicFront"/>
+      <a:lightRig rig="threePt" dir="t"/>
+    </dgm:scene3d>
+    <dgm:sp3d/>
+    <dgm:txPr/>
+    <dgm:style>
+      <a:lnRef idx="2">
+        <a:scrgbClr r="0" g="0" b="0"/>
+      </a:lnRef>
+      <a:fillRef idx="1">
+        <a:scrgbClr r="0" g="0" b="0"/>
+      </a:fillRef>
+      <a:effectRef idx="0">
+        <a:scrgbClr r="0" g="0" b="0"/>
+      </a:effectRef>
+      <a:fontRef idx="minor"/>
+    </dgm:style>
+  </dgm:styleLbl>
+  <dgm:styleLbl name="bgImgPlace1">
+    <dgm:scene3d>
+      <a:camera prst="orthographicFront"/>
+      <a:lightRig rig="threePt" dir="t"/>
+    </dgm:scene3d>
+    <dgm:sp3d/>
+    <dgm:txPr/>
+    <dgm:style>
+      <a:lnRef idx="2">
+        <a:scrgbClr r="0" g="0" b="0"/>
+      </a:lnRef>
+      <a:fillRef idx="1">
+        <a:scrgbClr r="0" g="0" b="0"/>
+      </a:fillRef>
+      <a:effectRef idx="0">
+        <a:scrgbClr r="0" g="0" b="0"/>
+      </a:effectRef>
+      <a:fontRef idx="minor"/>
+    </dgm:style>
+  </dgm:styleLbl>
+  <dgm:styleLbl name="sibTrans2D1">
+    <dgm:scene3d>
+      <a:camera prst="orthographicFront"/>
+      <a:lightRig rig="threePt" dir="t"/>
+    </dgm:scene3d>
+    <dgm:sp3d/>
+    <dgm:txPr/>
+    <dgm:style>
+      <a:lnRef idx="0">
+        <a:scrgbClr r="0" g="0" b="0"/>
+      </a:lnRef>
+      <a:fillRef idx="1">
+        <a:scrgbClr r="0" g="0" b="0"/>
+      </a:fillRef>
+      <a:effectRef idx="0">
+        <a:scrgbClr r="0" g="0" b="0"/>
+      </a:effectRef>
+      <a:fontRef idx="minor">
+        <a:schemeClr val="lt1"/>
+      </a:fontRef>
+    </dgm:style>
+  </dgm:styleLbl>
+  <dgm:styleLbl name="fgSibTrans2D1">
+    <dgm:scene3d>
+      <a:camera prst="orthographicFront"/>
+      <a:lightRig rig="threePt" dir="t"/>
+    </dgm:scene3d>
+    <dgm:sp3d/>
+    <dgm:txPr/>
+    <dgm:style>
+      <a:lnRef idx="0">
+        <a:scrgbClr r="0" g="0" b="0"/>
+      </a:lnRef>
+      <a:fillRef idx="1">
+        <a:scrgbClr r="0" g="0" b="0"/>
+      </a:fillRef>
+      <a:effectRef idx="0">
+        <a:scrgbClr r="0" g="0" b="0"/>
+      </a:effectRef>
+      <a:fontRef idx="minor">
+        <a:schemeClr val="lt1"/>
+      </a:fontRef>
+    </dgm:style>
+  </dgm:styleLbl>
+  <dgm:styleLbl name="bgSibTrans2D1">
+    <dgm:scene3d>
+      <a:camera prst="orthographicFront"/>
+      <a:lightRig rig="threePt" dir="t"/>
+    </dgm:scene3d>
+    <dgm:sp3d/>
+    <dgm:txPr/>
+    <dgm:style>
+      <a:lnRef idx="0">
+        <a:scrgbClr r="0" g="0" b="0"/>
+      </a:lnRef>
+      <a:fillRef idx="1">
+        <a:scrgbClr r="0" g="0" b="0"/>
+      </a:fillRef>
+      <a:effectRef idx="0">
+        <a:scrgbClr r="0" g="0" b="0"/>
+      </a:effectRef>
+      <a:fontRef idx="minor">
+        <a:schemeClr val="lt1"/>
+      </a:fontRef>
+    </dgm:style>
+  </dgm:styleLbl>
+  <dgm:styleLbl name="sibTrans1D1">
+    <dgm:scene3d>
+      <a:camera prst="orthographicFront"/>
+      <a:lightRig rig="threePt" dir="t"/>
+    </dgm:scene3d>
+    <dgm:sp3d/>
+    <dgm:txPr/>
+    <dgm:style>
+      <a:lnRef idx="1">
+        <a:scrgbClr r="0" g="0" b="0"/>
+      </a:lnRef>
+      <a:fillRef idx="0">
+        <a:scrgbClr r="0" g="0" b="0"/>
+      </a:fillRef>
+      <a:effectRef idx="0">
+        <a:scrgbClr r="0" g="0" b="0"/>
+      </a:effectRef>
+      <a:fontRef idx="minor"/>
+    </dgm:style>
+  </dgm:styleLbl>
+  <dgm:styleLbl name="callout">
+    <dgm:scene3d>
+      <a:camera prst="orthographicFront"/>
+      <a:lightRig rig="threePt" dir="t"/>
+    </dgm:scene3d>
+    <dgm:sp3d/>
+    <dgm:txPr/>
+    <dgm:style>
+      <a:lnRef idx="2">
+        <a:scrgbClr r="0" g="0" b="0"/>
+      </a:lnRef>
+      <a:fillRef idx="1">
+        <a:scrgbClr r="0" g="0" b="0"/>
+      </a:fillRef>
+      <a:effectRef idx="0">
+        <a:scrgbClr r="0" g="0" b="0"/>
+      </a:effectRef>
+      <a:fontRef idx="minor"/>
+    </dgm:style>
+  </dgm:styleLbl>
+  <dgm:styleLbl name="asst0">
+    <dgm:scene3d>
+      <a:camera prst="orthographicFront"/>
+      <a:lightRig rig="threePt" dir="t"/>
+    </dgm:scene3d>
+    <dgm:sp3d/>
+    <dgm:txPr/>
+    <dgm:style>
+      <a:lnRef idx="2">
+        <a:scrgbClr r="0" g="0" b="0"/>
+      </a:lnRef>
+      <a:fillRef idx="1">
+        <a:scrgbClr r="0" g="0" b="0"/>
+      </a:fillRef>
+      <a:effectRef idx="0">
+        <a:scrgbClr r="0" g="0" b="0"/>
+      </a:effectRef>
+      <a:fontRef idx="minor">
+        <a:schemeClr val="lt1"/>
+      </a:fontRef>
+    </dgm:style>
+  </dgm:styleLbl>
+  <dgm:styleLbl name="asst1">
+    <dgm:scene3d>
+      <a:camera prst="orthographicFront"/>
+      <a:lightRig rig="threePt" dir="t"/>
+    </dgm:scene3d>
+    <dgm:sp3d/>
+    <dgm:txPr/>
+    <dgm:style>
+      <a:lnRef idx="2">
+        <a:scrgbClr r="0" g="0" b="0"/>
+      </a:lnRef>
+      <a:fillRef idx="1">
+        <a:scrgbClr r="0" g="0" b="0"/>
+      </a:fillRef>
+      <a:effectRef idx="0">
+        <a:scrgbClr r="0" g="0" b="0"/>
+      </a:effectRef>
+      <a:fontRef idx="minor">
+        <a:schemeClr val="lt1"/>
+      </a:fontRef>
+    </dgm:style>
+  </dgm:styleLbl>
+  <dgm:styleLbl name="asst2">
+    <dgm:scene3d>
+      <a:camera prst="orthographicFront"/>
+      <a:lightRig rig="threePt" dir="t"/>
+    </dgm:scene3d>
+    <dgm:sp3d/>
+    <dgm:txPr/>
+    <dgm:style>
+      <a:lnRef idx="2">
+        <a:scrgbClr r="0" g="0" b="0"/>
+      </a:lnRef>
+      <a:fillRef idx="1">
+        <a:scrgbClr r="0" g="0" b="0"/>
+      </a:fillRef>
+      <a:effectRef idx="0">
+        <a:scrgbClr r="0" g="0" b="0"/>
+      </a:effectRef>
+      <a:fontRef idx="minor">
+        <a:schemeClr val="lt1"/>
+      </a:fontRef>
+    </dgm:style>
+  </dgm:styleLbl>
+  <dgm:styleLbl name="asst3">
+    <dgm:scene3d>
+      <a:camera prst="orthographicFront"/>
+      <a:lightRig rig="threePt" dir="t"/>
+    </dgm:scene3d>
+    <dgm:sp3d/>
+    <dgm:txPr/>
+    <dgm:style>
+      <a:lnRef idx="2">
+        <a:scrgbClr r="0" g="0" b="0"/>
+      </a:lnRef>
+      <a:fillRef idx="1">
+        <a:scrgbClr r="0" g="0" b="0"/>
+      </a:fillRef>
+      <a:effectRef idx="0">
+        <a:scrgbClr r="0" g="0" b="0"/>
+      </a:effectRef>
+      <a:fontRef idx="minor">
+        <a:schemeClr val="lt1"/>
+      </a:fontRef>
+    </dgm:style>
+  </dgm:styleLbl>
+  <dgm:styleLbl name="asst4">
+    <dgm:scene3d>
+      <a:camera prst="orthographicFront"/>
+      <a:lightRig rig="threePt" dir="t"/>
+    </dgm:scene3d>
+    <dgm:sp3d/>
+    <dgm:txPr/>
+    <dgm:style>
+      <a:lnRef idx="2">
+        <a:scrgbClr r="0" g="0" b="0"/>
+      </a:lnRef>
+      <a:fillRef idx="1">
+        <a:scrgbClr r="0" g="0" b="0"/>
+      </a:fillRef>
+      <a:effectRef idx="0">
+        <a:scrgbClr r="0" g="0" b="0"/>
+      </a:effectRef>
+      <a:fontRef idx="minor">
+        <a:schemeClr val="lt1"/>
+      </a:fontRef>
+    </dgm:style>
+  </dgm:styleLbl>
+  <dgm:styleLbl name="parChTrans2D1">
+    <dgm:scene3d>
+      <a:camera prst="orthographicFront"/>
+      <a:lightRig rig="threePt" dir="t"/>
+    </dgm:scene3d>
+    <dgm:sp3d/>
+    <dgm:txPr/>
+    <dgm:style>
+      <a:lnRef idx="2">
+        <a:scrgbClr r="0" g="0" b="0"/>
+      </a:lnRef>
+      <a:fillRef idx="1">
+        <a:scrgbClr r="0" g="0" b="0"/>
+      </a:fillRef>
+      <a:effectRef idx="0">
+        <a:scrgbClr r="0" g="0" b="0"/>
+      </a:effectRef>
+      <a:fontRef idx="minor">
+        <a:schemeClr val="lt1"/>
+      </a:fontRef>
+    </dgm:style>
+  </dgm:styleLbl>
+  <dgm:styleLbl name="parChTrans2D2">
+    <dgm:scene3d>
+      <a:camera prst="orthographicFront"/>
+      <a:lightRig rig="threePt" dir="t"/>
+    </dgm:scene3d>
+    <dgm:sp3d/>
+    <dgm:txPr/>
+    <dgm:style>
+      <a:lnRef idx="2">
+        <a:scrgbClr r="0" g="0" b="0"/>
+      </a:lnRef>
+      <a:fillRef idx="1">
+        <a:scrgbClr r="0" g="0" b="0"/>
+      </a:fillRef>
+      <a:effectRef idx="0">
+        <a:scrgbClr r="0" g="0" b="0"/>
+      </a:effectRef>
+      <a:fontRef idx="minor">
+        <a:schemeClr val="lt1"/>
+      </a:fontRef>
+    </dgm:style>
+  </dgm:styleLbl>
+  <dgm:styleLbl name="parChTrans2D3">
+    <dgm:scene3d>
+      <a:camera prst="orthographicFront"/>
+      <a:lightRig rig="threePt" dir="t"/>
+    </dgm:scene3d>
+    <dgm:sp3d/>
+    <dgm:txPr/>
+    <dgm:style>
+      <a:lnRef idx="2">
+        <a:scrgbClr r="0" g="0" b="0"/>
+      </a:lnRef>
+      <a:fillRef idx="1">
+        <a:scrgbClr r="0" g="0" b="0"/>
+      </a:fillRef>
+      <a:effectRef idx="0">
+        <a:scrgbClr r="0" g="0" b="0"/>
+      </a:effectRef>
+      <a:fontRef idx="minor">
+        <a:schemeClr val="lt1"/>
+      </a:fontRef>
+    </dgm:style>
+  </dgm:styleLbl>
+  <dgm:styleLbl name="parChTrans2D4">
+    <dgm:scene3d>
+      <a:camera prst="orthographicFront"/>
+      <a:lightRig rig="threePt" dir="t"/>
+    </dgm:scene3d>
+    <dgm:sp3d/>
+    <dgm:txPr/>
+    <dgm:style>
+      <a:lnRef idx="2">
+        <a:scrgbClr r="0" g="0" b="0"/>
+      </a:lnRef>
+      <a:fillRef idx="1">
+        <a:scrgbClr r="0" g="0" b="0"/>
+      </a:fillRef>
+      <a:effectRef idx="0">
+        <a:scrgbClr r="0" g="0" b="0"/>
+      </a:effectRef>
+      <a:fontRef idx="minor">
+        <a:schemeClr val="lt1"/>
+      </a:fontRef>
+    </dgm:style>
+  </dgm:styleLbl>
+  <dgm:styleLbl name="parChTrans1D1">
+    <dgm:scene3d>
+      <a:camera prst="orthographicFront"/>
+      <a:lightRig rig="threePt" dir="t"/>
+    </dgm:scene3d>
+    <dgm:sp3d/>
+    <dgm:txPr/>
+    <dgm:style>
+      <a:lnRef idx="2">
+        <a:scrgbClr r="0" g="0" b="0"/>
+      </a:lnRef>
+      <a:fillRef idx="0">
+        <a:scrgbClr r="0" g="0" b="0"/>
+      </a:fillRef>
+      <a:effectRef idx="0">
+        <a:scrgbClr r="0" g="0" b="0"/>
+      </a:effectRef>
+      <a:fontRef idx="minor"/>
+    </dgm:style>
+  </dgm:styleLbl>
+  <dgm:styleLbl name="parChTrans1D2">
+    <dgm:scene3d>
+      <a:camera prst="orthographicFront"/>
+      <a:lightRig rig="threePt" dir="t"/>
+    </dgm:scene3d>
+    <dgm:sp3d/>
+    <dgm:txPr/>
+    <dgm:style>
+      <a:lnRef idx="2">
+        <a:scrgbClr r="0" g="0" b="0"/>
+      </a:lnRef>
+      <a:fillRef idx="0">
+        <a:scrgbClr r="0" g="0" b="0"/>
+      </a:fillRef>
+      <a:effectRef idx="0">
+        <a:scrgbClr r="0" g="0" b="0"/>
+      </a:effectRef>
+      <a:fontRef idx="minor"/>
+    </dgm:style>
+  </dgm:styleLbl>
+  <dgm:styleLbl name="parChTrans1D3">
+    <dgm:scene3d>
+      <a:camera prst="orthographicFront"/>
+      <a:lightRig rig="threePt" dir="t"/>
+    </dgm:scene3d>
+    <dgm:sp3d/>
+    <dgm:txPr/>
+    <dgm:style>
+      <a:lnRef idx="2">
+        <a:scrgbClr r="0" g="0" b="0"/>
+      </a:lnRef>
+      <a:fillRef idx="0">
+        <a:scrgbClr r="0" g="0" b="0"/>
+      </a:fillRef>
+      <a:effectRef idx="0">
+        <a:scrgbClr r="0" g="0" b="0"/>
+      </a:effectRef>
+      <a:fontRef idx="minor"/>
+    </dgm:style>
+  </dgm:styleLbl>
+  <dgm:styleLbl name="parChTrans1D4">
+    <dgm:scene3d>
+      <a:camera prst="orthographicFront"/>
+      <a:lightRig rig="threePt" dir="t"/>
+    </dgm:scene3d>
+    <dgm:sp3d/>
+    <dgm:txPr/>
+    <dgm:style>
+      <a:lnRef idx="2">
+        <a:scrgbClr r="0" g="0" b="0"/>
+      </a:lnRef>
+      <a:fillRef idx="0">
+        <a:scrgbClr r="0" g="0" b="0"/>
+      </a:fillRef>
+      <a:effectRef idx="0">
+        <a:scrgbClr r="0" g="0" b="0"/>
+      </a:effectRef>
+      <a:fontRef idx="minor"/>
+    </dgm:style>
+  </dgm:styleLbl>
+  <dgm:styleLbl name="fgAcc1">
+    <dgm:scene3d>
+      <a:camera prst="orthographicFront"/>
+      <a:lightRig rig="threePt" dir="t"/>
+    </dgm:scene3d>
+    <dgm:sp3d/>
+    <dgm:txPr/>
+    <dgm:style>
+      <a:lnRef idx="2">
+        <a:scrgbClr r="0" g="0" b="0"/>
+      </a:lnRef>
+      <a:fillRef idx="1">
+        <a:scrgbClr r="0" g="0" b="0"/>
+      </a:fillRef>
+      <a:effectRef idx="0">
+        <a:scrgbClr r="0" g="0" b="0"/>
+      </a:effectRef>
+      <a:fontRef idx="minor"/>
+    </dgm:style>
+  </dgm:styleLbl>
+  <dgm:styleLbl name="conFgAcc1">
+    <dgm:scene3d>
+      <a:camera prst="orthographicFront"/>
+      <a:lightRig rig="threePt" dir="t"/>
+    </dgm:scene3d>
+    <dgm:sp3d/>
+    <dgm:txPr/>
+    <dgm:style>
+      <a:lnRef idx="2">
+        <a:scrgbClr r="0" g="0" b="0"/>
+      </a:lnRef>
+      <a:fillRef idx="1">
+        <a:scrgbClr r="0" g="0" b="0"/>
+      </a:fillRef>
+      <a:effectRef idx="0">
+        <a:scrgbClr r="0" g="0" b="0"/>
+      </a:effectRef>
+      <a:fontRef idx="minor"/>
+    </dgm:style>
+  </dgm:styleLbl>
+  <dgm:styleLbl name="alignAcc1">
+    <dgm:scene3d>
+      <a:camera prst="orthographicFront"/>
+      <a:lightRig rig="threePt" dir="t"/>
+    </dgm:scene3d>
+    <dgm:sp3d/>
+    <dgm:txPr/>
+    <dgm:style>
+      <a:lnRef idx="2">
+        <a:scrgbClr r="0" g="0" b="0"/>
+      </a:lnRef>
+      <a:fillRef idx="1">
+        <a:scrgbClr r="0" g="0" b="0"/>
+      </a:fillRef>
+      <a:effectRef idx="0">
+        <a:scrgbClr r="0" g="0" b="0"/>
+      </a:effectRef>
+      <a:fontRef idx="minor"/>
+    </dgm:style>
+  </dgm:styleLbl>
+  <dgm:styleLbl name="trAlignAcc1">
+    <dgm:scene3d>
+      <a:camera prst="orthographicFront"/>
+      <a:lightRig rig="threePt" dir="t"/>
+    </dgm:scene3d>
+    <dgm:sp3d/>
+    <dgm:txPr/>
+    <dgm:style>
+      <a:lnRef idx="1">
+        <a:scrgbClr r="0" g="0" b="0"/>
+      </a:lnRef>
+      <a:fillRef idx="1">
+        <a:scrgbClr r="0" g="0" b="0"/>
+      </a:fillRef>
+      <a:effectRef idx="0">
+        <a:scrgbClr r="0" g="0" b="0"/>
+      </a:effectRef>
+      <a:fontRef idx="minor"/>
+    </dgm:style>
+  </dgm:styleLbl>
+  <dgm:styleLbl name="bgAcc1">
+    <dgm:scene3d>
+      <a:camera prst="orthographicFront"/>
+      <a:lightRig rig="threePt" dir="t"/>
+    </dgm:scene3d>
+    <dgm:sp3d/>
+    <dgm:txPr/>
+    <dgm:style>
+      <a:lnRef idx="2">
+        <a:scrgbClr r="0" g="0" b="0"/>
+      </a:lnRef>
+      <a:fillRef idx="1">
+        <a:scrgbClr r="0" g="0" b="0"/>
+      </a:fillRef>
+      <a:effectRef idx="0">
+        <a:scrgbClr r="0" g="0" b="0"/>
+      </a:effectRef>
+      <a:fontRef idx="minor"/>
+    </dgm:style>
+  </dgm:styleLbl>
+  <dgm:styleLbl name="solidFgAcc1">
+    <dgm:scene3d>
+      <a:camera prst="orthographicFront"/>
+      <a:lightRig rig="threePt" dir="t"/>
+    </dgm:scene3d>
+    <dgm:sp3d/>
+    <dgm:txPr/>
+    <dgm:style>
+      <a:lnRef idx="2">
+        <a:scrgbClr r="0" g="0" b="0"/>
+      </a:lnRef>
+      <a:fillRef idx="1">
+        <a:scrgbClr r="0" g="0" b="0"/>
+      </a:fillRef>
+      <a:effectRef idx="0">
+        <a:scrgbClr r="0" g="0" b="0"/>
+      </a:effectRef>
+      <a:fontRef idx="minor"/>
+    </dgm:style>
+  </dgm:styleLbl>
+  <dgm:styleLbl name="solidAlignAcc1">
+    <dgm:scene3d>
+      <a:camera prst="orthographicFront"/>
+      <a:lightRig rig="threePt" dir="t"/>
+    </dgm:scene3d>
+    <dgm:sp3d/>
+    <dgm:txPr/>
+    <dgm:style>
+      <a:lnRef idx="2">
+        <a:scrgbClr r="0" g="0" b="0"/>
+      </a:lnRef>
+      <a:fillRef idx="1">
+        <a:scrgbClr r="0" g="0" b="0"/>
+      </a:fillRef>
+      <a:effectRef idx="0">
+        <a:scrgbClr r="0" g="0" b="0"/>
+      </a:effectRef>
+      <a:fontRef idx="minor"/>
+    </dgm:style>
+  </dgm:styleLbl>
+  <dgm:styleLbl name="solidBgAcc1">
+    <dgm:scene3d>
+      <a:camera prst="orthographicFront"/>
+      <a:lightRig rig="threePt" dir="t"/>
+    </dgm:scene3d>
+    <dgm:sp3d/>
+    <dgm:txPr/>
+    <dgm:style>
+      <a:lnRef idx="2">
+        <a:scrgbClr r="0" g="0" b="0"/>
+      </a:lnRef>
+      <a:fillRef idx="1">
+        <a:scrgbClr r="0" g="0" b="0"/>
+      </a:fillRef>
+      <a:effectRef idx="0">
+        <a:scrgbClr r="0" g="0" b="0"/>
+      </a:effectRef>
+      <a:fontRef idx="minor"/>
+    </dgm:style>
+  </dgm:styleLbl>
+  <dgm:styleLbl name="fgAccFollowNode1">
+    <dgm:scene3d>
+      <a:camera prst="orthographicFront"/>
+      <a:lightRig rig="threePt" dir="t"/>
+    </dgm:scene3d>
+    <dgm:sp3d/>
+    <dgm:txPr/>
+    <dgm:style>
+      <a:lnRef idx="2">
+        <a:scrgbClr r="0" g="0" b="0"/>
+      </a:lnRef>
+      <a:fillRef idx="1">
+        <a:scrgbClr r="0" g="0" b="0"/>
+      </a:fillRef>
+      <a:effectRef idx="0">
+        <a:scrgbClr r="0" g="0" b="0"/>
+      </a:effectRef>
+      <a:fontRef idx="minor"/>
+    </dgm:style>
+  </dgm:styleLbl>
+  <dgm:styleLbl name="alignAccFollowNode1">
+    <dgm:scene3d>
+      <a:camera prst="orthographicFront"/>
+      <a:lightRig rig="threePt" dir="t"/>
+    </dgm:scene3d>
+    <dgm:sp3d/>
+    <dgm:txPr/>
+    <dgm:style>
+      <a:lnRef idx="2">
+        <a:scrgbClr r="0" g="0" b="0"/>
+      </a:lnRef>
+      <a:fillRef idx="1">
+        <a:scrgbClr r="0" g="0" b="0"/>
+      </a:fillRef>
+      <a:effectRef idx="0">
+        <a:scrgbClr r="0" g="0" b="0"/>
+      </a:effectRef>
+      <a:fontRef idx="minor"/>
+    </dgm:style>
+  </dgm:styleLbl>
+  <dgm:styleLbl name="bgAccFollowNode1">
+    <dgm:scene3d>
+      <a:camera prst="orthographicFront"/>
+      <a:lightRig rig="threePt" dir="t"/>
+    </dgm:scene3d>
+    <dgm:sp3d/>
+    <dgm:txPr/>
+    <dgm:style>
+      <a:lnRef idx="2">
+        <a:scrgbClr r="0" g="0" b="0"/>
+      </a:lnRef>
+      <a:fillRef idx="1">
+        <a:scrgbClr r="0" g="0" b="0"/>
+      </a:fillRef>
+      <a:effectRef idx="0">
+        <a:scrgbClr r="0" g="0" b="0"/>
+      </a:effectRef>
+      <a:fontRef idx="minor"/>
+    </dgm:style>
+  </dgm:styleLbl>
+  <dgm:styleLbl name="fgAcc0">
+    <dgm:scene3d>
+      <a:camera prst="orthographicFront"/>
+      <a:lightRig rig="threePt" dir="t"/>
+    </dgm:scene3d>
+    <dgm:sp3d/>
+    <dgm:txPr/>
+    <dgm:style>
+      <a:lnRef idx="2">
+        <a:scrgbClr r="0" g="0" b="0"/>
+      </a:lnRef>
+      <a:fillRef idx="1">
+        <a:scrgbClr r="0" g="0" b="0"/>
+      </a:fillRef>
+      <a:effectRef idx="0">
+        <a:scrgbClr r="0" g="0" b="0"/>
+      </a:effectRef>
+      <a:fontRef idx="minor"/>
+    </dgm:style>
+  </dgm:styleLbl>
+  <dgm:styleLbl name="fgAcc2">
+    <dgm:scene3d>
+      <a:camera prst="orthographicFront"/>
+      <a:lightRig rig="threePt" dir="t"/>
+    </dgm:scene3d>
+    <dgm:sp3d/>
+    <dgm:txPr/>
+    <dgm:style>
+      <a:lnRef idx="2">
+        <a:scrgbClr r="0" g="0" b="0"/>
+      </a:lnRef>
+      <a:fillRef idx="1">
+        <a:scrgbClr r="0" g="0" b="0"/>
+      </a:fillRef>
+      <a:effectRef idx="0">
+        <a:scrgbClr r="0" g="0" b="0"/>
+      </a:effectRef>
+      <a:fontRef idx="minor"/>
+    </dgm:style>
+  </dgm:styleLbl>
+  <dgm:styleLbl name="fgAcc3">
+    <dgm:scene3d>
+      <a:camera prst="orthographicFront"/>
+      <a:lightRig rig="threePt" dir="t"/>
+    </dgm:scene3d>
+    <dgm:sp3d/>
+    <dgm:txPr/>
+    <dgm:style>
+      <a:lnRef idx="2">
+        <a:scrgbClr r="0" g="0" b="0"/>
+      </a:lnRef>
+      <a:fillRef idx="1">
+        <a:scrgbClr r="0" g="0" b="0"/>
+      </a:fillRef>
+      <a:effectRef idx="0">
+        <a:scrgbClr r="0" g="0" b="0"/>
+      </a:effectRef>
+      <a:fontRef idx="minor"/>
+    </dgm:style>
+  </dgm:styleLbl>
+  <dgm:styleLbl name="fgAcc4">
+    <dgm:scene3d>
+      <a:camera prst="orthographicFront"/>
+      <a:lightRig rig="threePt" dir="t"/>
+    </dgm:scene3d>
+    <dgm:sp3d/>
+    <dgm:txPr/>
+    <dgm:style>
+      <a:lnRef idx="2">
+        <a:scrgbClr r="0" g="0" b="0"/>
+      </a:lnRef>
+      <a:fillRef idx="1">
+        <a:scrgbClr r="0" g="0" b="0"/>
+      </a:fillRef>
+      <a:effectRef idx="0">
+        <a:scrgbClr r="0" g="0" b="0"/>
+      </a:effectRef>
+      <a:fontRef idx="minor"/>
+    </dgm:style>
+  </dgm:styleLbl>
+  <dgm:styleLbl name="bgShp">
+    <dgm:scene3d>
+      <a:camera prst="orthographicFront"/>
+      <a:lightRig rig="threePt" dir="t"/>
+    </dgm:scene3d>
+    <dgm:sp3d/>
+    <dgm:txPr/>
+    <dgm:style>
+      <a:lnRef idx="0">
+        <a:scrgbClr r="0" g="0" b="0"/>
+      </a:lnRef>
+      <a:fillRef idx="1">
+        <a:scrgbClr r="0" g="0" b="0"/>
+      </a:fillRef>
+      <a:effectRef idx="0">
+        <a:scrgbClr r="0" g="0" b="0"/>
+      </a:effectRef>
+      <a:fontRef idx="minor"/>
+    </dgm:style>
+  </dgm:styleLbl>
+  <dgm:styleLbl name="dkBgShp">
+    <dgm:scene3d>
+      <a:camera prst="orthographicFront"/>
+      <a:lightRig rig="threePt" dir="t"/>
+    </dgm:scene3d>
+    <dgm:sp3d/>
+    <dgm:txPr/>
+    <dgm:style>
+      <a:lnRef idx="0">
+        <a:scrgbClr r="0" g="0" b="0"/>
+      </a:lnRef>
+      <a:fillRef idx="1">
+        <a:scrgbClr r="0" g="0" b="0"/>
+      </a:fillRef>
+      <a:effectRef idx="0">
+        <a:scrgbClr r="0" g="0" b="0"/>
+      </a:effectRef>
+      <a:fontRef idx="minor"/>
+    </dgm:style>
+  </dgm:styleLbl>
+  <dgm:styleLbl name="trBgShp">
+    <dgm:scene3d>
+      <a:camera prst="orthographicFront"/>
+      <a:lightRig rig="threePt" dir="t"/>
+    </dgm:scene3d>
+    <dgm:sp3d/>
+    <dgm:txPr/>
+    <dgm:style>
+      <a:lnRef idx="0">
+        <a:scrgbClr r="0" g="0" b="0"/>
+      </a:lnRef>
+      <a:fillRef idx="1">
+        <a:scrgbClr r="0" g="0" b="0"/>
+      </a:fillRef>
+      <a:effectRef idx="0">
+        <a:scrgbClr r="0" g="0" b="0"/>
+      </a:effectRef>
+      <a:fontRef idx="minor"/>
+    </dgm:style>
+  </dgm:styleLbl>
+  <dgm:styleLbl name="fgShp">
+    <dgm:scene3d>
+      <a:camera prst="orthographicFront"/>
+      <a:lightRig rig="threePt" dir="t"/>
+    </dgm:scene3d>
+    <dgm:sp3d/>
+    <dgm:txPr/>
+    <dgm:style>
+      <a:lnRef idx="2">
+        <a:scrgbClr r="0" g="0" b="0"/>
+      </a:lnRef>
+      <a:fillRef idx="1">
+        <a:scrgbClr r="0" g="0" b="0"/>
+      </a:fillRef>
+      <a:effectRef idx="0">
+        <a:scrgbClr r="0" g="0" b="0"/>
+      </a:effectRef>
+      <a:fontRef idx="minor"/>
+    </dgm:style>
+  </dgm:styleLbl>
+  <dgm:styleLbl name="revTx">
+    <dgm:scene3d>
+      <a:camera prst="orthographicFront"/>
+      <a:lightRig rig="threePt" dir="t"/>
+    </dgm:scene3d>
+    <dgm:sp3d/>
+    <dgm:txPr/>
+    <dgm:style>
+      <a:lnRef idx="0">
+        <a:scrgbClr r="0" g="0" b="0"/>
+      </a:lnRef>
+      <a:fillRef idx="0">
+        <a:scrgbClr r="0" g="0" b="0"/>
+      </a:fillRef>
+      <a:effectRef idx="0">
+        <a:scrgbClr r="0" g="0" b="0"/>
+      </a:effectRef>
+      <a:fontRef idx="minor"/>
+    </dgm:style>
+  </dgm:styleLbl>
+</dgm:styleDef>
+</file>
+
 <file path=ppt/slideLayouts/slideLayout1.xml><?xml version="1.0" encoding="utf-8"?>
 <p:sldLayout xmlns:a="http://schemas.openxmlformats.org/drawingml/2006/main" xmlns:r="http://schemas.openxmlformats.org/officeDocument/2006/relationships" xmlns:p="http://schemas.openxmlformats.org/presentationml/2006/main" showMasterSp="0" type="title" preserve="1">
   <p:cSld name="Title Slide">
@@ -290,7 +3568,7 @@
           <a:p>
             <a:fld id="{2FBAC110-908E-4E2F-BBF2-79A09E6C2900}" type="datetimeFigureOut">
               <a:rPr lang="en-US" smtClean="0"/>
-              <a:t>4/10/2020</a:t>
+              <a:t>6/3/2020</a:t>
             </a:fld>
             <a:endParaRPr lang="en-US"/>
           </a:p>
@@ -620,7 +3898,7 @@
           <a:p>
             <a:fld id="{2FBAC110-908E-4E2F-BBF2-79A09E6C2900}" type="datetimeFigureOut">
               <a:rPr lang="en-US" smtClean="0"/>
-              <a:t>4/10/2020</a:t>
+              <a:t>6/3/2020</a:t>
             </a:fld>
             <a:endParaRPr lang="en-US"/>
           </a:p>
@@ -800,7 +4078,7 @@
           <a:p>
             <a:fld id="{2FBAC110-908E-4E2F-BBF2-79A09E6C2900}" type="datetimeFigureOut">
               <a:rPr lang="en-US" smtClean="0"/>
-              <a:t>4/10/2020</a:t>
+              <a:t>6/3/2020</a:t>
             </a:fld>
             <a:endParaRPr lang="en-US"/>
           </a:p>
@@ -970,7 +4248,7 @@
           <a:p>
             <a:fld id="{2FBAC110-908E-4E2F-BBF2-79A09E6C2900}" type="datetimeFigureOut">
               <a:rPr lang="en-US" smtClean="0"/>
-              <a:t>4/10/2020</a:t>
+              <a:t>6/3/2020</a:t>
             </a:fld>
             <a:endParaRPr lang="en-US"/>
           </a:p>
@@ -1247,7 +4525,7 @@
           <a:p>
             <a:fld id="{2FBAC110-908E-4E2F-BBF2-79A09E6C2900}" type="datetimeFigureOut">
               <a:rPr lang="en-US" smtClean="0"/>
-              <a:t>4/10/2020</a:t>
+              <a:t>6/3/2020</a:t>
             </a:fld>
             <a:endParaRPr lang="en-US"/>
           </a:p>
@@ -1641,7 +4919,7 @@
           <a:p>
             <a:fld id="{2FBAC110-908E-4E2F-BBF2-79A09E6C2900}" type="datetimeFigureOut">
               <a:rPr lang="en-US" smtClean="0"/>
-              <a:t>4/10/2020</a:t>
+              <a:t>6/3/2020</a:t>
             </a:fld>
             <a:endParaRPr lang="en-US"/>
           </a:p>
@@ -2118,7 +5396,7 @@
           <a:p>
             <a:fld id="{2FBAC110-908E-4E2F-BBF2-79A09E6C2900}" type="datetimeFigureOut">
               <a:rPr lang="en-US" smtClean="0"/>
-              <a:t>4/10/2020</a:t>
+              <a:t>6/3/2020</a:t>
             </a:fld>
             <a:endParaRPr lang="en-US"/>
           </a:p>
@@ -2236,7 +5514,7 @@
           <a:p>
             <a:fld id="{2FBAC110-908E-4E2F-BBF2-79A09E6C2900}" type="datetimeFigureOut">
               <a:rPr lang="en-US" smtClean="0"/>
-              <a:t>4/10/2020</a:t>
+              <a:t>6/3/2020</a:t>
             </a:fld>
             <a:endParaRPr lang="en-US"/>
           </a:p>
@@ -2331,7 +5609,7 @@
           <a:p>
             <a:fld id="{2FBAC110-908E-4E2F-BBF2-79A09E6C2900}" type="datetimeFigureOut">
               <a:rPr lang="en-US" smtClean="0"/>
-              <a:t>4/10/2020</a:t>
+              <a:t>6/3/2020</a:t>
             </a:fld>
             <a:endParaRPr lang="en-US"/>
           </a:p>
@@ -2677,7 +5955,7 @@
           <a:p>
             <a:fld id="{2FBAC110-908E-4E2F-BBF2-79A09E6C2900}" type="datetimeFigureOut">
               <a:rPr lang="en-US" smtClean="0"/>
-              <a:t>4/10/2020</a:t>
+              <a:t>6/3/2020</a:t>
             </a:fld>
             <a:endParaRPr lang="en-US"/>
           </a:p>
@@ -3065,7 +6343,7 @@
           <a:p>
             <a:fld id="{2FBAC110-908E-4E2F-BBF2-79A09E6C2900}" type="datetimeFigureOut">
               <a:rPr lang="en-US" smtClean="0"/>
-              <a:t>4/10/2020</a:t>
+              <a:t>6/3/2020</a:t>
             </a:fld>
             <a:endParaRPr lang="en-US"/>
           </a:p>
@@ -3343,7 +6621,7 @@
           <a:p>
             <a:fld id="{2FBAC110-908E-4E2F-BBF2-79A09E6C2900}" type="datetimeFigureOut">
               <a:rPr lang="en-US" smtClean="0"/>
-              <a:t>4/10/2020</a:t>
+              <a:t>6/3/2020</a:t>
             </a:fld>
             <a:endParaRPr lang="en-US"/>
           </a:p>
@@ -3954,6 +7232,255 @@
           <p:cNvPr id="2" name="Title 1">
             <a:extLst>
               <a:ext uri="{FF2B5EF4-FFF2-40B4-BE49-F238E27FC236}">
+                <a16:creationId xmlns:a16="http://schemas.microsoft.com/office/drawing/2014/main" id="{4F207B92-CEB6-4BBE-8436-AD5DCD279DCD}"/>
+              </a:ext>
+            </a:extLst>
+          </p:cNvPr>
+          <p:cNvSpPr>
+            <a:spLocks noGrp="1"/>
+          </p:cNvSpPr>
+          <p:nvPr>
+            <p:ph type="title"/>
+          </p:nvPr>
+        </p:nvSpPr>
+        <p:spPr/>
+        <p:txBody>
+          <a:bodyPr/>
+          <a:lstStyle/>
+          <a:p>
+            <a:r>
+              <a:rPr lang="en-US" dirty="0"/>
+              <a:t>Naïve Bayes Model</a:t>
+            </a:r>
+          </a:p>
+        </p:txBody>
+      </p:sp>
+      <p:sp>
+        <p:nvSpPr>
+          <p:cNvPr id="3" name="Content Placeholder 2">
+            <a:extLst>
+              <a:ext uri="{FF2B5EF4-FFF2-40B4-BE49-F238E27FC236}">
+                <a16:creationId xmlns:a16="http://schemas.microsoft.com/office/drawing/2014/main" id="{6DEA3A57-BEA2-47D9-A2C0-E77A8C0C8208}"/>
+              </a:ext>
+            </a:extLst>
+          </p:cNvPr>
+          <p:cNvSpPr>
+            <a:spLocks noGrp="1"/>
+          </p:cNvSpPr>
+          <p:nvPr>
+            <p:ph idx="1"/>
+          </p:nvPr>
+        </p:nvSpPr>
+        <p:spPr/>
+        <p:txBody>
+          <a:bodyPr/>
+          <a:lstStyle/>
+          <a:p>
+            <a:endParaRPr lang="en-US"/>
+          </a:p>
+        </p:txBody>
+      </p:sp>
+    </p:spTree>
+    <p:extLst>
+      <p:ext uri="{BB962C8B-B14F-4D97-AF65-F5344CB8AC3E}">
+        <p14:creationId xmlns:p14="http://schemas.microsoft.com/office/powerpoint/2010/main" val="1914384243"/>
+      </p:ext>
+    </p:extLst>
+  </p:cSld>
+  <p:clrMapOvr>
+    <a:masterClrMapping/>
+  </p:clrMapOvr>
+</p:sld>
+</file>
+
+<file path=ppt/slides/slide11.xml><?xml version="1.0" encoding="utf-8"?>
+<p:sld xmlns:a="http://schemas.openxmlformats.org/drawingml/2006/main" xmlns:r="http://schemas.openxmlformats.org/officeDocument/2006/relationships" xmlns:p="http://schemas.openxmlformats.org/presentationml/2006/main">
+  <p:cSld>
+    <p:spTree>
+      <p:nvGrpSpPr>
+        <p:cNvPr id="1" name=""/>
+        <p:cNvGrpSpPr/>
+        <p:nvPr/>
+      </p:nvGrpSpPr>
+      <p:grpSpPr>
+        <a:xfrm>
+          <a:off x="0" y="0"/>
+          <a:ext cx="0" cy="0"/>
+          <a:chOff x="0" y="0"/>
+          <a:chExt cx="0" cy="0"/>
+        </a:xfrm>
+      </p:grpSpPr>
+      <p:sp>
+        <p:nvSpPr>
+          <p:cNvPr id="2" name="Title 1">
+            <a:extLst>
+              <a:ext uri="{FF2B5EF4-FFF2-40B4-BE49-F238E27FC236}">
+                <a16:creationId xmlns:a16="http://schemas.microsoft.com/office/drawing/2014/main" id="{EA937B4D-6FD6-4BC7-AE20-CFFDA00176A4}"/>
+              </a:ext>
+            </a:extLst>
+          </p:cNvPr>
+          <p:cNvSpPr>
+            <a:spLocks noGrp="1"/>
+          </p:cNvSpPr>
+          <p:nvPr>
+            <p:ph type="title"/>
+          </p:nvPr>
+        </p:nvSpPr>
+        <p:spPr/>
+        <p:txBody>
+          <a:bodyPr/>
+          <a:lstStyle/>
+          <a:p>
+            <a:r>
+              <a:rPr lang="en-US" dirty="0"/>
+              <a:t>Challenges</a:t>
+            </a:r>
+          </a:p>
+        </p:txBody>
+      </p:sp>
+      <p:sp>
+        <p:nvSpPr>
+          <p:cNvPr id="3" name="Content Placeholder 2">
+            <a:extLst>
+              <a:ext uri="{FF2B5EF4-FFF2-40B4-BE49-F238E27FC236}">
+                <a16:creationId xmlns:a16="http://schemas.microsoft.com/office/drawing/2014/main" id="{23BB1713-D6AB-4673-B1F7-07C0814076EC}"/>
+              </a:ext>
+            </a:extLst>
+          </p:cNvPr>
+          <p:cNvSpPr>
+            <a:spLocks noGrp="1"/>
+          </p:cNvSpPr>
+          <p:nvPr>
+            <p:ph idx="1"/>
+          </p:nvPr>
+        </p:nvSpPr>
+        <p:spPr/>
+        <p:txBody>
+          <a:bodyPr/>
+          <a:lstStyle/>
+          <a:p>
+            <a:endParaRPr lang="en-US"/>
+          </a:p>
+        </p:txBody>
+      </p:sp>
+    </p:spTree>
+    <p:extLst>
+      <p:ext uri="{BB962C8B-B14F-4D97-AF65-F5344CB8AC3E}">
+        <p14:creationId xmlns:p14="http://schemas.microsoft.com/office/powerpoint/2010/main" val="350392171"/>
+      </p:ext>
+    </p:extLst>
+  </p:cSld>
+  <p:clrMapOvr>
+    <a:masterClrMapping/>
+  </p:clrMapOvr>
+</p:sld>
+</file>
+
+<file path=ppt/slides/slide12.xml><?xml version="1.0" encoding="utf-8"?>
+<p:sld xmlns:a="http://schemas.openxmlformats.org/drawingml/2006/main" xmlns:r="http://schemas.openxmlformats.org/officeDocument/2006/relationships" xmlns:p="http://schemas.openxmlformats.org/presentationml/2006/main">
+  <p:cSld>
+    <p:spTree>
+      <p:nvGrpSpPr>
+        <p:cNvPr id="1" name=""/>
+        <p:cNvGrpSpPr/>
+        <p:nvPr/>
+      </p:nvGrpSpPr>
+      <p:grpSpPr>
+        <a:xfrm>
+          <a:off x="0" y="0"/>
+          <a:ext cx="0" cy="0"/>
+          <a:chOff x="0" y="0"/>
+          <a:chExt cx="0" cy="0"/>
+        </a:xfrm>
+      </p:grpSpPr>
+      <p:sp>
+        <p:nvSpPr>
+          <p:cNvPr id="2" name="Title 1">
+            <a:extLst>
+              <a:ext uri="{FF2B5EF4-FFF2-40B4-BE49-F238E27FC236}">
+                <a16:creationId xmlns:a16="http://schemas.microsoft.com/office/drawing/2014/main" id="{11F196E2-2B7D-4C0F-86A5-4F324CD3C545}"/>
+              </a:ext>
+            </a:extLst>
+          </p:cNvPr>
+          <p:cNvSpPr>
+            <a:spLocks noGrp="1"/>
+          </p:cNvSpPr>
+          <p:nvPr>
+            <p:ph type="title"/>
+          </p:nvPr>
+        </p:nvSpPr>
+        <p:spPr/>
+        <p:txBody>
+          <a:bodyPr/>
+          <a:lstStyle/>
+          <a:p>
+            <a:r>
+              <a:rPr lang="en-US" dirty="0"/>
+              <a:t>Conclusion</a:t>
+            </a:r>
+          </a:p>
+        </p:txBody>
+      </p:sp>
+      <p:sp>
+        <p:nvSpPr>
+          <p:cNvPr id="3" name="Content Placeholder 2">
+            <a:extLst>
+              <a:ext uri="{FF2B5EF4-FFF2-40B4-BE49-F238E27FC236}">
+                <a16:creationId xmlns:a16="http://schemas.microsoft.com/office/drawing/2014/main" id="{7F91B946-5E39-4B1F-9074-3F1BD35FE13A}"/>
+              </a:ext>
+            </a:extLst>
+          </p:cNvPr>
+          <p:cNvSpPr>
+            <a:spLocks noGrp="1"/>
+          </p:cNvSpPr>
+          <p:nvPr>
+            <p:ph idx="1"/>
+          </p:nvPr>
+        </p:nvSpPr>
+        <p:spPr/>
+        <p:txBody>
+          <a:bodyPr/>
+          <a:lstStyle/>
+          <a:p>
+            <a:endParaRPr lang="en-US"/>
+          </a:p>
+        </p:txBody>
+      </p:sp>
+    </p:spTree>
+    <p:extLst>
+      <p:ext uri="{BB962C8B-B14F-4D97-AF65-F5344CB8AC3E}">
+        <p14:creationId xmlns:p14="http://schemas.microsoft.com/office/powerpoint/2010/main" val="3719162611"/>
+      </p:ext>
+    </p:extLst>
+  </p:cSld>
+  <p:clrMapOvr>
+    <a:masterClrMapping/>
+  </p:clrMapOvr>
+</p:sld>
+</file>
+
+<file path=ppt/slides/slide13.xml><?xml version="1.0" encoding="utf-8"?>
+<p:sld xmlns:a="http://schemas.openxmlformats.org/drawingml/2006/main" xmlns:r="http://schemas.openxmlformats.org/officeDocument/2006/relationships" xmlns:p="http://schemas.openxmlformats.org/presentationml/2006/main">
+  <p:cSld>
+    <p:spTree>
+      <p:nvGrpSpPr>
+        <p:cNvPr id="1" name=""/>
+        <p:cNvGrpSpPr/>
+        <p:nvPr/>
+      </p:nvGrpSpPr>
+      <p:grpSpPr>
+        <a:xfrm>
+          <a:off x="0" y="0"/>
+          <a:ext cx="0" cy="0"/>
+          <a:chOff x="0" y="0"/>
+          <a:chExt cx="0" cy="0"/>
+        </a:xfrm>
+      </p:grpSpPr>
+      <p:sp>
+        <p:nvSpPr>
+          <p:cNvPr id="2" name="Title 1">
+            <a:extLst>
+              <a:ext uri="{FF2B5EF4-FFF2-40B4-BE49-F238E27FC236}">
                 <a16:creationId xmlns:a16="http://schemas.microsoft.com/office/drawing/2014/main" id="{0B2F0FE7-5D0E-4416-A282-E1F8C679E644}"/>
               </a:ext>
             </a:extLst>
@@ -3995,8 +7522,128 @@
         </p:nvSpPr>
         <p:spPr/>
         <p:txBody>
-          <a:bodyPr/>
+          <a:bodyPr>
+            <a:normAutofit fontScale="70000" lnSpcReduction="20000"/>
+          </a:bodyPr>
           <a:lstStyle/>
+          <a:p>
+            <a:r>
+              <a:rPr lang="en-US" dirty="0" err="1"/>
+              <a:t>Vedantam</a:t>
+            </a:r>
+            <a:r>
+              <a:rPr lang="en-US" dirty="0"/>
+              <a:t>, R., Lawrence </a:t>
+            </a:r>
+            <a:r>
+              <a:rPr lang="en-US" dirty="0" err="1"/>
+              <a:t>Zitnick</a:t>
+            </a:r>
+            <a:r>
+              <a:rPr lang="en-US" dirty="0"/>
+              <a:t>, C., &amp; Parikh, D. (2015). Cider: Consensus-based image description evaluation. In Proceedings of the IEEE conference on computer vision and pattern recognition (pp. 4566-4575).</a:t>
+            </a:r>
+          </a:p>
+          <a:p>
+            <a:r>
+              <a:rPr lang="en-US" dirty="0" err="1"/>
+              <a:t>Hodosh</a:t>
+            </a:r>
+            <a:r>
+              <a:rPr lang="en-US" dirty="0"/>
+              <a:t>, M., Young, P., &amp; </a:t>
+            </a:r>
+            <a:r>
+              <a:rPr lang="en-US" dirty="0" err="1"/>
+              <a:t>Hockenmaier</a:t>
+            </a:r>
+            <a:r>
+              <a:rPr lang="en-US" dirty="0"/>
+              <a:t>, J. (2013). Framing image description as a ranking task: Data, models, and evaluation metrics. Journal of Artificial Intelligence Research, 47, 853-899.</a:t>
+            </a:r>
+          </a:p>
+          <a:p>
+            <a:r>
+              <a:rPr lang="en-US" dirty="0" err="1"/>
+              <a:t>Lebret</a:t>
+            </a:r>
+            <a:r>
+              <a:rPr lang="en-US" dirty="0"/>
+              <a:t>, R., Pinheiro, P. O., &amp; </a:t>
+            </a:r>
+            <a:r>
+              <a:rPr lang="en-US" dirty="0" err="1"/>
+              <a:t>Collobert</a:t>
+            </a:r>
+            <a:r>
+              <a:rPr lang="en-US" dirty="0"/>
+              <a:t>, R. (2014). Simple image description generator via a linear phrase-based approach. </a:t>
+            </a:r>
+            <a:r>
+              <a:rPr lang="en-US" dirty="0" err="1"/>
+              <a:t>arXiv</a:t>
+            </a:r>
+            <a:r>
+              <a:rPr lang="en-US" dirty="0"/>
+              <a:t> preprint arXiv:1412.8419.</a:t>
+            </a:r>
+          </a:p>
+          <a:p>
+            <a:r>
+              <a:rPr lang="en-US" dirty="0"/>
+              <a:t>Elliott, D., &amp; Keller, F. (2014, June). Comparing automatic evaluation measures for image description. In Proceedings of the 52nd Annual Meeting of the Association for Computational Linguistics (Volume 2: Short Papers) (pp. 452-457).</a:t>
+            </a:r>
+          </a:p>
+          <a:p>
+            <a:r>
+              <a:rPr lang="en-US" dirty="0"/>
+              <a:t>“Data For Everyone.” Figure Eight, www.figure-eight.com/data-for-everyone/.</a:t>
+            </a:r>
+          </a:p>
+          <a:p>
+            <a:r>
+              <a:rPr lang="en-US" dirty="0"/>
+              <a:t>“Glossary of Terms.” Figure Eight Success Center, success.figure-eight.com/</a:t>
+            </a:r>
+            <a:r>
+              <a:rPr lang="en-US" dirty="0" err="1"/>
+              <a:t>hc</a:t>
+            </a:r>
+            <a:r>
+              <a:rPr lang="en-US" dirty="0"/>
+              <a:t>/</a:t>
+            </a:r>
+            <a:r>
+              <a:rPr lang="en-US" dirty="0" err="1"/>
+              <a:t>en</a:t>
+            </a:r>
+            <a:r>
+              <a:rPr lang="en-US" dirty="0"/>
+              <a:t>-us/articles/202703305-Glossary-of-Terms.</a:t>
+            </a:r>
+          </a:p>
+          <a:p>
+            <a:r>
+              <a:rPr lang="en-US" dirty="0"/>
+              <a:t>“Image Descriptions - Dataset by Crowdflower.” </a:t>
+            </a:r>
+            <a:r>
+              <a:rPr lang="en-US" dirty="0" err="1"/>
+              <a:t>Data.world</a:t>
+            </a:r>
+            <a:r>
+              <a:rPr lang="en-US" dirty="0"/>
+              <a:t>, 21 Nov. 2016, </a:t>
+            </a:r>
+            <a:r>
+              <a:rPr lang="en-US" dirty="0" err="1"/>
+              <a:t>data.world</a:t>
+            </a:r>
+            <a:r>
+              <a:rPr lang="en-US" dirty="0"/>
+              <a:t>/crowdflower/image-descriptions/workspace/data-dictionary.</a:t>
+            </a:r>
+          </a:p>
           <a:p>
             <a:endParaRPr lang="en-US" dirty="0"/>
           </a:p>
@@ -4055,7 +7702,7 @@
           <a:p>
             <a:r>
               <a:rPr lang="en-US" dirty="0"/>
-              <a:t>Intro</a:t>
+              <a:t>Intro </a:t>
             </a:r>
           </a:p>
         </p:txBody>
@@ -4080,6 +7727,34 @@
         <p:txBody>
           <a:bodyPr/>
           <a:lstStyle/>
+          <a:p>
+            <a:r>
+              <a:rPr lang="en-US" dirty="0"/>
+              <a:t>The image descriptions data set can be obtained from the website </a:t>
+            </a:r>
+            <a:r>
+              <a:rPr lang="en-US" u="sng" dirty="0">
+                <a:hlinkClick r:id="rId2"/>
+              </a:rPr>
+              <a:t>https://www.figure-eight.com/data-for-everyone/</a:t>
+            </a:r>
+            <a:r>
+              <a:rPr lang="en-US" dirty="0"/>
+              <a:t>. </a:t>
+            </a:r>
+          </a:p>
+          <a:p>
+            <a:endParaRPr lang="en-US" dirty="0"/>
+          </a:p>
+          <a:p>
+            <a:r>
+              <a:rPr lang="en-US" dirty="0"/>
+              <a:t>This dataset consists of a set of images, matched words, and a confidence score for each matched pair. Contributors were shown pictures and words and ask to determine whether if the two pairs are relevant to each other. If they match, they are given a score. The confidence score shows how likely the contributor matched the image with the word.</a:t>
+            </a:r>
+          </a:p>
+          <a:p>
+            <a:endParaRPr lang="en-US" dirty="0"/>
+          </a:p>
           <a:p>
             <a:endParaRPr lang="en-US" dirty="0"/>
           </a:p>
@@ -4164,6 +7839,12 @@
           <a:bodyPr/>
           <a:lstStyle/>
           <a:p>
+            <a:r>
+              <a:rPr lang="en-US" dirty="0"/>
+              <a:t>My goal from using this data set is to create a classification algorithm that would be able to predict the best word and image combination. By perfecting the algorithm, we can successfully predict what most of the general public uses to describe images. </a:t>
+            </a:r>
+          </a:p>
+          <a:p>
             <a:endParaRPr lang="en-US" dirty="0"/>
           </a:p>
         </p:txBody>
@@ -4247,7 +7928,45 @@
           <a:bodyPr/>
           <a:lstStyle/>
           <a:p>
-            <a:endParaRPr lang="en-US"/>
+            <a:r>
+              <a:rPr lang="en-US" u="sng" dirty="0" err="1"/>
+              <a:t>CIDEr</a:t>
+            </a:r>
+            <a:r>
+              <a:rPr lang="en-US" u="sng" dirty="0"/>
+              <a:t>: Consensus-Based Image Description Evaluation</a:t>
+            </a:r>
+          </a:p>
+          <a:p>
+            <a:endParaRPr lang="en-US" u="sng" dirty="0"/>
+          </a:p>
+          <a:p>
+            <a:r>
+              <a:rPr lang="en-US" u="sng" dirty="0"/>
+              <a:t>Framing Image Description as a Ranking Task: Data, Models and Evaluation Metrics (Extended Abstract)</a:t>
+            </a:r>
+            <a:endParaRPr lang="en-US" dirty="0"/>
+          </a:p>
+          <a:p>
+            <a:endParaRPr lang="en-US" dirty="0"/>
+          </a:p>
+          <a:p>
+            <a:r>
+              <a:rPr lang="en-US" u="sng" dirty="0"/>
+              <a:t>Simple Image Description Generator Via A Linear Phrase-Based Model</a:t>
+            </a:r>
+          </a:p>
+          <a:p>
+            <a:endParaRPr lang="en-US" u="sng" dirty="0"/>
+          </a:p>
+          <a:p>
+            <a:r>
+              <a:rPr lang="en-US" u="sng" dirty="0"/>
+              <a:t>Comparing Automatic Evaluation Measures for Image Description</a:t>
+            </a:r>
+          </a:p>
+          <a:p>
+            <a:endParaRPr lang="en-US" dirty="0"/>
           </a:p>
         </p:txBody>
       </p:sp>
@@ -4309,31 +8028,38 @@
           </a:p>
         </p:txBody>
       </p:sp>
-      <p:sp>
-        <p:nvSpPr>
-          <p:cNvPr id="3" name="Content Placeholder 2">
+      <p:pic>
+        <p:nvPicPr>
+          <p:cNvPr id="5" name="Content Placeholder 4">
             <a:extLst>
               <a:ext uri="{FF2B5EF4-FFF2-40B4-BE49-F238E27FC236}">
-                <a16:creationId xmlns:a16="http://schemas.microsoft.com/office/drawing/2014/main" id="{E325B3E5-7DA9-4BA0-A1A8-E726187AD2EF}"/>
+                <a16:creationId xmlns:a16="http://schemas.microsoft.com/office/drawing/2014/main" id="{56E33252-2317-4943-A8AD-E9D503046EAE}"/>
               </a:ext>
             </a:extLst>
           </p:cNvPr>
-          <p:cNvSpPr>
-            <a:spLocks noGrp="1"/>
-          </p:cNvSpPr>
+          <p:cNvPicPr>
+            <a:picLocks noGrp="1" noChangeAspect="1"/>
+          </p:cNvPicPr>
           <p:nvPr>
             <p:ph idx="1"/>
           </p:nvPr>
-        </p:nvSpPr>
-        <p:spPr/>
-        <p:txBody>
-          <a:bodyPr/>
-          <a:lstStyle/>
-          <a:p>
-            <a:endParaRPr lang="en-US"/>
-          </a:p>
-        </p:txBody>
-      </p:sp>
+        </p:nvPicPr>
+        <p:blipFill>
+          <a:blip r:embed="rId2"/>
+          <a:stretch>
+            <a:fillRect/>
+          </a:stretch>
+        </p:blipFill>
+        <p:spPr>
+          <a:xfrm>
+            <a:off x="2194561" y="1360516"/>
+            <a:ext cx="7427741" cy="5101356"/>
+          </a:xfrm>
+          <a:prstGeom prst="rect">
+            <a:avLst/>
+          </a:prstGeom>
+        </p:spPr>
+      </p:pic>
     </p:spTree>
     <p:extLst>
       <p:ext uri="{BB962C8B-B14F-4D97-AF65-F5344CB8AC3E}">
@@ -4369,7 +8095,7 @@
           <p:cNvPr id="2" name="Title 1">
             <a:extLst>
               <a:ext uri="{FF2B5EF4-FFF2-40B4-BE49-F238E27FC236}">
-                <a16:creationId xmlns:a16="http://schemas.microsoft.com/office/drawing/2014/main" id="{B51DF962-9D1E-4E02-89FC-2198B7BE4337}"/>
+                <a16:creationId xmlns:a16="http://schemas.microsoft.com/office/drawing/2014/main" id="{6F9E41D1-9180-4119-B00D-C9711382992E}"/>
               </a:ext>
             </a:extLst>
           </p:cNvPr>
@@ -4387,40 +8113,47 @@
           <a:p>
             <a:r>
               <a:rPr lang="en-US" dirty="0"/>
-              <a:t>Approach</a:t>
+              <a:t>Data Set</a:t>
             </a:r>
           </a:p>
         </p:txBody>
       </p:sp>
-      <p:sp>
-        <p:nvSpPr>
-          <p:cNvPr id="3" name="Content Placeholder 2">
+      <p:pic>
+        <p:nvPicPr>
+          <p:cNvPr id="4" name="Content Placeholder 3">
             <a:extLst>
               <a:ext uri="{FF2B5EF4-FFF2-40B4-BE49-F238E27FC236}">
-                <a16:creationId xmlns:a16="http://schemas.microsoft.com/office/drawing/2014/main" id="{915FEF1B-93EE-410A-9266-783CF0B77D68}"/>
+                <a16:creationId xmlns:a16="http://schemas.microsoft.com/office/drawing/2014/main" id="{25519A01-2418-4DA0-A07C-AE13F5212368}"/>
               </a:ext>
             </a:extLst>
           </p:cNvPr>
-          <p:cNvSpPr>
-            <a:spLocks noGrp="1"/>
-          </p:cNvSpPr>
+          <p:cNvPicPr>
+            <a:picLocks noGrp="1" noChangeAspect="1"/>
+          </p:cNvPicPr>
           <p:nvPr>
             <p:ph idx="1"/>
           </p:nvPr>
-        </p:nvSpPr>
-        <p:spPr/>
-        <p:txBody>
-          <a:bodyPr/>
-          <a:lstStyle/>
-          <a:p>
-            <a:endParaRPr lang="en-US"/>
-          </a:p>
-        </p:txBody>
-      </p:sp>
+        </p:nvPicPr>
+        <p:blipFill>
+          <a:blip r:embed="rId2"/>
+          <a:stretch>
+            <a:fillRect/>
+          </a:stretch>
+        </p:blipFill>
+        <p:spPr>
+          <a:xfrm>
+            <a:off x="2095500" y="1487219"/>
+            <a:ext cx="8001000" cy="5011899"/>
+          </a:xfrm>
+          <a:prstGeom prst="rect">
+            <a:avLst/>
+          </a:prstGeom>
+        </p:spPr>
+      </p:pic>
     </p:spTree>
     <p:extLst>
       <p:ext uri="{BB962C8B-B14F-4D97-AF65-F5344CB8AC3E}">
-        <p14:creationId xmlns:p14="http://schemas.microsoft.com/office/powerpoint/2010/main" val="2837690224"/>
+        <p14:creationId xmlns:p14="http://schemas.microsoft.com/office/powerpoint/2010/main" val="575011865"/>
       </p:ext>
     </p:extLst>
   </p:cSld>
@@ -4452,7 +8185,7 @@
           <p:cNvPr id="2" name="Title 1">
             <a:extLst>
               <a:ext uri="{FF2B5EF4-FFF2-40B4-BE49-F238E27FC236}">
-                <a16:creationId xmlns:a16="http://schemas.microsoft.com/office/drawing/2014/main" id="{EA937B4D-6FD6-4BC7-AE20-CFFDA00176A4}"/>
+                <a16:creationId xmlns:a16="http://schemas.microsoft.com/office/drawing/2014/main" id="{B51DF962-9D1E-4E02-89FC-2198B7BE4337}"/>
               </a:ext>
             </a:extLst>
           </p:cNvPr>
@@ -4470,40 +8203,43 @@
           <a:p>
             <a:r>
               <a:rPr lang="en-US" dirty="0"/>
-              <a:t>Challenges</a:t>
+              <a:t>Approach</a:t>
             </a:r>
           </a:p>
         </p:txBody>
       </p:sp>
-      <p:sp>
-        <p:nvSpPr>
-          <p:cNvPr id="3" name="Content Placeholder 2">
+      <p:graphicFrame>
+        <p:nvGraphicFramePr>
+          <p:cNvPr id="5" name="Diagram 4">
             <a:extLst>
               <a:ext uri="{FF2B5EF4-FFF2-40B4-BE49-F238E27FC236}">
-                <a16:creationId xmlns:a16="http://schemas.microsoft.com/office/drawing/2014/main" id="{23BB1713-D6AB-4673-B1F7-07C0814076EC}"/>
+                <a16:creationId xmlns:a16="http://schemas.microsoft.com/office/drawing/2014/main" id="{87232ED1-7115-439B-9B30-80523551B8C6}"/>
               </a:ext>
             </a:extLst>
           </p:cNvPr>
-          <p:cNvSpPr>
-            <a:spLocks noGrp="1"/>
-          </p:cNvSpPr>
-          <p:nvPr>
-            <p:ph idx="1"/>
-          </p:nvPr>
-        </p:nvSpPr>
-        <p:spPr/>
-        <p:txBody>
-          <a:bodyPr/>
-          <a:lstStyle/>
-          <a:p>
-            <a:endParaRPr lang="en-US"/>
-          </a:p>
-        </p:txBody>
-      </p:sp>
+          <p:cNvGraphicFramePr/>
+          <p:nvPr>
+            <p:extLst>
+              <p:ext uri="{D42A27DB-BD31-4B8C-83A1-F6EECF244321}">
+                <p14:modId xmlns:p14="http://schemas.microsoft.com/office/powerpoint/2010/main" val="3001742490"/>
+              </p:ext>
+            </p:extLst>
+          </p:nvPr>
+        </p:nvGraphicFramePr>
+        <p:xfrm>
+          <a:off x="1219200" y="1741819"/>
+          <a:ext cx="7848600" cy="4592721"/>
+        </p:xfrm>
+        <a:graphic>
+          <a:graphicData uri="http://schemas.openxmlformats.org/drawingml/2006/diagram">
+            <dgm:relIds xmlns:dgm="http://schemas.openxmlformats.org/drawingml/2006/diagram" xmlns:r="http://schemas.openxmlformats.org/officeDocument/2006/relationships" r:dm="rId2" r:lo="rId3" r:qs="rId4" r:cs="rId5"/>
+          </a:graphicData>
+        </a:graphic>
+      </p:graphicFrame>
     </p:spTree>
     <p:extLst>
       <p:ext uri="{BB962C8B-B14F-4D97-AF65-F5344CB8AC3E}">
-        <p14:creationId xmlns:p14="http://schemas.microsoft.com/office/powerpoint/2010/main" val="350392171"/>
+        <p14:creationId xmlns:p14="http://schemas.microsoft.com/office/powerpoint/2010/main" val="2837690224"/>
       </p:ext>
     </p:extLst>
   </p:cSld>
@@ -4535,7 +8271,7 @@
           <p:cNvPr id="2" name="Title 1">
             <a:extLst>
               <a:ext uri="{FF2B5EF4-FFF2-40B4-BE49-F238E27FC236}">
-                <a16:creationId xmlns:a16="http://schemas.microsoft.com/office/drawing/2014/main" id="{144C5CE9-7C37-404F-94E1-335BC8DDFECE}"/>
+                <a16:creationId xmlns:a16="http://schemas.microsoft.com/office/drawing/2014/main" id="{79C715C1-DB03-4E8B-86BA-A27BF62047E2}"/>
               </a:ext>
             </a:extLst>
           </p:cNvPr>
@@ -4553,7 +8289,7 @@
           <a:p>
             <a:r>
               <a:rPr lang="en-US" dirty="0"/>
-              <a:t>Results	</a:t>
+              <a:t>Multi-Linear Regression Model</a:t>
             </a:r>
           </a:p>
         </p:txBody>
@@ -4563,7 +8299,7 @@
           <p:cNvPr id="3" name="Content Placeholder 2">
             <a:extLst>
               <a:ext uri="{FF2B5EF4-FFF2-40B4-BE49-F238E27FC236}">
-                <a16:creationId xmlns:a16="http://schemas.microsoft.com/office/drawing/2014/main" id="{89BF5AA6-0CD2-43BC-A120-59CED549B3CB}"/>
+                <a16:creationId xmlns:a16="http://schemas.microsoft.com/office/drawing/2014/main" id="{2F91716E-8837-4182-9DAE-AF500ED87745}"/>
               </a:ext>
             </a:extLst>
           </p:cNvPr>
@@ -4586,7 +8322,7 @@
     </p:spTree>
     <p:extLst>
       <p:ext uri="{BB962C8B-B14F-4D97-AF65-F5344CB8AC3E}">
-        <p14:creationId xmlns:p14="http://schemas.microsoft.com/office/powerpoint/2010/main" val="3501054786"/>
+        <p14:creationId xmlns:p14="http://schemas.microsoft.com/office/powerpoint/2010/main" val="106928752"/>
       </p:ext>
     </p:extLst>
   </p:cSld>
@@ -4618,7 +8354,7 @@
           <p:cNvPr id="2" name="Title 1">
             <a:extLst>
               <a:ext uri="{FF2B5EF4-FFF2-40B4-BE49-F238E27FC236}">
-                <a16:creationId xmlns:a16="http://schemas.microsoft.com/office/drawing/2014/main" id="{11F196E2-2B7D-4C0F-86A5-4F324CD3C545}"/>
+                <a16:creationId xmlns:a16="http://schemas.microsoft.com/office/drawing/2014/main" id="{97E5613E-828E-44A7-AB93-A1DF11F4A376}"/>
               </a:ext>
             </a:extLst>
           </p:cNvPr>
@@ -4636,7 +8372,7 @@
           <a:p>
             <a:r>
               <a:rPr lang="en-US" dirty="0"/>
-              <a:t>Conclusion</a:t>
+              <a:t>Decision Tree Model	</a:t>
             </a:r>
           </a:p>
         </p:txBody>
@@ -4646,7 +8382,7 @@
           <p:cNvPr id="3" name="Content Placeholder 2">
             <a:extLst>
               <a:ext uri="{FF2B5EF4-FFF2-40B4-BE49-F238E27FC236}">
-                <a16:creationId xmlns:a16="http://schemas.microsoft.com/office/drawing/2014/main" id="{7F91B946-5E39-4B1F-9074-3F1BD35FE13A}"/>
+                <a16:creationId xmlns:a16="http://schemas.microsoft.com/office/drawing/2014/main" id="{BF46AFD3-4860-4576-A3BC-F0333F8B36A2}"/>
               </a:ext>
             </a:extLst>
           </p:cNvPr>
@@ -4669,7 +8405,7 @@
     </p:spTree>
     <p:extLst>
       <p:ext uri="{BB962C8B-B14F-4D97-AF65-F5344CB8AC3E}">
-        <p14:creationId xmlns:p14="http://schemas.microsoft.com/office/powerpoint/2010/main" val="3719162611"/>
+        <p14:creationId xmlns:p14="http://schemas.microsoft.com/office/powerpoint/2010/main" val="3701242611"/>
       </p:ext>
     </p:extLst>
   </p:cSld>

--- a/Submissions/Final Project PPT.pptx
+++ b/Submissions/Final Project PPT.pptx
@@ -15,9 +15,8 @@
     <p:sldId id="266" r:id="rId9"/>
     <p:sldId id="267" r:id="rId10"/>
     <p:sldId id="268" r:id="rId11"/>
-    <p:sldId id="263" r:id="rId12"/>
-    <p:sldId id="262" r:id="rId13"/>
-    <p:sldId id="265" r:id="rId14"/>
+    <p:sldId id="262" r:id="rId12"/>
+    <p:sldId id="265" r:id="rId13"/>
   </p:sldIdLst>
   <p:sldSz cx="12192000" cy="6858000"/>
   <p:notesSz cx="6858000" cy="9144000"/>
@@ -3568,7 +3567,7 @@
           <a:p>
             <a:fld id="{2FBAC110-908E-4E2F-BBF2-79A09E6C2900}" type="datetimeFigureOut">
               <a:rPr lang="en-US" smtClean="0"/>
-              <a:t>6/3/2020</a:t>
+              <a:t>6/4/2020</a:t>
             </a:fld>
             <a:endParaRPr lang="en-US"/>
           </a:p>
@@ -3898,7 +3897,7 @@
           <a:p>
             <a:fld id="{2FBAC110-908E-4E2F-BBF2-79A09E6C2900}" type="datetimeFigureOut">
               <a:rPr lang="en-US" smtClean="0"/>
-              <a:t>6/3/2020</a:t>
+              <a:t>6/4/2020</a:t>
             </a:fld>
             <a:endParaRPr lang="en-US"/>
           </a:p>
@@ -4078,7 +4077,7 @@
           <a:p>
             <a:fld id="{2FBAC110-908E-4E2F-BBF2-79A09E6C2900}" type="datetimeFigureOut">
               <a:rPr lang="en-US" smtClean="0"/>
-              <a:t>6/3/2020</a:t>
+              <a:t>6/4/2020</a:t>
             </a:fld>
             <a:endParaRPr lang="en-US"/>
           </a:p>
@@ -4248,7 +4247,7 @@
           <a:p>
             <a:fld id="{2FBAC110-908E-4E2F-BBF2-79A09E6C2900}" type="datetimeFigureOut">
               <a:rPr lang="en-US" smtClean="0"/>
-              <a:t>6/3/2020</a:t>
+              <a:t>6/4/2020</a:t>
             </a:fld>
             <a:endParaRPr lang="en-US"/>
           </a:p>
@@ -4525,7 +4524,7 @@
           <a:p>
             <a:fld id="{2FBAC110-908E-4E2F-BBF2-79A09E6C2900}" type="datetimeFigureOut">
               <a:rPr lang="en-US" smtClean="0"/>
-              <a:t>6/3/2020</a:t>
+              <a:t>6/4/2020</a:t>
             </a:fld>
             <a:endParaRPr lang="en-US"/>
           </a:p>
@@ -4919,7 +4918,7 @@
           <a:p>
             <a:fld id="{2FBAC110-908E-4E2F-BBF2-79A09E6C2900}" type="datetimeFigureOut">
               <a:rPr lang="en-US" smtClean="0"/>
-              <a:t>6/3/2020</a:t>
+              <a:t>6/4/2020</a:t>
             </a:fld>
             <a:endParaRPr lang="en-US"/>
           </a:p>
@@ -5396,7 +5395,7 @@
           <a:p>
             <a:fld id="{2FBAC110-908E-4E2F-BBF2-79A09E6C2900}" type="datetimeFigureOut">
               <a:rPr lang="en-US" smtClean="0"/>
-              <a:t>6/3/2020</a:t>
+              <a:t>6/4/2020</a:t>
             </a:fld>
             <a:endParaRPr lang="en-US"/>
           </a:p>
@@ -5514,7 +5513,7 @@
           <a:p>
             <a:fld id="{2FBAC110-908E-4E2F-BBF2-79A09E6C2900}" type="datetimeFigureOut">
               <a:rPr lang="en-US" smtClean="0"/>
-              <a:t>6/3/2020</a:t>
+              <a:t>6/4/2020</a:t>
             </a:fld>
             <a:endParaRPr lang="en-US"/>
           </a:p>
@@ -5609,7 +5608,7 @@
           <a:p>
             <a:fld id="{2FBAC110-908E-4E2F-BBF2-79A09E6C2900}" type="datetimeFigureOut">
               <a:rPr lang="en-US" smtClean="0"/>
-              <a:t>6/3/2020</a:t>
+              <a:t>6/4/2020</a:t>
             </a:fld>
             <a:endParaRPr lang="en-US"/>
           </a:p>
@@ -5955,7 +5954,7 @@
           <a:p>
             <a:fld id="{2FBAC110-908E-4E2F-BBF2-79A09E6C2900}" type="datetimeFigureOut">
               <a:rPr lang="en-US" smtClean="0"/>
-              <a:t>6/3/2020</a:t>
+              <a:t>6/4/2020</a:t>
             </a:fld>
             <a:endParaRPr lang="en-US"/>
           </a:p>
@@ -6343,7 +6342,7 @@
           <a:p>
             <a:fld id="{2FBAC110-908E-4E2F-BBF2-79A09E6C2900}" type="datetimeFigureOut">
               <a:rPr lang="en-US" smtClean="0"/>
-              <a:t>6/3/2020</a:t>
+              <a:t>6/4/2020</a:t>
             </a:fld>
             <a:endParaRPr lang="en-US"/>
           </a:p>
@@ -6621,7 +6620,7 @@
           <a:p>
             <a:fld id="{2FBAC110-908E-4E2F-BBF2-79A09E6C2900}" type="datetimeFigureOut">
               <a:rPr lang="en-US" smtClean="0"/>
-              <a:t>6/3/2020</a:t>
+              <a:t>6/4/2020</a:t>
             </a:fld>
             <a:endParaRPr lang="en-US"/>
           </a:p>
@@ -7255,31 +7254,36 @@
           </a:p>
         </p:txBody>
       </p:sp>
-      <p:sp>
-        <p:nvSpPr>
-          <p:cNvPr id="3" name="Content Placeholder 2">
+      <p:pic>
+        <p:nvPicPr>
+          <p:cNvPr id="4" name="Picture 3">
             <a:extLst>
               <a:ext uri="{FF2B5EF4-FFF2-40B4-BE49-F238E27FC236}">
-                <a16:creationId xmlns:a16="http://schemas.microsoft.com/office/drawing/2014/main" id="{6DEA3A57-BEA2-47D9-A2C0-E77A8C0C8208}"/>
+                <a16:creationId xmlns:a16="http://schemas.microsoft.com/office/drawing/2014/main" id="{A2136936-4465-4B60-A54B-C635393965BF}"/>
               </a:ext>
             </a:extLst>
           </p:cNvPr>
-          <p:cNvSpPr>
-            <a:spLocks noGrp="1"/>
-          </p:cNvSpPr>
-          <p:nvPr>
-            <p:ph idx="1"/>
-          </p:nvPr>
-        </p:nvSpPr>
-        <p:spPr/>
-        <p:txBody>
-          <a:bodyPr/>
-          <a:lstStyle/>
-          <a:p>
-            <a:endParaRPr lang="en-US"/>
-          </a:p>
-        </p:txBody>
-      </p:sp>
+          <p:cNvPicPr>
+            <a:picLocks noChangeAspect="1"/>
+          </p:cNvPicPr>
+          <p:nvPr/>
+        </p:nvPicPr>
+        <p:blipFill>
+          <a:blip r:embed="rId2"/>
+          <a:stretch>
+            <a:fillRect/>
+          </a:stretch>
+        </p:blipFill>
+        <p:spPr>
+          <a:xfrm>
+            <a:off x="1604962" y="1590675"/>
+            <a:ext cx="8982075" cy="3676650"/>
+          </a:xfrm>
+          <a:prstGeom prst="rect">
+            <a:avLst/>
+          </a:prstGeom>
+        </p:spPr>
+      </p:pic>
     </p:spTree>
     <p:extLst>
       <p:ext uri="{BB962C8B-B14F-4D97-AF65-F5344CB8AC3E}">
@@ -7294,89 +7298,6 @@
 </file>
 
 <file path=ppt/slides/slide11.xml><?xml version="1.0" encoding="utf-8"?>
-<p:sld xmlns:a="http://schemas.openxmlformats.org/drawingml/2006/main" xmlns:r="http://schemas.openxmlformats.org/officeDocument/2006/relationships" xmlns:p="http://schemas.openxmlformats.org/presentationml/2006/main">
-  <p:cSld>
-    <p:spTree>
-      <p:nvGrpSpPr>
-        <p:cNvPr id="1" name=""/>
-        <p:cNvGrpSpPr/>
-        <p:nvPr/>
-      </p:nvGrpSpPr>
-      <p:grpSpPr>
-        <a:xfrm>
-          <a:off x="0" y="0"/>
-          <a:ext cx="0" cy="0"/>
-          <a:chOff x="0" y="0"/>
-          <a:chExt cx="0" cy="0"/>
-        </a:xfrm>
-      </p:grpSpPr>
-      <p:sp>
-        <p:nvSpPr>
-          <p:cNvPr id="2" name="Title 1">
-            <a:extLst>
-              <a:ext uri="{FF2B5EF4-FFF2-40B4-BE49-F238E27FC236}">
-                <a16:creationId xmlns:a16="http://schemas.microsoft.com/office/drawing/2014/main" id="{EA937B4D-6FD6-4BC7-AE20-CFFDA00176A4}"/>
-              </a:ext>
-            </a:extLst>
-          </p:cNvPr>
-          <p:cNvSpPr>
-            <a:spLocks noGrp="1"/>
-          </p:cNvSpPr>
-          <p:nvPr>
-            <p:ph type="title"/>
-          </p:nvPr>
-        </p:nvSpPr>
-        <p:spPr/>
-        <p:txBody>
-          <a:bodyPr/>
-          <a:lstStyle/>
-          <a:p>
-            <a:r>
-              <a:rPr lang="en-US" dirty="0"/>
-              <a:t>Challenges</a:t>
-            </a:r>
-          </a:p>
-        </p:txBody>
-      </p:sp>
-      <p:sp>
-        <p:nvSpPr>
-          <p:cNvPr id="3" name="Content Placeholder 2">
-            <a:extLst>
-              <a:ext uri="{FF2B5EF4-FFF2-40B4-BE49-F238E27FC236}">
-                <a16:creationId xmlns:a16="http://schemas.microsoft.com/office/drawing/2014/main" id="{23BB1713-D6AB-4673-B1F7-07C0814076EC}"/>
-              </a:ext>
-            </a:extLst>
-          </p:cNvPr>
-          <p:cNvSpPr>
-            <a:spLocks noGrp="1"/>
-          </p:cNvSpPr>
-          <p:nvPr>
-            <p:ph idx="1"/>
-          </p:nvPr>
-        </p:nvSpPr>
-        <p:spPr/>
-        <p:txBody>
-          <a:bodyPr/>
-          <a:lstStyle/>
-          <a:p>
-            <a:endParaRPr lang="en-US"/>
-          </a:p>
-        </p:txBody>
-      </p:sp>
-    </p:spTree>
-    <p:extLst>
-      <p:ext uri="{BB962C8B-B14F-4D97-AF65-F5344CB8AC3E}">
-        <p14:creationId xmlns:p14="http://schemas.microsoft.com/office/powerpoint/2010/main" val="350392171"/>
-      </p:ext>
-    </p:extLst>
-  </p:cSld>
-  <p:clrMapOvr>
-    <a:masterClrMapping/>
-  </p:clrMapOvr>
-</p:sld>
-</file>
-
-<file path=ppt/slides/slide12.xml><?xml version="1.0" encoding="utf-8"?>
 <p:sld xmlns:a="http://schemas.openxmlformats.org/drawingml/2006/main" xmlns:r="http://schemas.openxmlformats.org/officeDocument/2006/relationships" xmlns:p="http://schemas.openxmlformats.org/presentationml/2006/main">
   <p:cSld>
     <p:spTree>
@@ -7421,31 +7342,6 @@
           </a:p>
         </p:txBody>
       </p:sp>
-      <p:sp>
-        <p:nvSpPr>
-          <p:cNvPr id="3" name="Content Placeholder 2">
-            <a:extLst>
-              <a:ext uri="{FF2B5EF4-FFF2-40B4-BE49-F238E27FC236}">
-                <a16:creationId xmlns:a16="http://schemas.microsoft.com/office/drawing/2014/main" id="{7F91B946-5E39-4B1F-9074-3F1BD35FE13A}"/>
-              </a:ext>
-            </a:extLst>
-          </p:cNvPr>
-          <p:cNvSpPr>
-            <a:spLocks noGrp="1"/>
-          </p:cNvSpPr>
-          <p:nvPr>
-            <p:ph idx="1"/>
-          </p:nvPr>
-        </p:nvSpPr>
-        <p:spPr/>
-        <p:txBody>
-          <a:bodyPr/>
-          <a:lstStyle/>
-          <a:p>
-            <a:endParaRPr lang="en-US"/>
-          </a:p>
-        </p:txBody>
-      </p:sp>
     </p:spTree>
     <p:extLst>
       <p:ext uri="{BB962C8B-B14F-4D97-AF65-F5344CB8AC3E}">
@@ -7459,7 +7355,7 @@
 </p:sld>
 </file>
 
-<file path=ppt/slides/slide13.xml><?xml version="1.0" encoding="utf-8"?>
+<file path=ppt/slides/slide12.xml><?xml version="1.0" encoding="utf-8"?>
 <p:sld xmlns:a="http://schemas.openxmlformats.org/drawingml/2006/main" xmlns:r="http://schemas.openxmlformats.org/officeDocument/2006/relationships" xmlns:p="http://schemas.openxmlformats.org/presentationml/2006/main">
   <p:cSld>
     <p:spTree>
@@ -7643,6 +7539,35 @@
               <a:rPr lang="en-US" dirty="0"/>
               <a:t>/crowdflower/image-descriptions/workspace/data-dictionary.</a:t>
             </a:r>
+          </a:p>
+          <a:p>
+            <a:r>
+              <a:rPr lang="en-US" i="1" dirty="0"/>
+              <a:t>Naive Bayes classification using </a:t>
+            </a:r>
+            <a:r>
+              <a:rPr lang="en-US" i="1" dirty="0" err="1"/>
+              <a:t>scikit</a:t>
+            </a:r>
+            <a:r>
+              <a:rPr lang="en-US" i="1" dirty="0"/>
+              <a:t>-learn</a:t>
+            </a:r>
+            <a:r>
+              <a:rPr lang="en-US" dirty="0"/>
+              <a:t>. (n.d.). </a:t>
+            </a:r>
+            <a:r>
+              <a:rPr lang="en-US" dirty="0" err="1"/>
+              <a:t>DataCamp</a:t>
+            </a:r>
+            <a:r>
+              <a:rPr lang="en-US" dirty="0"/>
+              <a:t> Community. https://www.datacamp.com/community/tutorials/naive-bayes-scikit-learn</a:t>
+            </a:r>
+          </a:p>
+          <a:p>
+            <a:endParaRPr lang="en-US" dirty="0"/>
           </a:p>
           <a:p>
             <a:endParaRPr lang="en-US" dirty="0"/>
@@ -8294,31 +8219,38 @@
           </a:p>
         </p:txBody>
       </p:sp>
-      <p:sp>
-        <p:nvSpPr>
-          <p:cNvPr id="3" name="Content Placeholder 2">
+      <p:pic>
+        <p:nvPicPr>
+          <p:cNvPr id="4" name="Content Placeholder 3">
             <a:extLst>
               <a:ext uri="{FF2B5EF4-FFF2-40B4-BE49-F238E27FC236}">
-                <a16:creationId xmlns:a16="http://schemas.microsoft.com/office/drawing/2014/main" id="{2F91716E-8837-4182-9DAE-AF500ED87745}"/>
+                <a16:creationId xmlns:a16="http://schemas.microsoft.com/office/drawing/2014/main" id="{639AE0B5-3BE6-426C-BF39-E4C9A4F3F69F}"/>
               </a:ext>
             </a:extLst>
           </p:cNvPr>
-          <p:cNvSpPr>
-            <a:spLocks noGrp="1"/>
-          </p:cNvSpPr>
+          <p:cNvPicPr>
+            <a:picLocks noGrp="1"/>
+          </p:cNvPicPr>
           <p:nvPr>
             <p:ph idx="1"/>
           </p:nvPr>
-        </p:nvSpPr>
-        <p:spPr/>
-        <p:txBody>
-          <a:bodyPr/>
-          <a:lstStyle/>
-          <a:p>
-            <a:endParaRPr lang="en-US"/>
-          </a:p>
-        </p:txBody>
-      </p:sp>
+        </p:nvPicPr>
+        <p:blipFill>
+          <a:blip r:embed="rId2"/>
+          <a:stretch>
+            <a:fillRect/>
+          </a:stretch>
+        </p:blipFill>
+        <p:spPr>
+          <a:xfrm>
+            <a:off x="1688124" y="1420837"/>
+            <a:ext cx="8651630" cy="5233181"/>
+          </a:xfrm>
+          <a:prstGeom prst="rect">
+            <a:avLst/>
+          </a:prstGeom>
+        </p:spPr>
+      </p:pic>
     </p:spTree>
     <p:extLst>
       <p:ext uri="{BB962C8B-B14F-4D97-AF65-F5344CB8AC3E}">
@@ -8377,31 +8309,38 @@
           </a:p>
         </p:txBody>
       </p:sp>
-      <p:sp>
-        <p:nvSpPr>
-          <p:cNvPr id="3" name="Content Placeholder 2">
+      <p:pic>
+        <p:nvPicPr>
+          <p:cNvPr id="4" name="Content Placeholder 3">
             <a:extLst>
               <a:ext uri="{FF2B5EF4-FFF2-40B4-BE49-F238E27FC236}">
-                <a16:creationId xmlns:a16="http://schemas.microsoft.com/office/drawing/2014/main" id="{BF46AFD3-4860-4576-A3BC-F0333F8B36A2}"/>
+                <a16:creationId xmlns:a16="http://schemas.microsoft.com/office/drawing/2014/main" id="{854D2273-C877-46A3-B01B-4F7EA573A720}"/>
               </a:ext>
             </a:extLst>
           </p:cNvPr>
-          <p:cNvSpPr>
-            <a:spLocks noGrp="1"/>
-          </p:cNvSpPr>
+          <p:cNvPicPr>
+            <a:picLocks noGrp="1" noChangeAspect="1"/>
+          </p:cNvPicPr>
           <p:nvPr>
             <p:ph idx="1"/>
           </p:nvPr>
-        </p:nvSpPr>
-        <p:spPr/>
-        <p:txBody>
-          <a:bodyPr/>
-          <a:lstStyle/>
-          <a:p>
-            <a:endParaRPr lang="en-US"/>
-          </a:p>
-        </p:txBody>
-      </p:sp>
+        </p:nvPicPr>
+        <p:blipFill>
+          <a:blip r:embed="rId2"/>
+          <a:stretch>
+            <a:fillRect/>
+          </a:stretch>
+        </p:blipFill>
+        <p:spPr>
+          <a:xfrm>
+            <a:off x="1826587" y="2286000"/>
+            <a:ext cx="8691225" cy="3581400"/>
+          </a:xfrm>
+          <a:prstGeom prst="rect">
+            <a:avLst/>
+          </a:prstGeom>
+        </p:spPr>
+      </p:pic>
     </p:spTree>
     <p:extLst>
       <p:ext uri="{BB962C8B-B14F-4D97-AF65-F5344CB8AC3E}">
